--- a/TERM_2/Lectures/IR/chap3part2.pptx
+++ b/TERM_2/Lectures/IR/chap3part2.pptx
@@ -1,39 +1,39 @@
 
 <file path=ppt/presentation.xml><?xml version="1.0" encoding="utf-8"?>
-<p:presentation xmlns:a="http://schemas.openxmlformats.org/drawingml/2006/main" xmlns:r="http://schemas.openxmlformats.org/officeDocument/2006/relationships" xmlns:p="http://schemas.openxmlformats.org/presentationml/2006/main" saveSubsetFonts="1">
+<p:presentation xmlns:a="http://schemas.openxmlformats.org/drawingml/2006/main" xmlns:r="http://schemas.openxmlformats.org/officeDocument/2006/relationships" xmlns:p="http://schemas.openxmlformats.org/presentationml/2006/main">
   <p:sldMasterIdLst>
     <p:sldMasterId id="2147483648" r:id="rId1"/>
   </p:sldMasterIdLst>
   <p:notesMasterIdLst>
-    <p:notesMasterId r:id="rId28"/>
+    <p:notesMasterId r:id="rId16"/>
   </p:notesMasterIdLst>
   <p:sldIdLst>
-    <p:sldId id="257" r:id="rId2"/>
-    <p:sldId id="258" r:id="rId3"/>
-    <p:sldId id="259" r:id="rId4"/>
-    <p:sldId id="260" r:id="rId5"/>
-    <p:sldId id="261" r:id="rId6"/>
-    <p:sldId id="262" r:id="rId7"/>
-    <p:sldId id="263" r:id="rId8"/>
-    <p:sldId id="264" r:id="rId9"/>
-    <p:sldId id="265" r:id="rId10"/>
-    <p:sldId id="266" r:id="rId11"/>
-    <p:sldId id="267" r:id="rId12"/>
-    <p:sldId id="268" r:id="rId13"/>
-    <p:sldId id="269" r:id="rId14"/>
-    <p:sldId id="270" r:id="rId15"/>
-    <p:sldId id="271" r:id="rId16"/>
-    <p:sldId id="272" r:id="rId17"/>
-    <p:sldId id="273" r:id="rId18"/>
-    <p:sldId id="274" r:id="rId19"/>
-    <p:sldId id="275" r:id="rId20"/>
-    <p:sldId id="276" r:id="rId21"/>
-    <p:sldId id="277" r:id="rId22"/>
-    <p:sldId id="278" r:id="rId23"/>
-    <p:sldId id="279" r:id="rId24"/>
-    <p:sldId id="280" r:id="rId25"/>
-    <p:sldId id="281" r:id="rId26"/>
-    <p:sldId id="282" r:id="rId27"/>
+    <p:sldId id="257" r:id="rId3"/>
+    <p:sldId id="258" r:id="rId4"/>
+    <p:sldId id="259" r:id="rId5"/>
+    <p:sldId id="260" r:id="rId6"/>
+    <p:sldId id="261" r:id="rId7"/>
+    <p:sldId id="262" r:id="rId8"/>
+    <p:sldId id="263" r:id="rId9"/>
+    <p:sldId id="264" r:id="rId10"/>
+    <p:sldId id="265" r:id="rId11"/>
+    <p:sldId id="266" r:id="rId12"/>
+    <p:sldId id="267" r:id="rId13"/>
+    <p:sldId id="268" r:id="rId14"/>
+    <p:sldId id="269" r:id="rId15"/>
+    <p:sldId id="270" r:id="rId17"/>
+    <p:sldId id="271" r:id="rId18"/>
+    <p:sldId id="272" r:id="rId19"/>
+    <p:sldId id="273" r:id="rId20"/>
+    <p:sldId id="274" r:id="rId21"/>
+    <p:sldId id="275" r:id="rId22"/>
+    <p:sldId id="276" r:id="rId23"/>
+    <p:sldId id="277" r:id="rId24"/>
+    <p:sldId id="278" r:id="rId25"/>
+    <p:sldId id="279" r:id="rId26"/>
+    <p:sldId id="280" r:id="rId27"/>
+    <p:sldId id="281" r:id="rId28"/>
+    <p:sldId id="282" r:id="rId29"/>
   </p:sldIdLst>
   <p:sldSz cx="9144000" cy="6858000" type="screen4x3"/>
   <p:notesSz cx="6858000" cy="9144000"/>
@@ -132,6 +132,22 @@
       </a:defRPr>
     </a:lvl9pPr>
   </p:defaultTextStyle>
+  <p:extLst>
+    <p:ext uri="{EFAFB233-063F-42B5-8137-9DF3F51BA10A}">
+      <p15:sldGuideLst xmlns:p15="http://schemas.microsoft.com/office/powerpoint/2012/main">
+        <p15:guide id="1" orient="horz" pos="2160" userDrawn="1">
+          <p15:clr>
+            <a:srgbClr val="A4A3A4"/>
+          </p15:clr>
+        </p15:guide>
+        <p15:guide id="2" pos="2880" userDrawn="1">
+          <p15:clr>
+            <a:srgbClr val="A4A3A4"/>
+          </p15:clr>
+        </p15:guide>
+      </p15:sldGuideLst>
+    </p:ext>
+  </p:extLst>
 </p:presentation>
 </file>
 
@@ -217,7 +233,6 @@
           <a:p>
             <a:fld id="{7DCE3CF7-6FA7-4484-8BCB-869918303B0E}" type="datetimeFigureOut">
               <a:rPr lang="en-US" smtClean="0"/>
-              <a:t>4/12/2023</a:t>
             </a:fld>
             <a:endParaRPr lang="en-US"/>
           </a:p>
@@ -286,6 +301,7 @@
               <a:rPr lang="en-US" smtClean="0"/>
               <a:t>Click to edit Master text styles</a:t>
             </a:r>
+            <a:endParaRPr lang="en-US" smtClean="0"/>
           </a:p>
           <a:p>
             <a:pPr lvl="1"/>
@@ -293,6 +309,7 @@
               <a:rPr lang="en-US" smtClean="0"/>
               <a:t>Second level</a:t>
             </a:r>
+            <a:endParaRPr lang="en-US" smtClean="0"/>
           </a:p>
           <a:p>
             <a:pPr lvl="2"/>
@@ -300,6 +317,7 @@
               <a:rPr lang="en-US" smtClean="0"/>
               <a:t>Third level</a:t>
             </a:r>
+            <a:endParaRPr lang="en-US" smtClean="0"/>
           </a:p>
           <a:p>
             <a:pPr lvl="3"/>
@@ -307,6 +325,7 @@
               <a:rPr lang="en-US" smtClean="0"/>
               <a:t>Fourth level</a:t>
             </a:r>
+            <a:endParaRPr lang="en-US" smtClean="0"/>
           </a:p>
           <a:p>
             <a:pPr lvl="4"/>
@@ -378,7 +397,6 @@
           <a:p>
             <a:fld id="{4D008F63-2A23-4BF2-A9A6-36FFCBE5E9E5}" type="slidenum">
               <a:rPr lang="en-US" smtClean="0"/>
-              <a:t>‹#›</a:t>
             </a:fld>
             <a:endParaRPr lang="en-US"/>
           </a:p>
@@ -509,9 +527,7 @@
             <p:ph type="sldImg"/>
           </p:nvPr>
         </p:nvSpPr>
-        <p:spPr>
-          <a:ln/>
-        </p:spPr>
+        <p:spPr/>
       </p:sp>
       <p:sp>
         <p:nvSpPr>
@@ -525,7 +541,6 @@
         </p:nvSpPr>
         <p:spPr>
           <a:noFill/>
-          <a:ln/>
         </p:spPr>
         <p:txBody>
           <a:bodyPr/>
@@ -533,10 +548,13 @@
           <a:p>
             <a:r>
               <a:rPr lang="en-US" altLang="en-US" smtClean="0">
-                <a:ea typeface="ＭＳ Ｐゴシック" pitchFamily="-112" charset="-128"/>
+                <a:ea typeface="MS PGothic" panose="020B0600070205080204" pitchFamily="34" charset="-128"/>
               </a:rPr>
               <a:t>Alternative is to generate everything up to edit distance k and then intersect.  Fine for distance 1; okay for distance 2. This is generally enough (Norvig).</a:t>
             </a:r>
+            <a:endParaRPr lang="en-US" altLang="en-US" smtClean="0">
+              <a:ea typeface="MS PGothic" panose="020B0600070205080204" pitchFamily="34" charset="-128"/>
+            </a:endParaRPr>
           </a:p>
         </p:txBody>
       </p:sp>
@@ -559,13 +577,11 @@
           <a:p>
             <a:fld id="{FB88A8B3-2113-4AB3-9A1C-F960ADE640CB}" type="slidenum">
               <a:rPr lang="en-US" altLang="en-US">
-                <a:ea typeface="ＭＳ Ｐゴシック" pitchFamily="-112" charset="-128"/>
-              </a:rPr>
-              <a:pPr/>
-              <a:t>13</a:t>
+                <a:ea typeface="MS PGothic" panose="020B0600070205080204" pitchFamily="34" charset="-128"/>
+              </a:rPr>
             </a:fld>
             <a:endParaRPr lang="en-US" altLang="en-US">
-              <a:ea typeface="ＭＳ Ｐゴシック" pitchFamily="-112" charset="-128"/>
+              <a:ea typeface="MS PGothic" panose="020B0600070205080204" pitchFamily="34" charset="-128"/>
             </a:endParaRPr>
           </a:p>
         </p:txBody>
@@ -759,7 +775,6 @@
           <a:p>
             <a:fld id="{3D5D973E-3C23-4E8C-8185-0955193573F0}" type="datetimeFigureOut">
               <a:rPr lang="en-US" smtClean="0"/>
-              <a:t>4/12/2023</a:t>
             </a:fld>
             <a:endParaRPr lang="en-US"/>
           </a:p>
@@ -801,7 +816,6 @@
           <a:p>
             <a:fld id="{D3636F23-F33F-4C65-B1D9-852EDDED90D3}" type="slidenum">
               <a:rPr lang="en-US" smtClean="0"/>
-              <a:t>‹#›</a:t>
             </a:fld>
             <a:endParaRPr lang="en-US"/>
           </a:p>
@@ -875,6 +889,7 @@
               <a:rPr lang="en-US" smtClean="0"/>
               <a:t>Click to edit Master text styles</a:t>
             </a:r>
+            <a:endParaRPr lang="en-US" smtClean="0"/>
           </a:p>
           <a:p>
             <a:pPr lvl="1"/>
@@ -882,6 +897,7 @@
               <a:rPr lang="en-US" smtClean="0"/>
               <a:t>Second level</a:t>
             </a:r>
+            <a:endParaRPr lang="en-US" smtClean="0"/>
           </a:p>
           <a:p>
             <a:pPr lvl="2"/>
@@ -889,6 +905,7 @@
               <a:rPr lang="en-US" smtClean="0"/>
               <a:t>Third level</a:t>
             </a:r>
+            <a:endParaRPr lang="en-US" smtClean="0"/>
           </a:p>
           <a:p>
             <a:pPr lvl="3"/>
@@ -896,6 +913,7 @@
               <a:rPr lang="en-US" smtClean="0"/>
               <a:t>Fourth level</a:t>
             </a:r>
+            <a:endParaRPr lang="en-US" smtClean="0"/>
           </a:p>
           <a:p>
             <a:pPr lvl="4"/>
@@ -924,7 +942,6 @@
           <a:p>
             <a:fld id="{3D5D973E-3C23-4E8C-8185-0955193573F0}" type="datetimeFigureOut">
               <a:rPr lang="en-US" smtClean="0"/>
-              <a:t>4/12/2023</a:t>
             </a:fld>
             <a:endParaRPr lang="en-US"/>
           </a:p>
@@ -966,7 +983,6 @@
           <a:p>
             <a:fld id="{D3636F23-F33F-4C65-B1D9-852EDDED90D3}" type="slidenum">
               <a:rPr lang="en-US" smtClean="0"/>
-              <a:t>‹#›</a:t>
             </a:fld>
             <a:endParaRPr lang="en-US"/>
           </a:p>
@@ -1050,6 +1066,7 @@
               <a:rPr lang="en-US" smtClean="0"/>
               <a:t>Click to edit Master text styles</a:t>
             </a:r>
+            <a:endParaRPr lang="en-US" smtClean="0"/>
           </a:p>
           <a:p>
             <a:pPr lvl="1"/>
@@ -1057,6 +1074,7 @@
               <a:rPr lang="en-US" smtClean="0"/>
               <a:t>Second level</a:t>
             </a:r>
+            <a:endParaRPr lang="en-US" smtClean="0"/>
           </a:p>
           <a:p>
             <a:pPr lvl="2"/>
@@ -1064,6 +1082,7 @@
               <a:rPr lang="en-US" smtClean="0"/>
               <a:t>Third level</a:t>
             </a:r>
+            <a:endParaRPr lang="en-US" smtClean="0"/>
           </a:p>
           <a:p>
             <a:pPr lvl="3"/>
@@ -1071,6 +1090,7 @@
               <a:rPr lang="en-US" smtClean="0"/>
               <a:t>Fourth level</a:t>
             </a:r>
+            <a:endParaRPr lang="en-US" smtClean="0"/>
           </a:p>
           <a:p>
             <a:pPr lvl="4"/>
@@ -1099,7 +1119,6 @@
           <a:p>
             <a:fld id="{3D5D973E-3C23-4E8C-8185-0955193573F0}" type="datetimeFigureOut">
               <a:rPr lang="en-US" smtClean="0"/>
-              <a:t>4/12/2023</a:t>
             </a:fld>
             <a:endParaRPr lang="en-US"/>
           </a:p>
@@ -1141,7 +1160,6 @@
           <a:p>
             <a:fld id="{D3636F23-F33F-4C65-B1D9-852EDDED90D3}" type="slidenum">
               <a:rPr lang="en-US" smtClean="0"/>
-              <a:t>‹#›</a:t>
             </a:fld>
             <a:endParaRPr lang="en-US"/>
           </a:p>
@@ -1215,6 +1233,7 @@
               <a:rPr lang="en-US" smtClean="0"/>
               <a:t>Click to edit Master text styles</a:t>
             </a:r>
+            <a:endParaRPr lang="en-US" smtClean="0"/>
           </a:p>
           <a:p>
             <a:pPr lvl="1"/>
@@ -1222,6 +1241,7 @@
               <a:rPr lang="en-US" smtClean="0"/>
               <a:t>Second level</a:t>
             </a:r>
+            <a:endParaRPr lang="en-US" smtClean="0"/>
           </a:p>
           <a:p>
             <a:pPr lvl="2"/>
@@ -1229,6 +1249,7 @@
               <a:rPr lang="en-US" smtClean="0"/>
               <a:t>Third level</a:t>
             </a:r>
+            <a:endParaRPr lang="en-US" smtClean="0"/>
           </a:p>
           <a:p>
             <a:pPr lvl="3"/>
@@ -1236,6 +1257,7 @@
               <a:rPr lang="en-US" smtClean="0"/>
               <a:t>Fourth level</a:t>
             </a:r>
+            <a:endParaRPr lang="en-US" smtClean="0"/>
           </a:p>
           <a:p>
             <a:pPr lvl="4"/>
@@ -1264,7 +1286,6 @@
           <a:p>
             <a:fld id="{3D5D973E-3C23-4E8C-8185-0955193573F0}" type="datetimeFigureOut">
               <a:rPr lang="en-US" smtClean="0"/>
-              <a:t>4/12/2023</a:t>
             </a:fld>
             <a:endParaRPr lang="en-US"/>
           </a:p>
@@ -1306,7 +1327,6 @@
           <a:p>
             <a:fld id="{D3636F23-F33F-4C65-B1D9-852EDDED90D3}" type="slidenum">
               <a:rPr lang="en-US" smtClean="0"/>
-              <a:t>‹#›</a:t>
             </a:fld>
             <a:endParaRPr lang="en-US"/>
           </a:p>
@@ -1485,6 +1505,7 @@
               <a:rPr lang="en-US" smtClean="0"/>
               <a:t>Click to edit Master text styles</a:t>
             </a:r>
+            <a:endParaRPr lang="en-US" smtClean="0"/>
           </a:p>
         </p:txBody>
       </p:sp>
@@ -1505,7 +1526,6 @@
           <a:p>
             <a:fld id="{3D5D973E-3C23-4E8C-8185-0955193573F0}" type="datetimeFigureOut">
               <a:rPr lang="en-US" smtClean="0"/>
-              <a:t>4/12/2023</a:t>
             </a:fld>
             <a:endParaRPr lang="en-US"/>
           </a:p>
@@ -1547,7 +1567,6 @@
           <a:p>
             <a:fld id="{D3636F23-F33F-4C65-B1D9-852EDDED90D3}" type="slidenum">
               <a:rPr lang="en-US" smtClean="0"/>
-              <a:t>‹#›</a:t>
             </a:fld>
             <a:endParaRPr lang="en-US"/>
           </a:p>
@@ -1654,6 +1673,7 @@
               <a:rPr lang="en-US" smtClean="0"/>
               <a:t>Click to edit Master text styles</a:t>
             </a:r>
+            <a:endParaRPr lang="en-US" smtClean="0"/>
           </a:p>
           <a:p>
             <a:pPr lvl="1"/>
@@ -1661,6 +1681,7 @@
               <a:rPr lang="en-US" smtClean="0"/>
               <a:t>Second level</a:t>
             </a:r>
+            <a:endParaRPr lang="en-US" smtClean="0"/>
           </a:p>
           <a:p>
             <a:pPr lvl="2"/>
@@ -1668,6 +1689,7 @@
               <a:rPr lang="en-US" smtClean="0"/>
               <a:t>Third level</a:t>
             </a:r>
+            <a:endParaRPr lang="en-US" smtClean="0"/>
           </a:p>
           <a:p>
             <a:pPr lvl="3"/>
@@ -1675,6 +1697,7 @@
               <a:rPr lang="en-US" smtClean="0"/>
               <a:t>Fourth level</a:t>
             </a:r>
+            <a:endParaRPr lang="en-US" smtClean="0"/>
           </a:p>
           <a:p>
             <a:pPr lvl="4"/>
@@ -1739,6 +1762,7 @@
               <a:rPr lang="en-US" smtClean="0"/>
               <a:t>Click to edit Master text styles</a:t>
             </a:r>
+            <a:endParaRPr lang="en-US" smtClean="0"/>
           </a:p>
           <a:p>
             <a:pPr lvl="1"/>
@@ -1746,6 +1770,7 @@
               <a:rPr lang="en-US" smtClean="0"/>
               <a:t>Second level</a:t>
             </a:r>
+            <a:endParaRPr lang="en-US" smtClean="0"/>
           </a:p>
           <a:p>
             <a:pPr lvl="2"/>
@@ -1753,6 +1778,7 @@
               <a:rPr lang="en-US" smtClean="0"/>
               <a:t>Third level</a:t>
             </a:r>
+            <a:endParaRPr lang="en-US" smtClean="0"/>
           </a:p>
           <a:p>
             <a:pPr lvl="3"/>
@@ -1760,6 +1786,7 @@
               <a:rPr lang="en-US" smtClean="0"/>
               <a:t>Fourth level</a:t>
             </a:r>
+            <a:endParaRPr lang="en-US" smtClean="0"/>
           </a:p>
           <a:p>
             <a:pPr lvl="4"/>
@@ -1788,7 +1815,6 @@
           <a:p>
             <a:fld id="{3D5D973E-3C23-4E8C-8185-0955193573F0}" type="datetimeFigureOut">
               <a:rPr lang="en-US" smtClean="0"/>
-              <a:t>4/12/2023</a:t>
             </a:fld>
             <a:endParaRPr lang="en-US"/>
           </a:p>
@@ -1830,7 +1856,6 @@
           <a:p>
             <a:fld id="{D3636F23-F33F-4C65-B1D9-852EDDED90D3}" type="slidenum">
               <a:rPr lang="en-US" smtClean="0"/>
-              <a:t>‹#›</a:t>
             </a:fld>
             <a:endParaRPr lang="en-US"/>
           </a:p>
@@ -1950,6 +1975,7 @@
               <a:rPr lang="en-US" smtClean="0"/>
               <a:t>Click to edit Master text styles</a:t>
             </a:r>
+            <a:endParaRPr lang="en-US" smtClean="0"/>
           </a:p>
         </p:txBody>
       </p:sp>
@@ -2006,6 +2032,7 @@
               <a:rPr lang="en-US" smtClean="0"/>
               <a:t>Click to edit Master text styles</a:t>
             </a:r>
+            <a:endParaRPr lang="en-US" smtClean="0"/>
           </a:p>
           <a:p>
             <a:pPr lvl="1"/>
@@ -2013,6 +2040,7 @@
               <a:rPr lang="en-US" smtClean="0"/>
               <a:t>Second level</a:t>
             </a:r>
+            <a:endParaRPr lang="en-US" smtClean="0"/>
           </a:p>
           <a:p>
             <a:pPr lvl="2"/>
@@ -2020,6 +2048,7 @@
               <a:rPr lang="en-US" smtClean="0"/>
               <a:t>Third level</a:t>
             </a:r>
+            <a:endParaRPr lang="en-US" smtClean="0"/>
           </a:p>
           <a:p>
             <a:pPr lvl="3"/>
@@ -2027,6 +2056,7 @@
               <a:rPr lang="en-US" smtClean="0"/>
               <a:t>Fourth level</a:t>
             </a:r>
+            <a:endParaRPr lang="en-US" smtClean="0"/>
           </a:p>
           <a:p>
             <a:pPr lvl="4"/>
@@ -2100,6 +2130,7 @@
               <a:rPr lang="en-US" smtClean="0"/>
               <a:t>Click to edit Master text styles</a:t>
             </a:r>
+            <a:endParaRPr lang="en-US" smtClean="0"/>
           </a:p>
         </p:txBody>
       </p:sp>
@@ -2156,6 +2187,7 @@
               <a:rPr lang="en-US" smtClean="0"/>
               <a:t>Click to edit Master text styles</a:t>
             </a:r>
+            <a:endParaRPr lang="en-US" smtClean="0"/>
           </a:p>
           <a:p>
             <a:pPr lvl="1"/>
@@ -2163,6 +2195,7 @@
               <a:rPr lang="en-US" smtClean="0"/>
               <a:t>Second level</a:t>
             </a:r>
+            <a:endParaRPr lang="en-US" smtClean="0"/>
           </a:p>
           <a:p>
             <a:pPr lvl="2"/>
@@ -2170,6 +2203,7 @@
               <a:rPr lang="en-US" smtClean="0"/>
               <a:t>Third level</a:t>
             </a:r>
+            <a:endParaRPr lang="en-US" smtClean="0"/>
           </a:p>
           <a:p>
             <a:pPr lvl="3"/>
@@ -2177,6 +2211,7 @@
               <a:rPr lang="en-US" smtClean="0"/>
               <a:t>Fourth level</a:t>
             </a:r>
+            <a:endParaRPr lang="en-US" smtClean="0"/>
           </a:p>
           <a:p>
             <a:pPr lvl="4"/>
@@ -2205,7 +2240,6 @@
           <a:p>
             <a:fld id="{3D5D973E-3C23-4E8C-8185-0955193573F0}" type="datetimeFigureOut">
               <a:rPr lang="en-US" smtClean="0"/>
-              <a:t>4/12/2023</a:t>
             </a:fld>
             <a:endParaRPr lang="en-US"/>
           </a:p>
@@ -2247,7 +2281,6 @@
           <a:p>
             <a:fld id="{D3636F23-F33F-4C65-B1D9-852EDDED90D3}" type="slidenum">
               <a:rPr lang="en-US" smtClean="0"/>
-              <a:t>‹#›</a:t>
             </a:fld>
             <a:endParaRPr lang="en-US"/>
           </a:p>
@@ -2318,7 +2351,6 @@
           <a:p>
             <a:fld id="{3D5D973E-3C23-4E8C-8185-0955193573F0}" type="datetimeFigureOut">
               <a:rPr lang="en-US" smtClean="0"/>
-              <a:t>4/12/2023</a:t>
             </a:fld>
             <a:endParaRPr lang="en-US"/>
           </a:p>
@@ -2360,7 +2392,6 @@
           <a:p>
             <a:fld id="{D3636F23-F33F-4C65-B1D9-852EDDED90D3}" type="slidenum">
               <a:rPr lang="en-US" smtClean="0"/>
-              <a:t>‹#›</a:t>
             </a:fld>
             <a:endParaRPr lang="en-US"/>
           </a:p>
@@ -2408,7 +2439,6 @@
           <a:p>
             <a:fld id="{3D5D973E-3C23-4E8C-8185-0955193573F0}" type="datetimeFigureOut">
               <a:rPr lang="en-US" smtClean="0"/>
-              <a:t>4/12/2023</a:t>
             </a:fld>
             <a:endParaRPr lang="en-US"/>
           </a:p>
@@ -2450,7 +2480,6 @@
           <a:p>
             <a:fld id="{D3636F23-F33F-4C65-B1D9-852EDDED90D3}" type="slidenum">
               <a:rPr lang="en-US" smtClean="0"/>
-              <a:t>‹#›</a:t>
             </a:fld>
             <a:endParaRPr lang="en-US"/>
           </a:p>
@@ -2566,6 +2595,7 @@
               <a:rPr lang="en-US" smtClean="0"/>
               <a:t>Click to edit Master text styles</a:t>
             </a:r>
+            <a:endParaRPr lang="en-US" smtClean="0"/>
           </a:p>
           <a:p>
             <a:pPr lvl="1"/>
@@ -2573,6 +2603,7 @@
               <a:rPr lang="en-US" smtClean="0"/>
               <a:t>Second level</a:t>
             </a:r>
+            <a:endParaRPr lang="en-US" smtClean="0"/>
           </a:p>
           <a:p>
             <a:pPr lvl="2"/>
@@ -2580,6 +2611,7 @@
               <a:rPr lang="en-US" smtClean="0"/>
               <a:t>Third level</a:t>
             </a:r>
+            <a:endParaRPr lang="en-US" smtClean="0"/>
           </a:p>
           <a:p>
             <a:pPr lvl="3"/>
@@ -2587,6 +2619,7 @@
               <a:rPr lang="en-US" smtClean="0"/>
               <a:t>Fourth level</a:t>
             </a:r>
+            <a:endParaRPr lang="en-US" smtClean="0"/>
           </a:p>
           <a:p>
             <a:pPr lvl="4"/>
@@ -2660,6 +2693,7 @@
               <a:rPr lang="en-US" smtClean="0"/>
               <a:t>Click to edit Master text styles</a:t>
             </a:r>
+            <a:endParaRPr lang="en-US" smtClean="0"/>
           </a:p>
         </p:txBody>
       </p:sp>
@@ -2680,7 +2714,6 @@
           <a:p>
             <a:fld id="{3D5D973E-3C23-4E8C-8185-0955193573F0}" type="datetimeFigureOut">
               <a:rPr lang="en-US" smtClean="0"/>
-              <a:t>4/12/2023</a:t>
             </a:fld>
             <a:endParaRPr lang="en-US"/>
           </a:p>
@@ -2722,7 +2755,6 @@
           <a:p>
             <a:fld id="{D3636F23-F33F-4C65-B1D9-852EDDED90D3}" type="slidenum">
               <a:rPr lang="en-US" smtClean="0"/>
-              <a:t>‹#›</a:t>
             </a:fld>
             <a:endParaRPr lang="en-US"/>
           </a:p>
@@ -2908,6 +2940,7 @@
               <a:rPr lang="en-US" smtClean="0"/>
               <a:t>Click to edit Master text styles</a:t>
             </a:r>
+            <a:endParaRPr lang="en-US" smtClean="0"/>
           </a:p>
         </p:txBody>
       </p:sp>
@@ -2928,7 +2961,6 @@
           <a:p>
             <a:fld id="{3D5D973E-3C23-4E8C-8185-0955193573F0}" type="datetimeFigureOut">
               <a:rPr lang="en-US" smtClean="0"/>
-              <a:t>4/12/2023</a:t>
             </a:fld>
             <a:endParaRPr lang="en-US"/>
           </a:p>
@@ -2970,7 +3002,6 @@
           <a:p>
             <a:fld id="{D3636F23-F33F-4C65-B1D9-852EDDED90D3}" type="slidenum">
               <a:rPr lang="en-US" smtClean="0"/>
-              <a:t>‹#›</a:t>
             </a:fld>
             <a:endParaRPr lang="en-US"/>
           </a:p>
@@ -3069,6 +3100,7 @@
               <a:rPr lang="en-US" smtClean="0"/>
               <a:t>Click to edit Master text styles</a:t>
             </a:r>
+            <a:endParaRPr lang="en-US" smtClean="0"/>
           </a:p>
           <a:p>
             <a:pPr lvl="1"/>
@@ -3076,6 +3108,7 @@
               <a:rPr lang="en-US" smtClean="0"/>
               <a:t>Second level</a:t>
             </a:r>
+            <a:endParaRPr lang="en-US" smtClean="0"/>
           </a:p>
           <a:p>
             <a:pPr lvl="2"/>
@@ -3083,6 +3116,7 @@
               <a:rPr lang="en-US" smtClean="0"/>
               <a:t>Third level</a:t>
             </a:r>
+            <a:endParaRPr lang="en-US" smtClean="0"/>
           </a:p>
           <a:p>
             <a:pPr lvl="3"/>
@@ -3090,6 +3124,7 @@
               <a:rPr lang="en-US" smtClean="0"/>
               <a:t>Fourth level</a:t>
             </a:r>
+            <a:endParaRPr lang="en-US" smtClean="0"/>
           </a:p>
           <a:p>
             <a:pPr lvl="4"/>
@@ -3136,7 +3171,6 @@
           <a:p>
             <a:fld id="{3D5D973E-3C23-4E8C-8185-0955193573F0}" type="datetimeFigureOut">
               <a:rPr lang="en-US" smtClean="0"/>
-              <a:t>4/12/2023</a:t>
             </a:fld>
             <a:endParaRPr lang="en-US"/>
           </a:p>
@@ -3214,7 +3248,6 @@
           <a:p>
             <a:fld id="{D3636F23-F33F-4C65-B1D9-852EDDED90D3}" type="slidenum">
               <a:rPr lang="en-US" smtClean="0"/>
-              <a:t>‹#›</a:t>
             </a:fld>
             <a:endParaRPr lang="en-US"/>
           </a:p>
@@ -3258,7 +3291,7 @@
         <a:spcBef>
           <a:spcPct val="20000"/>
         </a:spcBef>
-        <a:buFont typeface="Arial" pitchFamily="34" charset="0"/>
+        <a:buFont typeface="Arial" panose="020B0604020202020204" pitchFamily="34" charset="0"/>
         <a:buChar char="•"/>
         <a:defRPr sz="3200" kern="1200">
           <a:solidFill>
@@ -3273,7 +3306,7 @@
         <a:spcBef>
           <a:spcPct val="20000"/>
         </a:spcBef>
-        <a:buFont typeface="Arial" pitchFamily="34" charset="0"/>
+        <a:buFont typeface="Arial" panose="020B0604020202020204" pitchFamily="34" charset="0"/>
         <a:buChar char="–"/>
         <a:defRPr sz="2800" kern="1200">
           <a:solidFill>
@@ -3288,7 +3321,7 @@
         <a:spcBef>
           <a:spcPct val="20000"/>
         </a:spcBef>
-        <a:buFont typeface="Arial" pitchFamily="34" charset="0"/>
+        <a:buFont typeface="Arial" panose="020B0604020202020204" pitchFamily="34" charset="0"/>
         <a:buChar char="•"/>
         <a:defRPr sz="2400" kern="1200">
           <a:solidFill>
@@ -3303,7 +3336,7 @@
         <a:spcBef>
           <a:spcPct val="20000"/>
         </a:spcBef>
-        <a:buFont typeface="Arial" pitchFamily="34" charset="0"/>
+        <a:buFont typeface="Arial" panose="020B0604020202020204" pitchFamily="34" charset="0"/>
         <a:buChar char="–"/>
         <a:defRPr sz="2000" kern="1200">
           <a:solidFill>
@@ -3318,7 +3351,7 @@
         <a:spcBef>
           <a:spcPct val="20000"/>
         </a:spcBef>
-        <a:buFont typeface="Arial" pitchFamily="34" charset="0"/>
+        <a:buFont typeface="Arial" panose="020B0604020202020204" pitchFamily="34" charset="0"/>
         <a:buChar char="»"/>
         <a:defRPr sz="2000" kern="1200">
           <a:solidFill>
@@ -3333,7 +3366,7 @@
         <a:spcBef>
           <a:spcPct val="20000"/>
         </a:spcBef>
-        <a:buFont typeface="Arial" pitchFamily="34" charset="0"/>
+        <a:buFont typeface="Arial" panose="020B0604020202020204" pitchFamily="34" charset="0"/>
         <a:buChar char="•"/>
         <a:defRPr sz="2000" kern="1200">
           <a:solidFill>
@@ -3348,7 +3381,7 @@
         <a:spcBef>
           <a:spcPct val="20000"/>
         </a:spcBef>
-        <a:buFont typeface="Arial" pitchFamily="34" charset="0"/>
+        <a:buFont typeface="Arial" panose="020B0604020202020204" pitchFamily="34" charset="0"/>
         <a:buChar char="•"/>
         <a:defRPr sz="2000" kern="1200">
           <a:solidFill>
@@ -3363,7 +3396,7 @@
         <a:spcBef>
           <a:spcPct val="20000"/>
         </a:spcBef>
-        <a:buFont typeface="Arial" pitchFamily="34" charset="0"/>
+        <a:buFont typeface="Arial" panose="020B0604020202020204" pitchFamily="34" charset="0"/>
         <a:buChar char="•"/>
         <a:defRPr sz="2000" kern="1200">
           <a:solidFill>
@@ -3378,7 +3411,7 @@
         <a:spcBef>
           <a:spcPct val="20000"/>
         </a:spcBef>
-        <a:buFont typeface="Arial" pitchFamily="34" charset="0"/>
+        <a:buFont typeface="Arial" panose="020B0604020202020204" pitchFamily="34" charset="0"/>
         <a:buChar char="•"/>
         <a:defRPr sz="2000" kern="1200">
           <a:solidFill>
@@ -3526,10 +3559,13 @@
             </a:pPr>
             <a:r>
               <a:rPr lang="en-US" smtClean="0">
-                <a:ea typeface="ＭＳ Ｐゴシック" pitchFamily="34" charset="-128"/>
+                <a:ea typeface="MS PGothic" panose="020B0600070205080204" pitchFamily="34" charset="-128"/>
               </a:rPr>
               <a:t>Spelling correction</a:t>
             </a:r>
+            <a:endParaRPr lang="en-US" smtClean="0">
+              <a:ea typeface="MS PGothic" panose="020B0600070205080204" pitchFamily="34" charset="-128"/>
+            </a:endParaRPr>
           </a:p>
         </p:txBody>
       </p:sp>
@@ -3571,8 +3607,6 @@
           <a:noFill/>
           <a:ln>
             <a:miter lim="800000"/>
-            <a:headEnd/>
-            <a:tailEnd/>
           </a:ln>
         </p:spPr>
         <p:txBody>
@@ -3581,13 +3615,11 @@
           <a:p>
             <a:fld id="{CC56D923-3954-4093-ADFC-539237A60467}" type="slidenum">
               <a:rPr lang="en-US" altLang="en-US">
-                <a:ea typeface="ＭＳ Ｐゴシック" pitchFamily="-112" charset="-128"/>
-              </a:rPr>
-              <a:pPr/>
-              <a:t>1</a:t>
+                <a:ea typeface="MS PGothic" panose="020B0600070205080204" pitchFamily="34" charset="-128"/>
+              </a:rPr>
             </a:fld>
             <a:endParaRPr lang="en-US" altLang="en-US">
-              <a:ea typeface="ＭＳ Ｐゴシック" pitchFamily="-112" charset="-128"/>
+              <a:ea typeface="MS PGothic" panose="020B0600070205080204" pitchFamily="34" charset="-128"/>
             </a:endParaRPr>
           </a:p>
         </p:txBody>
@@ -3638,8 +3670,6 @@
           <a:noFill/>
           <a:ln>
             <a:miter lim="800000"/>
-            <a:headEnd/>
-            <a:tailEnd/>
           </a:ln>
         </p:spPr>
         <p:txBody>
@@ -3648,13 +3678,11 @@
           <a:p>
             <a:fld id="{B74943F8-61A9-4C29-909C-EC0316DC81C9}" type="slidenum">
               <a:rPr lang="en-US" altLang="en-US">
-                <a:ea typeface="ＭＳ Ｐゴシック" pitchFamily="-112" charset="-128"/>
-              </a:rPr>
-              <a:pPr/>
-              <a:t>10</a:t>
+                <a:ea typeface="MS PGothic" panose="020B0600070205080204" pitchFamily="34" charset="-128"/>
+              </a:rPr>
             </a:fld>
             <a:endParaRPr lang="en-US" altLang="en-US">
-              <a:ea typeface="ＭＳ Ｐゴシック" pitchFamily="-112" charset="-128"/>
+              <a:ea typeface="MS PGothic" panose="020B0600070205080204" pitchFamily="34" charset="-128"/>
             </a:endParaRPr>
           </a:p>
         </p:txBody>
@@ -3668,7 +3696,7 @@
           <p:nvPr/>
         </p:nvPicPr>
         <p:blipFill>
-          <a:blip r:embed="rId2" cstate="print"/>
+          <a:blip r:embed="rId1" cstate="print"/>
           <a:srcRect/>
           <a:stretch>
             <a:fillRect/>
@@ -3709,10 +3737,13 @@
             <a:pPr eaLnBrk="1" hangingPunct="1"/>
             <a:r>
               <a:rPr lang="en-US" altLang="en-US" smtClean="0">
-                <a:ea typeface="ＭＳ Ｐゴシック" pitchFamily="-112" charset="-128"/>
+                <a:ea typeface="MS PGothic" panose="020B0600070205080204" pitchFamily="34" charset="-128"/>
               </a:rPr>
               <a:t>Edit distance Example</a:t>
             </a:r>
+            <a:endParaRPr lang="en-US" altLang="en-US" smtClean="0">
+              <a:ea typeface="MS PGothic" panose="020B0600070205080204" pitchFamily="34" charset="-128"/>
+            </a:endParaRPr>
           </a:p>
         </p:txBody>
       </p:sp>
@@ -3736,8 +3767,6 @@
           <a:ln w="9525">
             <a:noFill/>
             <a:miter lim="800000"/>
-            <a:headEnd/>
-            <a:tailEnd/>
           </a:ln>
         </p:spPr>
         <p:txBody>
@@ -3748,7 +3777,7 @@
           <a:p>
             <a:r>
               <a:rPr lang="en-US" altLang="en-US">
-                <a:ea typeface="ＭＳ Ｐゴシック" pitchFamily="-112" charset="-128"/>
+                <a:ea typeface="MS PGothic" panose="020B0600070205080204" pitchFamily="34" charset="-128"/>
               </a:rPr>
               <a:t>Compute the edit distance between </a:t>
             </a:r>
@@ -3757,10 +3786,16 @@
                 <a:solidFill>
                   <a:srgbClr val="00B0F0"/>
                 </a:solidFill>
-                <a:ea typeface="ＭＳ Ｐゴシック" pitchFamily="-112" charset="-128"/>
+                <a:ea typeface="MS PGothic" panose="020B0600070205080204" pitchFamily="34" charset="-128"/>
               </a:rPr>
               <a:t>“paris and alice”</a:t>
             </a:r>
+            <a:endParaRPr lang="en-US" altLang="en-US">
+              <a:solidFill>
+                <a:srgbClr val="00B0F0"/>
+              </a:solidFill>
+              <a:ea typeface="MS PGothic" panose="020B0600070205080204" pitchFamily="34" charset="-128"/>
+            </a:endParaRPr>
           </a:p>
         </p:txBody>
       </p:sp>
@@ -3807,10 +3842,13 @@
             <a:pPr eaLnBrk="1" hangingPunct="1"/>
             <a:r>
               <a:rPr lang="en-US" altLang="en-US" smtClean="0">
-                <a:ea typeface="ＭＳ Ｐゴシック" pitchFamily="-112" charset="-128"/>
+                <a:ea typeface="MS PGothic" panose="020B0600070205080204" pitchFamily="34" charset="-128"/>
               </a:rPr>
               <a:t>Weighted edit distance</a:t>
             </a:r>
+            <a:endParaRPr lang="en-US" altLang="en-US" smtClean="0">
+              <a:ea typeface="MS PGothic" panose="020B0600070205080204" pitchFamily="34" charset="-128"/>
+            </a:endParaRPr>
           </a:p>
         </p:txBody>
       </p:sp>
@@ -3832,153 +3870,168 @@
             <a:pPr eaLnBrk="1" hangingPunct="1"/>
             <a:r>
               <a:rPr lang="en-US" altLang="en-US" smtClean="0">
-                <a:ea typeface="ＭＳ Ｐゴシック" pitchFamily="-112" charset="-128"/>
+                <a:ea typeface="MS PGothic" panose="020B0600070205080204" pitchFamily="34" charset="-128"/>
               </a:rPr>
               <a:t>As above, but the weight of an operation depends on the </a:t>
             </a:r>
             <a:r>
               <a:rPr lang="en-US" altLang="en-US" u="sng" smtClean="0">
-                <a:ea typeface="ＭＳ Ｐゴシック" pitchFamily="-112" charset="-128"/>
+                <a:ea typeface="MS PGothic" panose="020B0600070205080204" pitchFamily="34" charset="-128"/>
               </a:rPr>
               <a:t>character(s) </a:t>
             </a:r>
             <a:r>
               <a:rPr lang="en-US" altLang="en-US" smtClean="0">
-                <a:ea typeface="ＭＳ Ｐゴシック" pitchFamily="-112" charset="-128"/>
+                <a:ea typeface="MS PGothic" panose="020B0600070205080204" pitchFamily="34" charset="-128"/>
               </a:rPr>
               <a:t>involved</a:t>
             </a:r>
+            <a:endParaRPr lang="en-US" altLang="en-US" smtClean="0">
+              <a:ea typeface="MS PGothic" panose="020B0600070205080204" pitchFamily="34" charset="-128"/>
+            </a:endParaRPr>
           </a:p>
           <a:p>
             <a:pPr lvl="1" eaLnBrk="1" hangingPunct="1"/>
             <a:r>
               <a:rPr lang="en-US" altLang="en-US" smtClean="0">
-                <a:ea typeface="ＭＳ Ｐゴシック" pitchFamily="-112" charset="-128"/>
+                <a:ea typeface="MS PGothic" panose="020B0600070205080204" pitchFamily="34" charset="-128"/>
               </a:rPr>
               <a:t>Meant to capture OCR or keyboard errors</a:t>
             </a:r>
             <a:br>
               <a:rPr lang="en-US" altLang="en-US" smtClean="0">
-                <a:ea typeface="ＭＳ Ｐゴシック" pitchFamily="-112" charset="-128"/>
+                <a:ea typeface="MS PGothic" panose="020B0600070205080204" pitchFamily="34" charset="-128"/>
               </a:rPr>
             </a:br>
             <a:r>
               <a:rPr lang="en-US" altLang="en-US" smtClean="0">
-                <a:ea typeface="ＭＳ Ｐゴシック" pitchFamily="-112" charset="-128"/>
+                <a:ea typeface="MS PGothic" panose="020B0600070205080204" pitchFamily="34" charset="-128"/>
               </a:rPr>
               <a:t>Example: </a:t>
             </a:r>
             <a:r>
               <a:rPr lang="en-US" altLang="en-US" b="1" i="1" smtClean="0">
-                <a:ea typeface="ＭＳ Ｐゴシック" pitchFamily="-112" charset="-128"/>
+                <a:ea typeface="MS PGothic" panose="020B0600070205080204" pitchFamily="34" charset="-128"/>
               </a:rPr>
               <a:t>m</a:t>
             </a:r>
             <a:r>
               <a:rPr lang="en-US" altLang="en-US" smtClean="0">
-                <a:ea typeface="ＭＳ Ｐゴシック" pitchFamily="-112" charset="-128"/>
+                <a:ea typeface="MS PGothic" panose="020B0600070205080204" pitchFamily="34" charset="-128"/>
               </a:rPr>
               <a:t> more likely to be mis-typed as </a:t>
             </a:r>
             <a:r>
               <a:rPr lang="en-US" altLang="en-US" b="1" i="1" smtClean="0">
-                <a:ea typeface="ＭＳ Ｐゴシック" pitchFamily="-112" charset="-128"/>
+                <a:ea typeface="MS PGothic" panose="020B0600070205080204" pitchFamily="34" charset="-128"/>
               </a:rPr>
               <a:t>n</a:t>
             </a:r>
             <a:r>
               <a:rPr lang="en-US" altLang="en-US" smtClean="0">
-                <a:ea typeface="ＭＳ Ｐゴシック" pitchFamily="-112" charset="-128"/>
+                <a:ea typeface="MS PGothic" panose="020B0600070205080204" pitchFamily="34" charset="-128"/>
               </a:rPr>
               <a:t> than as </a:t>
             </a:r>
             <a:r>
               <a:rPr lang="en-US" altLang="en-US" b="1" i="1" smtClean="0">
-                <a:ea typeface="ＭＳ Ｐゴシック" pitchFamily="-112" charset="-128"/>
+                <a:ea typeface="MS PGothic" panose="020B0600070205080204" pitchFamily="34" charset="-128"/>
               </a:rPr>
               <a:t>q</a:t>
             </a:r>
+            <a:endParaRPr lang="en-US" altLang="en-US" b="1" i="1" smtClean="0">
+              <a:ea typeface="MS PGothic" panose="020B0600070205080204" pitchFamily="34" charset="-128"/>
+            </a:endParaRPr>
           </a:p>
           <a:p>
             <a:pPr lvl="1" eaLnBrk="1" hangingPunct="1"/>
             <a:r>
               <a:rPr lang="en-US" altLang="en-US" smtClean="0">
-                <a:ea typeface="ＭＳ Ｐゴシック" pitchFamily="-112" charset="-128"/>
+                <a:ea typeface="MS PGothic" panose="020B0600070205080204" pitchFamily="34" charset="-128"/>
               </a:rPr>
               <a:t>Therefore, replacing </a:t>
             </a:r>
             <a:r>
               <a:rPr lang="en-US" altLang="en-US" b="1" i="1" smtClean="0">
-                <a:ea typeface="ＭＳ Ｐゴシック" pitchFamily="-112" charset="-128"/>
+                <a:ea typeface="MS PGothic" panose="020B0600070205080204" pitchFamily="34" charset="-128"/>
               </a:rPr>
               <a:t>m</a:t>
             </a:r>
             <a:r>
               <a:rPr lang="en-US" altLang="en-US" smtClean="0">
-                <a:ea typeface="ＭＳ Ｐゴシック" pitchFamily="-112" charset="-128"/>
+                <a:ea typeface="MS PGothic" panose="020B0600070205080204" pitchFamily="34" charset="-128"/>
               </a:rPr>
               <a:t> by </a:t>
             </a:r>
             <a:r>
               <a:rPr lang="en-US" altLang="en-US" b="1" i="1" smtClean="0">
-                <a:ea typeface="ＭＳ Ｐゴシック" pitchFamily="-112" charset="-128"/>
+                <a:ea typeface="MS PGothic" panose="020B0600070205080204" pitchFamily="34" charset="-128"/>
               </a:rPr>
               <a:t>n</a:t>
             </a:r>
             <a:r>
               <a:rPr lang="en-US" altLang="en-US" smtClean="0">
-                <a:ea typeface="ＭＳ Ｐゴシック" pitchFamily="-112" charset="-128"/>
+                <a:ea typeface="MS PGothic" panose="020B0600070205080204" pitchFamily="34" charset="-128"/>
               </a:rPr>
               <a:t> is a smaller edit distance than by </a:t>
             </a:r>
             <a:r>
               <a:rPr lang="en-US" altLang="en-US" b="1" i="1" smtClean="0">
-                <a:ea typeface="ＭＳ Ｐゴシック" pitchFamily="-112" charset="-128"/>
+                <a:ea typeface="MS PGothic" panose="020B0600070205080204" pitchFamily="34" charset="-128"/>
               </a:rPr>
               <a:t>q</a:t>
             </a:r>
             <a:endParaRPr lang="en-US" altLang="en-US" smtClean="0">
-              <a:ea typeface="ＭＳ Ｐゴシック" pitchFamily="-112" charset="-128"/>
+              <a:ea typeface="MS PGothic" panose="020B0600070205080204" pitchFamily="34" charset="-128"/>
             </a:endParaRPr>
           </a:p>
           <a:p>
             <a:pPr lvl="1" eaLnBrk="1" hangingPunct="1"/>
             <a:r>
               <a:rPr lang="en-US" altLang="en-US" smtClean="0">
-                <a:ea typeface="ＭＳ Ｐゴシック" pitchFamily="-112" charset="-128"/>
+                <a:ea typeface="MS PGothic" panose="020B0600070205080204" pitchFamily="34" charset="-128"/>
               </a:rPr>
               <a:t>This may be formulated as a probability model</a:t>
             </a:r>
+            <a:endParaRPr lang="en-US" altLang="en-US" smtClean="0">
+              <a:ea typeface="MS PGothic" panose="020B0600070205080204" pitchFamily="34" charset="-128"/>
+            </a:endParaRPr>
           </a:p>
           <a:p>
             <a:pPr eaLnBrk="1" hangingPunct="1"/>
             <a:r>
               <a:rPr lang="en-US" altLang="en-US" smtClean="0">
-                <a:ea typeface="ＭＳ Ｐゴシック" pitchFamily="-112" charset="-128"/>
+                <a:ea typeface="MS PGothic" panose="020B0600070205080204" pitchFamily="34" charset="-128"/>
               </a:rPr>
               <a:t>Requires </a:t>
             </a:r>
             <a:r>
               <a:rPr lang="en-US" altLang="en-US" u="sng" smtClean="0">
-                <a:ea typeface="ＭＳ Ｐゴシック" pitchFamily="-112" charset="-128"/>
+                <a:ea typeface="MS PGothic" panose="020B0600070205080204" pitchFamily="34" charset="-128"/>
               </a:rPr>
               <a:t>weight matrix </a:t>
             </a:r>
             <a:r>
               <a:rPr lang="en-US" altLang="en-US" smtClean="0">
-                <a:ea typeface="ＭＳ Ｐゴシック" pitchFamily="-112" charset="-128"/>
+                <a:ea typeface="MS PGothic" panose="020B0600070205080204" pitchFamily="34" charset="-128"/>
               </a:rPr>
               <a:t>as input</a:t>
             </a:r>
+            <a:endParaRPr lang="en-US" altLang="en-US" smtClean="0">
+              <a:ea typeface="MS PGothic" panose="020B0600070205080204" pitchFamily="34" charset="-128"/>
+            </a:endParaRPr>
           </a:p>
           <a:p>
             <a:pPr eaLnBrk="1" hangingPunct="1"/>
             <a:r>
               <a:rPr lang="en-US" altLang="en-US" smtClean="0">
-                <a:ea typeface="ＭＳ Ｐゴシック" pitchFamily="-112" charset="-128"/>
+                <a:ea typeface="MS PGothic" panose="020B0600070205080204" pitchFamily="34" charset="-128"/>
               </a:rPr>
               <a:t>Modify dynamic programming to handle weights</a:t>
             </a:r>
+            <a:endParaRPr lang="en-US" altLang="en-US" smtClean="0">
+              <a:ea typeface="MS PGothic" panose="020B0600070205080204" pitchFamily="34" charset="-128"/>
+            </a:endParaRPr>
           </a:p>
         </p:txBody>
       </p:sp>
@@ -4002,8 +4055,6 @@
           <a:ln w="9525">
             <a:noFill/>
             <a:miter lim="800000"/>
-            <a:headEnd/>
-            <a:tailEnd/>
           </a:ln>
         </p:spPr>
         <p:txBody>
@@ -4018,10 +4069,16 @@
                 <a:solidFill>
                   <a:srgbClr val="FBFCFF"/>
                 </a:solidFill>
-                <a:ea typeface="ＭＳ Ｐゴシック" pitchFamily="-112" charset="-128"/>
+                <a:ea typeface="MS PGothic" panose="020B0600070205080204" pitchFamily="34" charset="-128"/>
               </a:rPr>
               <a:t>Sec. 3.3.3</a:t>
             </a:r>
+            <a:endParaRPr lang="en-US" altLang="en-US" sz="1600">
+              <a:solidFill>
+                <a:srgbClr val="FBFCFF"/>
+              </a:solidFill>
+              <a:ea typeface="MS PGothic" panose="020B0600070205080204" pitchFamily="34" charset="-128"/>
+            </a:endParaRPr>
           </a:p>
         </p:txBody>
       </p:sp>
@@ -4039,8 +4096,6 @@
           <a:noFill/>
           <a:ln>
             <a:miter lim="800000"/>
-            <a:headEnd/>
-            <a:tailEnd/>
           </a:ln>
         </p:spPr>
         <p:txBody>
@@ -4049,13 +4104,11 @@
           <a:p>
             <a:fld id="{2A459246-A8FD-45EC-B902-A45C2D3F331A}" type="slidenum">
               <a:rPr lang="en-US" altLang="en-US">
-                <a:ea typeface="ＭＳ Ｐゴシック" pitchFamily="-112" charset="-128"/>
-              </a:rPr>
-              <a:pPr/>
-              <a:t>11</a:t>
+                <a:ea typeface="MS PGothic" panose="020B0600070205080204" pitchFamily="34" charset="-128"/>
+              </a:rPr>
             </a:fld>
             <a:endParaRPr lang="en-US" altLang="en-US">
-              <a:ea typeface="ＭＳ Ｐゴシック" pitchFamily="-112" charset="-128"/>
+              <a:ea typeface="MS PGothic" panose="020B0600070205080204" pitchFamily="34" charset="-128"/>
             </a:endParaRPr>
           </a:p>
         </p:txBody>
@@ -4110,10 +4163,13 @@
             <a:pPr eaLnBrk="1" hangingPunct="1"/>
             <a:r>
               <a:rPr lang="en-US" altLang="en-US" smtClean="0">
-                <a:ea typeface="ＭＳ Ｐゴシック" pitchFamily="-112" charset="-128"/>
+                <a:ea typeface="MS PGothic" panose="020B0600070205080204" pitchFamily="34" charset="-128"/>
               </a:rPr>
               <a:t>Using edit distances</a:t>
             </a:r>
+            <a:endParaRPr lang="en-US" altLang="en-US" smtClean="0">
+              <a:ea typeface="MS PGothic" panose="020B0600070205080204" pitchFamily="34" charset="-128"/>
+            </a:endParaRPr>
           </a:p>
         </p:txBody>
       </p:sp>
@@ -4135,52 +4191,67 @@
             <a:pPr eaLnBrk="1" hangingPunct="1"/>
             <a:r>
               <a:rPr lang="en-US" altLang="en-US" smtClean="0">
-                <a:ea typeface="ＭＳ Ｐゴシック" pitchFamily="-112" charset="-128"/>
+                <a:ea typeface="MS PGothic" panose="020B0600070205080204" pitchFamily="34" charset="-128"/>
               </a:rPr>
               <a:t>Given query, first generate all strings within a preset (weighted) edit distance (e.g., 2)</a:t>
             </a:r>
+            <a:endParaRPr lang="en-US" altLang="en-US" smtClean="0">
+              <a:ea typeface="MS PGothic" panose="020B0600070205080204" pitchFamily="34" charset="-128"/>
+            </a:endParaRPr>
           </a:p>
           <a:p>
             <a:pPr eaLnBrk="1" hangingPunct="1"/>
             <a:r>
               <a:rPr lang="en-US" altLang="en-US" smtClean="0">
-                <a:ea typeface="ＭＳ Ｐゴシック" pitchFamily="-112" charset="-128"/>
+                <a:ea typeface="MS PGothic" panose="020B0600070205080204" pitchFamily="34" charset="-128"/>
               </a:rPr>
               <a:t>Intersect this set with list of “correct” words in dictionary</a:t>
             </a:r>
+            <a:endParaRPr lang="en-US" altLang="en-US" smtClean="0">
+              <a:ea typeface="MS PGothic" panose="020B0600070205080204" pitchFamily="34" charset="-128"/>
+            </a:endParaRPr>
           </a:p>
           <a:p>
             <a:pPr eaLnBrk="1" hangingPunct="1"/>
             <a:r>
               <a:rPr lang="en-US" altLang="en-US" smtClean="0">
-                <a:ea typeface="ＭＳ Ｐゴシック" pitchFamily="-112" charset="-128"/>
+                <a:ea typeface="MS PGothic" panose="020B0600070205080204" pitchFamily="34" charset="-128"/>
               </a:rPr>
               <a:t>Show terms you found to user as suggestions</a:t>
             </a:r>
+            <a:endParaRPr lang="en-US" altLang="en-US" smtClean="0">
+              <a:ea typeface="MS PGothic" panose="020B0600070205080204" pitchFamily="34" charset="-128"/>
+            </a:endParaRPr>
           </a:p>
           <a:p>
             <a:pPr eaLnBrk="1" hangingPunct="1"/>
             <a:r>
               <a:rPr lang="en-US" altLang="en-US" smtClean="0">
-                <a:ea typeface="ＭＳ Ｐゴシック" pitchFamily="-112" charset="-128"/>
+                <a:ea typeface="MS PGothic" panose="020B0600070205080204" pitchFamily="34" charset="-128"/>
               </a:rPr>
               <a:t>Alternatively, </a:t>
             </a:r>
+            <a:endParaRPr lang="en-US" altLang="en-US" smtClean="0">
+              <a:ea typeface="MS PGothic" panose="020B0600070205080204" pitchFamily="34" charset="-128"/>
+            </a:endParaRPr>
           </a:p>
           <a:p>
             <a:pPr lvl="1" eaLnBrk="1" hangingPunct="1"/>
             <a:r>
               <a:rPr lang="en-US" altLang="en-US" smtClean="0">
-                <a:ea typeface="ＭＳ Ｐゴシック" pitchFamily="-112" charset="-128"/>
+                <a:ea typeface="MS PGothic" panose="020B0600070205080204" pitchFamily="34" charset="-128"/>
               </a:rPr>
               <a:t>We can look up all possible corrections in our inverted index and return all docs … slow</a:t>
             </a:r>
+            <a:endParaRPr lang="en-US" altLang="en-US" smtClean="0">
+              <a:ea typeface="MS PGothic" panose="020B0600070205080204" pitchFamily="34" charset="-128"/>
+            </a:endParaRPr>
           </a:p>
           <a:p>
             <a:pPr lvl="1" eaLnBrk="1" hangingPunct="1"/>
             <a:r>
               <a:rPr lang="en-US" altLang="en-US" smtClean="0">
-                <a:ea typeface="ＭＳ Ｐゴシック" pitchFamily="-112" charset="-128"/>
+                <a:ea typeface="MS PGothic" panose="020B0600070205080204" pitchFamily="34" charset="-128"/>
               </a:rPr>
               <a:t>We can run with a single </a:t>
             </a:r>
@@ -4189,19 +4260,28 @@
                 <a:solidFill>
                   <a:srgbClr val="FF0000"/>
                 </a:solidFill>
-                <a:ea typeface="ＭＳ Ｐゴシック" pitchFamily="-112" charset="-128"/>
+                <a:ea typeface="MS PGothic" panose="020B0600070205080204" pitchFamily="34" charset="-128"/>
               </a:rPr>
               <a:t>most likely correction</a:t>
             </a:r>
+            <a:endParaRPr lang="en-US" altLang="en-US" b="1" smtClean="0">
+              <a:solidFill>
+                <a:srgbClr val="FF0000"/>
+              </a:solidFill>
+              <a:ea typeface="MS PGothic" panose="020B0600070205080204" pitchFamily="34" charset="-128"/>
+            </a:endParaRPr>
           </a:p>
           <a:p>
             <a:pPr eaLnBrk="1" hangingPunct="1"/>
             <a:r>
               <a:rPr lang="en-US" altLang="en-US" smtClean="0">
-                <a:ea typeface="ＭＳ Ｐゴシック" pitchFamily="-112" charset="-128"/>
+                <a:ea typeface="MS PGothic" panose="020B0600070205080204" pitchFamily="34" charset="-128"/>
               </a:rPr>
               <a:t>The alternatives disempower the user, but save a round of interaction with the user</a:t>
             </a:r>
+            <a:endParaRPr lang="en-US" altLang="en-US" smtClean="0">
+              <a:ea typeface="MS PGothic" panose="020B0600070205080204" pitchFamily="34" charset="-128"/>
+            </a:endParaRPr>
           </a:p>
         </p:txBody>
       </p:sp>
@@ -4225,8 +4305,6 @@
           <a:ln w="9525">
             <a:noFill/>
             <a:miter lim="800000"/>
-            <a:headEnd/>
-            <a:tailEnd/>
           </a:ln>
         </p:spPr>
         <p:txBody>
@@ -4241,10 +4319,16 @@
                 <a:solidFill>
                   <a:srgbClr val="FBFCFF"/>
                 </a:solidFill>
-                <a:ea typeface="ＭＳ Ｐゴシック" pitchFamily="-112" charset="-128"/>
+                <a:ea typeface="MS PGothic" panose="020B0600070205080204" pitchFamily="34" charset="-128"/>
               </a:rPr>
               <a:t>Sec. 3.3.4</a:t>
             </a:r>
+            <a:endParaRPr lang="en-US" altLang="en-US" sz="1600">
+              <a:solidFill>
+                <a:srgbClr val="FBFCFF"/>
+              </a:solidFill>
+              <a:ea typeface="MS PGothic" panose="020B0600070205080204" pitchFamily="34" charset="-128"/>
+            </a:endParaRPr>
           </a:p>
         </p:txBody>
       </p:sp>
@@ -4262,8 +4346,6 @@
           <a:noFill/>
           <a:ln>
             <a:miter lim="800000"/>
-            <a:headEnd/>
-            <a:tailEnd/>
           </a:ln>
         </p:spPr>
         <p:txBody>
@@ -4272,13 +4354,11 @@
           <a:p>
             <a:fld id="{493E0B02-8275-420E-A486-899268043BF5}" type="slidenum">
               <a:rPr lang="en-US" altLang="en-US">
-                <a:ea typeface="ＭＳ Ｐゴシック" pitchFamily="-112" charset="-128"/>
-              </a:rPr>
-              <a:pPr/>
-              <a:t>12</a:t>
+                <a:ea typeface="MS PGothic" panose="020B0600070205080204" pitchFamily="34" charset="-128"/>
+              </a:rPr>
             </a:fld>
             <a:endParaRPr lang="en-US" altLang="en-US">
-              <a:ea typeface="ＭＳ Ｐゴシック" pitchFamily="-112" charset="-128"/>
+              <a:ea typeface="MS PGothic" panose="020B0600070205080204" pitchFamily="34" charset="-128"/>
             </a:endParaRPr>
           </a:p>
         </p:txBody>
@@ -4333,10 +4413,13 @@
             <a:pPr eaLnBrk="1" hangingPunct="1"/>
             <a:r>
               <a:rPr lang="en-US" altLang="en-US" sz="3600" smtClean="0">
-                <a:ea typeface="ＭＳ Ｐゴシック" pitchFamily="-112" charset="-128"/>
+                <a:ea typeface="MS PGothic" panose="020B0600070205080204" pitchFamily="34" charset="-128"/>
               </a:rPr>
               <a:t>Edit distance to all dictionary terms?</a:t>
             </a:r>
+            <a:endParaRPr lang="en-US" altLang="en-US" sz="3600" smtClean="0">
+              <a:ea typeface="MS PGothic" panose="020B0600070205080204" pitchFamily="34" charset="-128"/>
+            </a:endParaRPr>
           </a:p>
         </p:txBody>
       </p:sp>
@@ -4358,73 +4441,91 @@
             <a:pPr eaLnBrk="1" hangingPunct="1"/>
             <a:r>
               <a:rPr lang="en-US" altLang="en-US" smtClean="0">
-                <a:ea typeface="ＭＳ Ｐゴシック" pitchFamily="-112" charset="-128"/>
+                <a:ea typeface="MS PGothic" panose="020B0600070205080204" pitchFamily="34" charset="-128"/>
               </a:rPr>
               <a:t>Given a (mis-spelled) query – do we compute its edit distance to every dictionary term?</a:t>
             </a:r>
+            <a:endParaRPr lang="en-US" altLang="en-US" smtClean="0">
+              <a:ea typeface="MS PGothic" panose="020B0600070205080204" pitchFamily="34" charset="-128"/>
+            </a:endParaRPr>
           </a:p>
           <a:p>
             <a:pPr lvl="1" eaLnBrk="1" hangingPunct="1"/>
             <a:r>
               <a:rPr lang="en-US" altLang="en-US" smtClean="0">
-                <a:ea typeface="ＭＳ Ｐゴシック" pitchFamily="-112" charset="-128"/>
+                <a:ea typeface="MS PGothic" panose="020B0600070205080204" pitchFamily="34" charset="-128"/>
               </a:rPr>
               <a:t>Expensive and slow</a:t>
             </a:r>
+            <a:endParaRPr lang="en-US" altLang="en-US" smtClean="0">
+              <a:ea typeface="MS PGothic" panose="020B0600070205080204" pitchFamily="34" charset="-128"/>
+            </a:endParaRPr>
           </a:p>
           <a:p>
             <a:pPr lvl="1" eaLnBrk="1" hangingPunct="1"/>
             <a:r>
               <a:rPr lang="en-US" altLang="en-US" smtClean="0">
-                <a:ea typeface="ＭＳ Ｐゴシック" pitchFamily="-112" charset="-128"/>
+                <a:ea typeface="MS PGothic" panose="020B0600070205080204" pitchFamily="34" charset="-128"/>
               </a:rPr>
               <a:t>Alternative?</a:t>
             </a:r>
+            <a:endParaRPr lang="en-US" altLang="en-US" smtClean="0">
+              <a:ea typeface="MS PGothic" panose="020B0600070205080204" pitchFamily="34" charset="-128"/>
+            </a:endParaRPr>
           </a:p>
           <a:p>
             <a:pPr eaLnBrk="1" hangingPunct="1"/>
             <a:r>
               <a:rPr lang="en-US" altLang="en-US" smtClean="0">
-                <a:ea typeface="ＭＳ Ｐゴシック" pitchFamily="-112" charset="-128"/>
+                <a:ea typeface="MS PGothic" panose="020B0600070205080204" pitchFamily="34" charset="-128"/>
               </a:rPr>
               <a:t>How do we cut the set of candidate dictionary terms?</a:t>
             </a:r>
+            <a:endParaRPr lang="en-US" altLang="en-US" smtClean="0">
+              <a:ea typeface="MS PGothic" panose="020B0600070205080204" pitchFamily="34" charset="-128"/>
+            </a:endParaRPr>
           </a:p>
           <a:p>
             <a:pPr eaLnBrk="1" hangingPunct="1"/>
             <a:r>
               <a:rPr lang="en-US" altLang="en-US" smtClean="0">
-                <a:ea typeface="ＭＳ Ｐゴシック" pitchFamily="-112" charset="-128"/>
+                <a:ea typeface="MS PGothic" panose="020B0600070205080204" pitchFamily="34" charset="-128"/>
               </a:rPr>
               <a:t>One possibility is to use </a:t>
             </a:r>
             <a:r>
               <a:rPr lang="en-US" altLang="en-US" i="1" u="sng" smtClean="0">
-                <a:ea typeface="ＭＳ Ｐゴシック" pitchFamily="-112" charset="-128"/>
+                <a:ea typeface="MS PGothic" panose="020B0600070205080204" pitchFamily="34" charset="-128"/>
               </a:rPr>
               <a:t>n-</a:t>
             </a:r>
             <a:r>
               <a:rPr lang="en-US" altLang="en-US" u="sng" smtClean="0">
-                <a:ea typeface="ＭＳ Ｐゴシック" pitchFamily="-112" charset="-128"/>
+                <a:ea typeface="MS PGothic" panose="020B0600070205080204" pitchFamily="34" charset="-128"/>
               </a:rPr>
               <a:t>gram overlap </a:t>
             </a:r>
             <a:r>
               <a:rPr lang="en-US" altLang="en-US" smtClean="0">
-                <a:ea typeface="ＭＳ Ｐゴシック" pitchFamily="-112" charset="-128"/>
+                <a:ea typeface="MS PGothic" panose="020B0600070205080204" pitchFamily="34" charset="-128"/>
               </a:rPr>
               <a:t>for this</a:t>
             </a:r>
+            <a:endParaRPr lang="en-US" altLang="en-US" smtClean="0">
+              <a:ea typeface="MS PGothic" panose="020B0600070205080204" pitchFamily="34" charset="-128"/>
+            </a:endParaRPr>
           </a:p>
           <a:p>
             <a:pPr eaLnBrk="1" hangingPunct="1"/>
             <a:r>
               <a:rPr lang="en-US" altLang="en-US" smtClean="0">
-                <a:ea typeface="ＭＳ Ｐゴシック" pitchFamily="-112" charset="-128"/>
+                <a:ea typeface="MS PGothic" panose="020B0600070205080204" pitchFamily="34" charset="-128"/>
               </a:rPr>
               <a:t>This can also be used by itself for spelling correction.</a:t>
             </a:r>
+            <a:endParaRPr lang="en-US" altLang="en-US" smtClean="0">
+              <a:ea typeface="MS PGothic" panose="020B0600070205080204" pitchFamily="34" charset="-128"/>
+            </a:endParaRPr>
           </a:p>
         </p:txBody>
       </p:sp>
@@ -4448,8 +4549,6 @@
           <a:ln w="9525">
             <a:noFill/>
             <a:miter lim="800000"/>
-            <a:headEnd/>
-            <a:tailEnd/>
           </a:ln>
         </p:spPr>
         <p:txBody>
@@ -4464,10 +4563,16 @@
                 <a:solidFill>
                   <a:srgbClr val="FBFCFF"/>
                 </a:solidFill>
-                <a:ea typeface="ＭＳ Ｐゴシック" pitchFamily="-112" charset="-128"/>
+                <a:ea typeface="MS PGothic" panose="020B0600070205080204" pitchFamily="34" charset="-128"/>
               </a:rPr>
               <a:t>Sec. 3.3.4</a:t>
             </a:r>
+            <a:endParaRPr lang="en-US" altLang="en-US" sz="1600">
+              <a:solidFill>
+                <a:srgbClr val="FBFCFF"/>
+              </a:solidFill>
+              <a:ea typeface="MS PGothic" panose="020B0600070205080204" pitchFamily="34" charset="-128"/>
+            </a:endParaRPr>
           </a:p>
         </p:txBody>
       </p:sp>
@@ -4485,8 +4590,6 @@
           <a:noFill/>
           <a:ln>
             <a:miter lim="800000"/>
-            <a:headEnd/>
-            <a:tailEnd/>
           </a:ln>
         </p:spPr>
         <p:txBody>
@@ -4495,13 +4598,11 @@
           <a:p>
             <a:fld id="{CFFCBE2E-F2B2-4898-9113-726BFD3C493D}" type="slidenum">
               <a:rPr lang="en-US" altLang="en-US">
-                <a:ea typeface="ＭＳ Ｐゴシック" pitchFamily="-112" charset="-128"/>
-              </a:rPr>
-              <a:pPr/>
-              <a:t>13</a:t>
+                <a:ea typeface="MS PGothic" panose="020B0600070205080204" pitchFamily="34" charset="-128"/>
+              </a:rPr>
             </a:fld>
             <a:endParaRPr lang="en-US" altLang="en-US">
-              <a:ea typeface="ＭＳ Ｐゴシック" pitchFamily="-112" charset="-128"/>
+              <a:ea typeface="MS PGothic" panose="020B0600070205080204" pitchFamily="34" charset="-128"/>
             </a:endParaRPr>
           </a:p>
         </p:txBody>
@@ -4556,16 +4657,19 @@
             <a:pPr eaLnBrk="1" hangingPunct="1"/>
             <a:r>
               <a:rPr lang="en-US" altLang="en-US" i="1" smtClean="0">
-                <a:ea typeface="ＭＳ Ｐゴシック" pitchFamily="-112" charset="-128"/>
+                <a:ea typeface="MS PGothic" panose="020B0600070205080204" pitchFamily="34" charset="-128"/>
               </a:rPr>
               <a:t>n</a:t>
             </a:r>
             <a:r>
               <a:rPr lang="en-US" altLang="en-US" smtClean="0">
-                <a:ea typeface="ＭＳ Ｐゴシック" pitchFamily="-112" charset="-128"/>
+                <a:ea typeface="MS PGothic" panose="020B0600070205080204" pitchFamily="34" charset="-128"/>
               </a:rPr>
               <a:t>-gram overlap</a:t>
             </a:r>
+            <a:endParaRPr lang="en-US" altLang="en-US" smtClean="0">
+              <a:ea typeface="MS PGothic" panose="020B0600070205080204" pitchFamily="34" charset="-128"/>
+            </a:endParaRPr>
           </a:p>
         </p:txBody>
       </p:sp>
@@ -4587,85 +4691,97 @@
             <a:pPr eaLnBrk="1" hangingPunct="1"/>
             <a:r>
               <a:rPr lang="en-US" altLang="en-US" smtClean="0">
-                <a:ea typeface="ＭＳ Ｐゴシック" pitchFamily="-112" charset="-128"/>
+                <a:ea typeface="MS PGothic" panose="020B0600070205080204" pitchFamily="34" charset="-128"/>
               </a:rPr>
               <a:t>Enumerate all the </a:t>
             </a:r>
             <a:r>
               <a:rPr lang="en-US" altLang="en-US" i="1" smtClean="0">
-                <a:ea typeface="ＭＳ Ｐゴシック" pitchFamily="-112" charset="-128"/>
+                <a:ea typeface="MS PGothic" panose="020B0600070205080204" pitchFamily="34" charset="-128"/>
               </a:rPr>
               <a:t>n</a:t>
             </a:r>
             <a:r>
               <a:rPr lang="en-US" altLang="en-US" smtClean="0">
-                <a:ea typeface="ＭＳ Ｐゴシック" pitchFamily="-112" charset="-128"/>
+                <a:ea typeface="MS PGothic" panose="020B0600070205080204" pitchFamily="34" charset="-128"/>
               </a:rPr>
               <a:t>-grams in the query string as well as in the lexicon</a:t>
             </a:r>
+            <a:endParaRPr lang="en-US" altLang="en-US" smtClean="0">
+              <a:ea typeface="MS PGothic" panose="020B0600070205080204" pitchFamily="34" charset="-128"/>
+            </a:endParaRPr>
           </a:p>
           <a:p>
             <a:pPr eaLnBrk="1" hangingPunct="1"/>
             <a:r>
               <a:rPr lang="en-US" altLang="en-US" smtClean="0">
-                <a:ea typeface="ＭＳ Ｐゴシック" pitchFamily="-112" charset="-128"/>
+                <a:ea typeface="MS PGothic" panose="020B0600070205080204" pitchFamily="34" charset="-128"/>
               </a:rPr>
               <a:t>Use the </a:t>
             </a:r>
             <a:r>
               <a:rPr lang="en-US" altLang="en-US" i="1" smtClean="0">
-                <a:ea typeface="ＭＳ Ｐゴシック" pitchFamily="-112" charset="-128"/>
+                <a:ea typeface="MS PGothic" panose="020B0600070205080204" pitchFamily="34" charset="-128"/>
               </a:rPr>
               <a:t>n</a:t>
             </a:r>
             <a:r>
               <a:rPr lang="en-US" altLang="en-US" smtClean="0">
-                <a:ea typeface="ＭＳ Ｐゴシック" pitchFamily="-112" charset="-128"/>
+                <a:ea typeface="MS PGothic" panose="020B0600070205080204" pitchFamily="34" charset="-128"/>
               </a:rPr>
               <a:t>-gram index to retrieve all lexicon terms matching any of the query </a:t>
             </a:r>
             <a:r>
               <a:rPr lang="en-US" altLang="en-US" i="1" smtClean="0">
-                <a:ea typeface="ＭＳ Ｐゴシック" pitchFamily="-112" charset="-128"/>
+                <a:ea typeface="MS PGothic" panose="020B0600070205080204" pitchFamily="34" charset="-128"/>
               </a:rPr>
               <a:t>n</a:t>
             </a:r>
             <a:r>
               <a:rPr lang="en-US" altLang="en-US" smtClean="0">
-                <a:ea typeface="ＭＳ Ｐゴシック" pitchFamily="-112" charset="-128"/>
+                <a:ea typeface="MS PGothic" panose="020B0600070205080204" pitchFamily="34" charset="-128"/>
               </a:rPr>
               <a:t>-grams</a:t>
             </a:r>
+            <a:endParaRPr lang="en-US" altLang="en-US" smtClean="0">
+              <a:ea typeface="MS PGothic" panose="020B0600070205080204" pitchFamily="34" charset="-128"/>
+            </a:endParaRPr>
           </a:p>
           <a:p>
             <a:pPr eaLnBrk="1" hangingPunct="1"/>
             <a:r>
               <a:rPr lang="en-US" altLang="en-US" smtClean="0">
-                <a:ea typeface="ＭＳ Ｐゴシック" pitchFamily="-112" charset="-128"/>
+                <a:ea typeface="MS PGothic" panose="020B0600070205080204" pitchFamily="34" charset="-128"/>
               </a:rPr>
               <a:t>Threshold by number of matching </a:t>
             </a:r>
             <a:r>
               <a:rPr lang="en-US" altLang="en-US" i="1" smtClean="0">
-                <a:ea typeface="ＭＳ Ｐゴシック" pitchFamily="-112" charset="-128"/>
+                <a:ea typeface="MS PGothic" panose="020B0600070205080204" pitchFamily="34" charset="-128"/>
               </a:rPr>
               <a:t>n</a:t>
             </a:r>
             <a:r>
               <a:rPr lang="en-US" altLang="en-US" smtClean="0">
-                <a:ea typeface="ＭＳ Ｐゴシック" pitchFamily="-112" charset="-128"/>
+                <a:ea typeface="MS PGothic" panose="020B0600070205080204" pitchFamily="34" charset="-128"/>
               </a:rPr>
               <a:t>-grams</a:t>
             </a:r>
+            <a:endParaRPr lang="en-US" altLang="en-US" smtClean="0">
+              <a:ea typeface="MS PGothic" panose="020B0600070205080204" pitchFamily="34" charset="-128"/>
+            </a:endParaRPr>
           </a:p>
           <a:p>
             <a:pPr lvl="1" eaLnBrk="1" hangingPunct="1"/>
             <a:r>
               <a:rPr lang="en-US" altLang="en-US" smtClean="0">
-                <a:ea typeface="ＭＳ Ｐゴシック" pitchFamily="-112" charset="-128"/>
+                <a:ea typeface="MS PGothic" panose="020B0600070205080204" pitchFamily="34" charset="-128"/>
               </a:rPr>
               <a:t>Variants – weight by keyboard layout, etc.</a:t>
             </a:r>
+            <a:endParaRPr lang="en-US" altLang="en-US" smtClean="0">
+              <a:ea typeface="MS PGothic" panose="020B0600070205080204" pitchFamily="34" charset="-128"/>
+            </a:endParaRPr>
           </a:p>
         </p:txBody>
       </p:sp>
@@ -4689,8 +4805,6 @@
           <a:ln w="9525">
             <a:noFill/>
             <a:miter lim="800000"/>
-            <a:headEnd/>
-            <a:tailEnd/>
           </a:ln>
         </p:spPr>
         <p:txBody>
@@ -4705,10 +4819,16 @@
                 <a:solidFill>
                   <a:srgbClr val="FBFCFF"/>
                 </a:solidFill>
-                <a:ea typeface="ＭＳ Ｐゴシック" pitchFamily="-112" charset="-128"/>
+                <a:ea typeface="MS PGothic" panose="020B0600070205080204" pitchFamily="34" charset="-128"/>
               </a:rPr>
               <a:t>Sec. 3.3.4</a:t>
             </a:r>
+            <a:endParaRPr lang="en-US" altLang="en-US" sz="1600">
+              <a:solidFill>
+                <a:srgbClr val="FBFCFF"/>
+              </a:solidFill>
+              <a:ea typeface="MS PGothic" panose="020B0600070205080204" pitchFamily="34" charset="-128"/>
+            </a:endParaRPr>
           </a:p>
         </p:txBody>
       </p:sp>
@@ -4726,8 +4846,6 @@
           <a:noFill/>
           <a:ln>
             <a:miter lim="800000"/>
-            <a:headEnd/>
-            <a:tailEnd/>
           </a:ln>
         </p:spPr>
         <p:txBody>
@@ -4736,13 +4854,11 @@
           <a:p>
             <a:fld id="{ACF6C89F-F9E6-4A27-9E01-8056A990ABF4}" type="slidenum">
               <a:rPr lang="en-US" altLang="en-US">
-                <a:ea typeface="ＭＳ Ｐゴシック" pitchFamily="-112" charset="-128"/>
-              </a:rPr>
-              <a:pPr/>
-              <a:t>14</a:t>
+                <a:ea typeface="MS PGothic" panose="020B0600070205080204" pitchFamily="34" charset="-128"/>
+              </a:rPr>
             </a:fld>
             <a:endParaRPr lang="en-US" altLang="en-US">
-              <a:ea typeface="ＭＳ Ｐゴシック" pitchFamily="-112" charset="-128"/>
+              <a:ea typeface="MS PGothic" panose="020B0600070205080204" pitchFamily="34" charset="-128"/>
             </a:endParaRPr>
           </a:p>
         </p:txBody>
@@ -4797,10 +4913,13 @@
             <a:pPr eaLnBrk="1" hangingPunct="1"/>
             <a:r>
               <a:rPr lang="en-US" altLang="en-US" smtClean="0">
-                <a:ea typeface="ＭＳ Ｐゴシック" pitchFamily="-112" charset="-128"/>
+                <a:ea typeface="MS PGothic" panose="020B0600070205080204" pitchFamily="34" charset="-128"/>
               </a:rPr>
               <a:t>Example with trigrams</a:t>
             </a:r>
+            <a:endParaRPr lang="en-US" altLang="en-US" smtClean="0">
+              <a:ea typeface="MS PGothic" panose="020B0600070205080204" pitchFamily="34" charset="-128"/>
+            </a:endParaRPr>
           </a:p>
         </p:txBody>
       </p:sp>
@@ -4822,28 +4941,31 @@
             <a:pPr eaLnBrk="1" hangingPunct="1"/>
             <a:r>
               <a:rPr lang="en-US" altLang="en-US" smtClean="0">
-                <a:ea typeface="ＭＳ Ｐゴシック" pitchFamily="-112" charset="-128"/>
+                <a:ea typeface="MS PGothic" panose="020B0600070205080204" pitchFamily="34" charset="-128"/>
               </a:rPr>
               <a:t>Suppose the text is </a:t>
             </a:r>
             <a:r>
               <a:rPr lang="en-US" altLang="en-US" b="1" i="1" smtClean="0">
-                <a:ea typeface="ＭＳ Ｐゴシック" pitchFamily="-112" charset="-128"/>
+                <a:ea typeface="MS PGothic" panose="020B0600070205080204" pitchFamily="34" charset="-128"/>
               </a:rPr>
               <a:t>november</a:t>
             </a:r>
+            <a:endParaRPr lang="en-US" altLang="en-US" b="1" i="1" smtClean="0">
+              <a:ea typeface="MS PGothic" panose="020B0600070205080204" pitchFamily="34" charset="-128"/>
+            </a:endParaRPr>
           </a:p>
           <a:p>
             <a:pPr lvl="1" eaLnBrk="1" hangingPunct="1"/>
             <a:r>
               <a:rPr lang="en-US" altLang="en-US" smtClean="0">
-                <a:ea typeface="ＭＳ Ｐゴシック" pitchFamily="-112" charset="-128"/>
+                <a:ea typeface="MS PGothic" panose="020B0600070205080204" pitchFamily="34" charset="-128"/>
               </a:rPr>
               <a:t>Trigrams are </a:t>
             </a:r>
             <a:r>
               <a:rPr lang="en-US" altLang="en-US" i="1" smtClean="0">
-                <a:ea typeface="ＭＳ Ｐゴシック" pitchFamily="-112" charset="-128"/>
+                <a:ea typeface="MS PGothic" panose="020B0600070205080204" pitchFamily="34" charset="-128"/>
               </a:rPr>
               <a:t>nov, ove, vem, </a:t>
             </a:r>
@@ -4852,43 +4974,49 @@
                 <a:solidFill>
                   <a:schemeClr val="hlink"/>
                 </a:solidFill>
-                <a:ea typeface="ＭＳ Ｐゴシック" pitchFamily="-112" charset="-128"/>
+                <a:ea typeface="MS PGothic" panose="020B0600070205080204" pitchFamily="34" charset="-128"/>
               </a:rPr>
               <a:t>emb, mbe, ber</a:t>
             </a:r>
             <a:r>
               <a:rPr lang="en-US" altLang="en-US" smtClean="0">
-                <a:ea typeface="ＭＳ Ｐゴシック" pitchFamily="-112" charset="-128"/>
+                <a:ea typeface="MS PGothic" panose="020B0600070205080204" pitchFamily="34" charset="-128"/>
               </a:rPr>
               <a:t>.</a:t>
             </a:r>
+            <a:endParaRPr lang="en-US" altLang="en-US" smtClean="0">
+              <a:ea typeface="MS PGothic" panose="020B0600070205080204" pitchFamily="34" charset="-128"/>
+            </a:endParaRPr>
           </a:p>
           <a:p>
             <a:pPr eaLnBrk="1" hangingPunct="1"/>
             <a:r>
               <a:rPr lang="en-US" altLang="en-US" smtClean="0">
-                <a:ea typeface="ＭＳ Ｐゴシック" pitchFamily="-112" charset="-128"/>
+                <a:ea typeface="MS PGothic" panose="020B0600070205080204" pitchFamily="34" charset="-128"/>
               </a:rPr>
               <a:t>The query is </a:t>
             </a:r>
             <a:r>
               <a:rPr lang="en-US" altLang="en-US" b="1" i="1" smtClean="0">
-                <a:ea typeface="ＭＳ Ｐゴシック" pitchFamily="-112" charset="-128"/>
+                <a:ea typeface="MS PGothic" panose="020B0600070205080204" pitchFamily="34" charset="-128"/>
               </a:rPr>
               <a:t>december</a:t>
             </a:r>
+            <a:endParaRPr lang="en-US" altLang="en-US" b="1" i="1" smtClean="0">
+              <a:ea typeface="MS PGothic" panose="020B0600070205080204" pitchFamily="34" charset="-128"/>
+            </a:endParaRPr>
           </a:p>
           <a:p>
             <a:pPr lvl="1" eaLnBrk="1" hangingPunct="1"/>
             <a:r>
               <a:rPr lang="en-US" altLang="en-US" smtClean="0">
-                <a:ea typeface="ＭＳ Ｐゴシック" pitchFamily="-112" charset="-128"/>
+                <a:ea typeface="MS PGothic" panose="020B0600070205080204" pitchFamily="34" charset="-128"/>
               </a:rPr>
               <a:t>Trigrams are </a:t>
             </a:r>
             <a:r>
               <a:rPr lang="en-US" altLang="en-US" i="1" smtClean="0">
-                <a:ea typeface="ＭＳ Ｐゴシック" pitchFamily="-112" charset="-128"/>
+                <a:ea typeface="MS PGothic" panose="020B0600070205080204" pitchFamily="34" charset="-128"/>
               </a:rPr>
               <a:t>dec, ece, cem, </a:t>
             </a:r>
@@ -4897,34 +5025,43 @@
                 <a:solidFill>
                   <a:schemeClr val="hlink"/>
                 </a:solidFill>
-                <a:ea typeface="ＭＳ Ｐゴシック" pitchFamily="-112" charset="-128"/>
+                <a:ea typeface="MS PGothic" panose="020B0600070205080204" pitchFamily="34" charset="-128"/>
               </a:rPr>
               <a:t>emb, mbe, ber</a:t>
             </a:r>
             <a:r>
               <a:rPr lang="en-US" altLang="en-US" smtClean="0">
-                <a:ea typeface="ＭＳ Ｐゴシック" pitchFamily="-112" charset="-128"/>
+                <a:ea typeface="MS PGothic" panose="020B0600070205080204" pitchFamily="34" charset="-128"/>
               </a:rPr>
               <a:t>.</a:t>
             </a:r>
+            <a:endParaRPr lang="en-US" altLang="en-US" smtClean="0">
+              <a:ea typeface="MS PGothic" panose="020B0600070205080204" pitchFamily="34" charset="-128"/>
+            </a:endParaRPr>
           </a:p>
           <a:p>
             <a:pPr eaLnBrk="1" hangingPunct="1"/>
             <a:r>
               <a:rPr lang="en-US" altLang="en-US" smtClean="0">
-                <a:ea typeface="ＭＳ Ｐゴシック" pitchFamily="-112" charset="-128"/>
+                <a:ea typeface="MS PGothic" panose="020B0600070205080204" pitchFamily="34" charset="-128"/>
               </a:rPr>
               <a:t>So 3 trigrams overlap (of 6 in each term)</a:t>
             </a:r>
+            <a:endParaRPr lang="en-US" altLang="en-US" smtClean="0">
+              <a:ea typeface="MS PGothic" panose="020B0600070205080204" pitchFamily="34" charset="-128"/>
+            </a:endParaRPr>
           </a:p>
           <a:p>
             <a:pPr eaLnBrk="1" hangingPunct="1"/>
             <a:r>
               <a:rPr lang="en-US" altLang="en-US" smtClean="0">
-                <a:ea typeface="ＭＳ Ｐゴシック" pitchFamily="-112" charset="-128"/>
+                <a:ea typeface="MS PGothic" panose="020B0600070205080204" pitchFamily="34" charset="-128"/>
               </a:rPr>
               <a:t>How can we turn this into a normalized measure of overlap?</a:t>
             </a:r>
+            <a:endParaRPr lang="en-US" altLang="en-US" smtClean="0">
+              <a:ea typeface="MS PGothic" panose="020B0600070205080204" pitchFamily="34" charset="-128"/>
+            </a:endParaRPr>
           </a:p>
         </p:txBody>
       </p:sp>
@@ -4950,8 +5087,6 @@
               <a:schemeClr val="folHlink"/>
             </a:solidFill>
             <a:miter lim="800000"/>
-            <a:headEnd/>
-            <a:tailEnd/>
           </a:ln>
         </p:spPr>
         <p:txBody>
@@ -4960,7 +5095,7 @@
           <a:p>
             <a:pPr eaLnBrk="1" hangingPunct="1"/>
             <a:endParaRPr lang="en-US" altLang="en-US">
-              <a:ea typeface="ＭＳ Ｐゴシック" pitchFamily="-112" charset="-128"/>
+              <a:ea typeface="MS PGothic" panose="020B0600070205080204" pitchFamily="34" charset="-128"/>
             </a:endParaRPr>
           </a:p>
         </p:txBody>
@@ -4985,8 +5120,6 @@
           <a:ln w="9525">
             <a:noFill/>
             <a:miter lim="800000"/>
-            <a:headEnd/>
-            <a:tailEnd/>
           </a:ln>
         </p:spPr>
         <p:txBody>
@@ -5001,10 +5134,16 @@
                 <a:solidFill>
                   <a:srgbClr val="FBFCFF"/>
                 </a:solidFill>
-                <a:ea typeface="ＭＳ Ｐゴシック" pitchFamily="-112" charset="-128"/>
+                <a:ea typeface="MS PGothic" panose="020B0600070205080204" pitchFamily="34" charset="-128"/>
               </a:rPr>
               <a:t>Sec. 3.3.4</a:t>
             </a:r>
+            <a:endParaRPr lang="en-US" altLang="en-US" sz="1600">
+              <a:solidFill>
+                <a:srgbClr val="FBFCFF"/>
+              </a:solidFill>
+              <a:ea typeface="MS PGothic" panose="020B0600070205080204" pitchFamily="34" charset="-128"/>
+            </a:endParaRPr>
           </a:p>
         </p:txBody>
       </p:sp>
@@ -5022,8 +5161,6 @@
           <a:noFill/>
           <a:ln>
             <a:miter lim="800000"/>
-            <a:headEnd/>
-            <a:tailEnd/>
           </a:ln>
         </p:spPr>
         <p:txBody>
@@ -5032,13 +5169,11 @@
           <a:p>
             <a:fld id="{27D2B0C6-D633-4E5C-AAAD-5098E6935763}" type="slidenum">
               <a:rPr lang="en-US" altLang="en-US">
-                <a:ea typeface="ＭＳ Ｐゴシック" pitchFamily="-112" charset="-128"/>
-              </a:rPr>
-              <a:pPr/>
-              <a:t>15</a:t>
+                <a:ea typeface="MS PGothic" panose="020B0600070205080204" pitchFamily="34" charset="-128"/>
+              </a:rPr>
             </a:fld>
             <a:endParaRPr lang="en-US" altLang="en-US">
-              <a:ea typeface="ＭＳ Ｐゴシック" pitchFamily="-112" charset="-128"/>
+              <a:ea typeface="MS PGothic" panose="020B0600070205080204" pitchFamily="34" charset="-128"/>
             </a:endParaRPr>
           </a:p>
         </p:txBody>
@@ -5093,10 +5228,13 @@
             <a:pPr eaLnBrk="1" hangingPunct="1"/>
             <a:r>
               <a:rPr lang="en-US" altLang="en-US" smtClean="0">
-                <a:ea typeface="ＭＳ Ｐゴシック" pitchFamily="-112" charset="-128"/>
+                <a:ea typeface="MS PGothic" panose="020B0600070205080204" pitchFamily="34" charset="-128"/>
               </a:rPr>
               <a:t>One option – Jaccard coefficient</a:t>
             </a:r>
+            <a:endParaRPr lang="en-US" altLang="en-US" smtClean="0">
+              <a:ea typeface="MS PGothic" panose="020B0600070205080204" pitchFamily="34" charset="-128"/>
+            </a:endParaRPr>
           </a:p>
         </p:txBody>
       </p:sp>
@@ -5123,145 +5261,169 @@
             <a:pPr eaLnBrk="1" hangingPunct="1"/>
             <a:r>
               <a:rPr lang="en-US" altLang="en-US" smtClean="0">
-                <a:ea typeface="ＭＳ Ｐゴシック" pitchFamily="-112" charset="-128"/>
+                <a:ea typeface="MS PGothic" panose="020B0600070205080204" pitchFamily="34" charset="-128"/>
               </a:rPr>
               <a:t>A commonly-used measure of overlap</a:t>
             </a:r>
+            <a:endParaRPr lang="en-US" altLang="en-US" smtClean="0">
+              <a:ea typeface="MS PGothic" panose="020B0600070205080204" pitchFamily="34" charset="-128"/>
+            </a:endParaRPr>
           </a:p>
           <a:p>
             <a:pPr eaLnBrk="1" hangingPunct="1"/>
             <a:r>
               <a:rPr lang="en-US" altLang="en-US" smtClean="0">
-                <a:ea typeface="ＭＳ Ｐゴシック" pitchFamily="-112" charset="-128"/>
+                <a:ea typeface="MS PGothic" panose="020B0600070205080204" pitchFamily="34" charset="-128"/>
               </a:rPr>
               <a:t>Let </a:t>
             </a:r>
             <a:r>
               <a:rPr lang="en-US" altLang="en-US" i="1" smtClean="0">
-                <a:ea typeface="ＭＳ Ｐゴシック" pitchFamily="-112" charset="-128"/>
+                <a:ea typeface="MS PGothic" panose="020B0600070205080204" pitchFamily="34" charset="-128"/>
               </a:rPr>
               <a:t>X</a:t>
             </a:r>
             <a:r>
               <a:rPr lang="en-US" altLang="en-US" smtClean="0">
-                <a:ea typeface="ＭＳ Ｐゴシック" pitchFamily="-112" charset="-128"/>
+                <a:ea typeface="MS PGothic" panose="020B0600070205080204" pitchFamily="34" charset="-128"/>
               </a:rPr>
               <a:t> and </a:t>
             </a:r>
             <a:r>
               <a:rPr lang="en-US" altLang="en-US" i="1" smtClean="0">
-                <a:ea typeface="ＭＳ Ｐゴシック" pitchFamily="-112" charset="-128"/>
+                <a:ea typeface="MS PGothic" panose="020B0600070205080204" pitchFamily="34" charset="-128"/>
               </a:rPr>
               <a:t>Y</a:t>
             </a:r>
             <a:r>
               <a:rPr lang="en-US" altLang="en-US" smtClean="0">
-                <a:ea typeface="ＭＳ Ｐゴシック" pitchFamily="-112" charset="-128"/>
+                <a:ea typeface="MS PGothic" panose="020B0600070205080204" pitchFamily="34" charset="-128"/>
               </a:rPr>
               <a:t> be two sets; then the J.C. is</a:t>
             </a:r>
+            <a:endParaRPr lang="en-US" altLang="en-US" smtClean="0">
+              <a:ea typeface="MS PGothic" panose="020B0600070205080204" pitchFamily="34" charset="-128"/>
+            </a:endParaRPr>
           </a:p>
           <a:p>
             <a:pPr eaLnBrk="1" hangingPunct="1"/>
             <a:endParaRPr lang="en-US" altLang="en-US" smtClean="0">
-              <a:ea typeface="ＭＳ Ｐゴシック" pitchFamily="-112" charset="-128"/>
+              <a:ea typeface="MS PGothic" panose="020B0600070205080204" pitchFamily="34" charset="-128"/>
             </a:endParaRPr>
           </a:p>
           <a:p>
             <a:pPr eaLnBrk="1" hangingPunct="1"/>
             <a:r>
               <a:rPr lang="en-US" altLang="en-US" smtClean="0">
-                <a:ea typeface="ＭＳ Ｐゴシック" pitchFamily="-112" charset="-128"/>
+                <a:ea typeface="MS PGothic" panose="020B0600070205080204" pitchFamily="34" charset="-128"/>
               </a:rPr>
               <a:t>                                                              =</a:t>
             </a:r>
+            <a:endParaRPr lang="en-US" altLang="en-US" smtClean="0">
+              <a:ea typeface="MS PGothic" panose="020B0600070205080204" pitchFamily="34" charset="-128"/>
+            </a:endParaRPr>
           </a:p>
           <a:p>
             <a:pPr eaLnBrk="1" hangingPunct="1"/>
             <a:r>
               <a:rPr lang="en-US" altLang="en-US" smtClean="0">
-                <a:ea typeface="ＭＳ Ｐゴシック" pitchFamily="-112" charset="-128"/>
+                <a:ea typeface="MS PGothic" panose="020B0600070205080204" pitchFamily="34" charset="-128"/>
               </a:rPr>
               <a:t>Equals 1 when </a:t>
             </a:r>
             <a:r>
               <a:rPr lang="en-US" altLang="en-US" i="1" smtClean="0">
-                <a:ea typeface="ＭＳ Ｐゴシック" pitchFamily="-112" charset="-128"/>
+                <a:ea typeface="MS PGothic" panose="020B0600070205080204" pitchFamily="34" charset="-128"/>
               </a:rPr>
               <a:t>X</a:t>
             </a:r>
             <a:r>
               <a:rPr lang="en-US" altLang="en-US" smtClean="0">
-                <a:ea typeface="ＭＳ Ｐゴシック" pitchFamily="-112" charset="-128"/>
+                <a:ea typeface="MS PGothic" panose="020B0600070205080204" pitchFamily="34" charset="-128"/>
               </a:rPr>
               <a:t> and </a:t>
             </a:r>
             <a:r>
               <a:rPr lang="en-US" altLang="en-US" i="1" smtClean="0">
-                <a:ea typeface="ＭＳ Ｐゴシック" pitchFamily="-112" charset="-128"/>
+                <a:ea typeface="MS PGothic" panose="020B0600070205080204" pitchFamily="34" charset="-128"/>
               </a:rPr>
               <a:t>Y</a:t>
             </a:r>
             <a:r>
               <a:rPr lang="en-US" altLang="en-US" smtClean="0">
-                <a:ea typeface="ＭＳ Ｐゴシック" pitchFamily="-112" charset="-128"/>
+                <a:ea typeface="MS PGothic" panose="020B0600070205080204" pitchFamily="34" charset="-128"/>
               </a:rPr>
               <a:t> have the same elements and zero when they are disjoint</a:t>
             </a:r>
+            <a:endParaRPr lang="en-US" altLang="en-US" smtClean="0">
+              <a:ea typeface="MS PGothic" panose="020B0600070205080204" pitchFamily="34" charset="-128"/>
+            </a:endParaRPr>
           </a:p>
           <a:p>
             <a:pPr eaLnBrk="1" hangingPunct="1"/>
             <a:r>
               <a:rPr lang="en-US" altLang="en-US" i="1" smtClean="0">
-                <a:ea typeface="ＭＳ Ｐゴシック" pitchFamily="-112" charset="-128"/>
+                <a:ea typeface="MS PGothic" panose="020B0600070205080204" pitchFamily="34" charset="-128"/>
               </a:rPr>
               <a:t>X</a:t>
             </a:r>
             <a:r>
               <a:rPr lang="en-US" altLang="en-US" smtClean="0">
-                <a:ea typeface="ＭＳ Ｐゴシック" pitchFamily="-112" charset="-128"/>
+                <a:ea typeface="MS PGothic" panose="020B0600070205080204" pitchFamily="34" charset="-128"/>
               </a:rPr>
               <a:t> and </a:t>
             </a:r>
             <a:r>
               <a:rPr lang="en-US" altLang="en-US" i="1" smtClean="0">
-                <a:ea typeface="ＭＳ Ｐゴシック" pitchFamily="-112" charset="-128"/>
+                <a:ea typeface="MS PGothic" panose="020B0600070205080204" pitchFamily="34" charset="-128"/>
               </a:rPr>
               <a:t>Y</a:t>
             </a:r>
             <a:r>
               <a:rPr lang="en-US" altLang="en-US" smtClean="0">
-                <a:ea typeface="ＭＳ Ｐゴシック" pitchFamily="-112" charset="-128"/>
+                <a:ea typeface="MS PGothic" panose="020B0600070205080204" pitchFamily="34" charset="-128"/>
               </a:rPr>
               <a:t> don’t have to be of the same size</a:t>
             </a:r>
+            <a:endParaRPr lang="en-US" altLang="en-US" smtClean="0">
+              <a:ea typeface="MS PGothic" panose="020B0600070205080204" pitchFamily="34" charset="-128"/>
+            </a:endParaRPr>
           </a:p>
           <a:p>
             <a:pPr eaLnBrk="1" hangingPunct="1"/>
             <a:r>
               <a:rPr lang="en-US" altLang="en-US" smtClean="0">
-                <a:ea typeface="ＭＳ Ｐゴシック" pitchFamily="-112" charset="-128"/>
+                <a:ea typeface="MS PGothic" panose="020B0600070205080204" pitchFamily="34" charset="-128"/>
               </a:rPr>
               <a:t>Always assigns a number between 0 and 1</a:t>
             </a:r>
+            <a:endParaRPr lang="en-US" altLang="en-US" smtClean="0">
+              <a:ea typeface="MS PGothic" panose="020B0600070205080204" pitchFamily="34" charset="-128"/>
+            </a:endParaRPr>
           </a:p>
           <a:p>
             <a:pPr lvl="1" eaLnBrk="1" hangingPunct="1"/>
             <a:r>
               <a:rPr lang="en-US" altLang="en-US" smtClean="0">
-                <a:ea typeface="ＭＳ Ｐゴシック" pitchFamily="-112" charset="-128"/>
+                <a:ea typeface="MS PGothic" panose="020B0600070205080204" pitchFamily="34" charset="-128"/>
               </a:rPr>
               <a:t>Now threshold to decide if you have a match</a:t>
             </a:r>
+            <a:endParaRPr lang="en-US" altLang="en-US" smtClean="0">
+              <a:ea typeface="MS PGothic" panose="020B0600070205080204" pitchFamily="34" charset="-128"/>
+            </a:endParaRPr>
           </a:p>
           <a:p>
             <a:pPr lvl="1" eaLnBrk="1" hangingPunct="1"/>
             <a:r>
               <a:rPr lang="en-US" altLang="en-US" smtClean="0">
-                <a:ea typeface="ＭＳ Ｐゴシック" pitchFamily="-112" charset="-128"/>
+                <a:ea typeface="MS PGothic" panose="020B0600070205080204" pitchFamily="34" charset="-128"/>
               </a:rPr>
               <a:t>E.g., if J.C. &gt; 0.8, declare a match </a:t>
             </a:r>
+            <a:endParaRPr lang="en-US" altLang="en-US" smtClean="0">
+              <a:ea typeface="MS PGothic" panose="020B0600070205080204" pitchFamily="34" charset="-128"/>
+            </a:endParaRPr>
           </a:p>
         </p:txBody>
       </p:sp>
@@ -5279,9 +5441,46 @@
         </p:xfrm>
         <a:graphic>
           <a:graphicData uri="http://schemas.openxmlformats.org/presentationml/2006/ole">
-            <p:oleObj spid="_x0000_s1026" name="Equation" r:id="rId3" imgW="977476" imgH="253890" progId="Equation.3">
-              <p:embed/>
-            </p:oleObj>
+            <mc:AlternateContent xmlns:mc="http://schemas.openxmlformats.org/markup-compatibility/2006">
+              <mc:Choice xmlns:v="urn:schemas-microsoft-com:vml" Requires="v">
+                <p:oleObj spid="_x0000_s1025" name="Equation" r:id="rId1" imgW="23469600" imgH="6096000" progId="Equation.3">
+                  <p:embed/>
+                </p:oleObj>
+              </mc:Choice>
+              <mc:Fallback>
+                <p:oleObj name="Equation" r:id="rId1" imgW="23469600" imgH="6096000" progId="Equation.3">
+                  <p:embed/>
+                  <p:pic>
+                    <p:nvPicPr>
+                      <p:cNvPr id="0" name="Object 2"/>
+                      <p:cNvPicPr>
+                        <a:picLocks noChangeAspect="1"/>
+                      </p:cNvPicPr>
+                      <p:nvPr/>
+                    </p:nvPicPr>
+                    <p:blipFill>
+                      <a:blip r:embed="rId2"/>
+                      <a:stretch>
+                        <a:fillRect/>
+                      </a:stretch>
+                    </p:blipFill>
+                    <p:spPr>
+                      <a:xfrm>
+                        <a:off x="2895600" y="2895600"/>
+                        <a:ext cx="2735263" cy="709613"/>
+                      </a:xfrm>
+                      <a:prstGeom prst="rect">
+                        <a:avLst/>
+                      </a:prstGeom>
+                      <a:noFill/>
+                      <a:ln w="9525">
+                        <a:noFill/>
+                      </a:ln>
+                    </p:spPr>
+                  </p:pic>
+                </p:oleObj>
+              </mc:Fallback>
+            </mc:AlternateContent>
           </a:graphicData>
         </a:graphic>
       </p:graphicFrame>
@@ -5305,8 +5504,6 @@
           <a:ln w="9525">
             <a:noFill/>
             <a:miter lim="800000"/>
-            <a:headEnd/>
-            <a:tailEnd/>
           </a:ln>
         </p:spPr>
         <p:txBody>
@@ -5321,10 +5518,16 @@
                 <a:solidFill>
                   <a:srgbClr val="FBFCFF"/>
                 </a:solidFill>
-                <a:ea typeface="ＭＳ Ｐゴシック" pitchFamily="-112" charset="-128"/>
+                <a:ea typeface="MS PGothic" panose="020B0600070205080204" pitchFamily="34" charset="-128"/>
               </a:rPr>
               <a:t>Sec. 3.3.4</a:t>
             </a:r>
+            <a:endParaRPr lang="en-US" altLang="en-US" sz="1600">
+              <a:solidFill>
+                <a:srgbClr val="FBFCFF"/>
+              </a:solidFill>
+              <a:ea typeface="MS PGothic" panose="020B0600070205080204" pitchFamily="34" charset="-128"/>
+            </a:endParaRPr>
           </a:p>
         </p:txBody>
       </p:sp>
@@ -5342,8 +5545,6 @@
           <a:noFill/>
           <a:ln>
             <a:miter lim="800000"/>
-            <a:headEnd/>
-            <a:tailEnd/>
           </a:ln>
         </p:spPr>
         <p:txBody>
@@ -5352,13 +5553,11 @@
           <a:p>
             <a:fld id="{F3B65A4C-2777-44AA-86D0-7EF5744E0A2E}" type="slidenum">
               <a:rPr lang="en-US" altLang="en-US">
-                <a:ea typeface="ＭＳ Ｐゴシック" pitchFamily="-112" charset="-128"/>
-              </a:rPr>
-              <a:pPr/>
-              <a:t>16</a:t>
+                <a:ea typeface="MS PGothic" panose="020B0600070205080204" pitchFamily="34" charset="-128"/>
+              </a:rPr>
             </a:fld>
             <a:endParaRPr lang="en-US" altLang="en-US">
-              <a:ea typeface="ＭＳ Ｐゴシック" pitchFamily="-112" charset="-128"/>
+              <a:ea typeface="MS PGothic" panose="020B0600070205080204" pitchFamily="34" charset="-128"/>
             </a:endParaRPr>
           </a:p>
         </p:txBody>
@@ -5380,7 +5579,7 @@
             <a:avLst/>
           </a:prstGeom>
           <a:blipFill rotWithShape="0">
-            <a:blip r:embed="rId4" cstate="print"/>
+            <a:blip r:embed="rId3" cstate="print"/>
             <a:stretch>
               <a:fillRect/>
             </a:stretch>
@@ -5401,6 +5600,11 @@
               </a:rPr>
               <a:t> </a:t>
             </a:r>
+            <a:endParaRPr lang="en-US">
+              <a:noFill/>
+              <a:latin typeface="Lucida Sans" panose="020B0602030504020204" pitchFamily="34" charset="0"/>
+              <a:cs typeface="Arial Unicode MS" panose="020B0604020202020204" pitchFamily="34" charset="-128"/>
+            </a:endParaRPr>
           </a:p>
         </p:txBody>
       </p:sp>
@@ -5458,8 +5662,6 @@
               <a:schemeClr val="tx1"/>
             </a:solidFill>
             <a:miter lim="800000"/>
-            <a:headEnd/>
-            <a:tailEnd/>
           </a:ln>
         </p:spPr>
         <p:txBody>
@@ -5470,10 +5672,13 @@
           <a:p>
             <a:r>
               <a:rPr lang="en-US" altLang="en-US" b="1" i="1">
-                <a:ea typeface="ＭＳ Ｐゴシック" pitchFamily="-112" charset="-128"/>
+                <a:ea typeface="MS PGothic" panose="020B0600070205080204" pitchFamily="34" charset="-128"/>
               </a:rPr>
               <a:t>lore</a:t>
             </a:r>
+            <a:endParaRPr lang="en-US" altLang="en-US" b="1" i="1">
+              <a:ea typeface="MS PGothic" panose="020B0600070205080204" pitchFamily="34" charset="-128"/>
+            </a:endParaRPr>
           </a:p>
         </p:txBody>
       </p:sp>
@@ -5503,8 +5708,6 @@
               <a:srgbClr val="7F7F7F"/>
             </a:solidFill>
             <a:miter lim="800000"/>
-            <a:headEnd/>
-            <a:tailEnd/>
           </a:ln>
           <a:effectLst>
             <a:outerShdw blurRad="40000" dist="23000" dir="5400000" rotWithShape="0">
@@ -5530,8 +5733,8 @@
                 <a:solidFill>
                   <a:schemeClr val="tx1"/>
                 </a:solidFill>
-                <a:latin typeface="Calibri" panose="020F0502020204030204" pitchFamily="34" charset="0"/>
-                <a:ea typeface="ＭＳ Ｐゴシック" panose="020B0600070205080204" pitchFamily="34" charset="-128"/>
+                <a:latin typeface="Calibri" panose="020F0502020204030204" charset="0"/>
+                <a:ea typeface="MS PGothic" panose="020B0600070205080204" pitchFamily="34" charset="-128"/>
               </a:defRPr>
             </a:lvl1pPr>
             <a:lvl2pPr marL="37931725" indent="-37474525">
@@ -5547,8 +5750,8 @@
                 <a:solidFill>
                   <a:schemeClr val="tx1"/>
                 </a:solidFill>
-                <a:latin typeface="Calibri" panose="020F0502020204030204" pitchFamily="34" charset="0"/>
-                <a:ea typeface="ＭＳ Ｐゴシック" panose="020B0600070205080204" pitchFamily="34" charset="-128"/>
+                <a:latin typeface="Calibri" panose="020F0502020204030204" charset="0"/>
+                <a:ea typeface="MS PGothic" panose="020B0600070205080204" pitchFamily="34" charset="-128"/>
               </a:defRPr>
             </a:lvl2pPr>
             <a:lvl3pPr marL="1143000" indent="-228600">
@@ -5564,8 +5767,8 @@
                 <a:solidFill>
                   <a:schemeClr val="tx1"/>
                 </a:solidFill>
-                <a:latin typeface="Calibri" panose="020F0502020204030204" pitchFamily="34" charset="0"/>
-                <a:ea typeface="ＭＳ Ｐゴシック" panose="020B0600070205080204" pitchFamily="34" charset="-128"/>
+                <a:latin typeface="Calibri" panose="020F0502020204030204" charset="0"/>
+                <a:ea typeface="MS PGothic" panose="020B0600070205080204" pitchFamily="34" charset="-128"/>
               </a:defRPr>
             </a:lvl3pPr>
             <a:lvl4pPr marL="1600200" indent="-228600">
@@ -5581,8 +5784,8 @@
                 <a:solidFill>
                   <a:schemeClr val="tx1"/>
                 </a:solidFill>
-                <a:latin typeface="Calibri" panose="020F0502020204030204" pitchFamily="34" charset="0"/>
-                <a:ea typeface="ＭＳ Ｐゴシック" panose="020B0600070205080204" pitchFamily="34" charset="-128"/>
+                <a:latin typeface="Calibri" panose="020F0502020204030204" charset="0"/>
+                <a:ea typeface="MS PGothic" panose="020B0600070205080204" pitchFamily="34" charset="-128"/>
               </a:defRPr>
             </a:lvl4pPr>
             <a:lvl5pPr marL="2057400" indent="-228600">
@@ -5598,8 +5801,8 @@
                 <a:solidFill>
                   <a:schemeClr val="tx1"/>
                 </a:solidFill>
-                <a:latin typeface="Calibri" panose="020F0502020204030204" pitchFamily="34" charset="0"/>
-                <a:ea typeface="ＭＳ Ｐゴシック" panose="020B0600070205080204" pitchFamily="34" charset="-128"/>
+                <a:latin typeface="Calibri" panose="020F0502020204030204" charset="0"/>
+                <a:ea typeface="MS PGothic" panose="020B0600070205080204" pitchFamily="34" charset="-128"/>
               </a:defRPr>
             </a:lvl5pPr>
             <a:lvl6pPr marL="2514600" indent="-228600" eaLnBrk="0" fontAlgn="base" hangingPunct="0">
@@ -5618,8 +5821,8 @@
                 <a:solidFill>
                   <a:schemeClr val="tx1"/>
                 </a:solidFill>
-                <a:latin typeface="Calibri" panose="020F0502020204030204" pitchFamily="34" charset="0"/>
-                <a:ea typeface="ＭＳ Ｐゴシック" panose="020B0600070205080204" pitchFamily="34" charset="-128"/>
+                <a:latin typeface="Calibri" panose="020F0502020204030204" charset="0"/>
+                <a:ea typeface="MS PGothic" panose="020B0600070205080204" pitchFamily="34" charset="-128"/>
               </a:defRPr>
             </a:lvl6pPr>
             <a:lvl7pPr marL="2971800" indent="-228600" eaLnBrk="0" fontAlgn="base" hangingPunct="0">
@@ -5638,8 +5841,8 @@
                 <a:solidFill>
                   <a:schemeClr val="tx1"/>
                 </a:solidFill>
-                <a:latin typeface="Calibri" panose="020F0502020204030204" pitchFamily="34" charset="0"/>
-                <a:ea typeface="ＭＳ Ｐゴシック" panose="020B0600070205080204" pitchFamily="34" charset="-128"/>
+                <a:latin typeface="Calibri" panose="020F0502020204030204" charset="0"/>
+                <a:ea typeface="MS PGothic" panose="020B0600070205080204" pitchFamily="34" charset="-128"/>
               </a:defRPr>
             </a:lvl7pPr>
             <a:lvl8pPr marL="3429000" indent="-228600" eaLnBrk="0" fontAlgn="base" hangingPunct="0">
@@ -5658,8 +5861,8 @@
                 <a:solidFill>
                   <a:schemeClr val="tx1"/>
                 </a:solidFill>
-                <a:latin typeface="Calibri" panose="020F0502020204030204" pitchFamily="34" charset="0"/>
-                <a:ea typeface="ＭＳ Ｐゴシック" panose="020B0600070205080204" pitchFamily="34" charset="-128"/>
+                <a:latin typeface="Calibri" panose="020F0502020204030204" charset="0"/>
+                <a:ea typeface="MS PGothic" panose="020B0600070205080204" pitchFamily="34" charset="-128"/>
               </a:defRPr>
             </a:lvl8pPr>
             <a:lvl9pPr marL="3886200" indent="-228600" eaLnBrk="0" fontAlgn="base" hangingPunct="0">
@@ -5678,8 +5881,8 @@
                 <a:solidFill>
                   <a:schemeClr val="tx1"/>
                 </a:solidFill>
-                <a:latin typeface="Calibri" panose="020F0502020204030204" pitchFamily="34" charset="0"/>
-                <a:ea typeface="ＭＳ Ｐゴシック" panose="020B0600070205080204" pitchFamily="34" charset="-128"/>
+                <a:latin typeface="Calibri" panose="020F0502020204030204" charset="0"/>
+                <a:ea typeface="MS PGothic" panose="020B0600070205080204" pitchFamily="34" charset="-128"/>
               </a:defRPr>
             </a:lvl9pPr>
           </a:lstStyle>
@@ -5728,8 +5931,6 @@
               <a:srgbClr val="7F7F7F"/>
             </a:solidFill>
             <a:miter lim="800000"/>
-            <a:headEnd/>
-            <a:tailEnd/>
           </a:ln>
           <a:effectLst>
             <a:outerShdw blurRad="40000" dist="23000" dir="5400000" rotWithShape="0">
@@ -5755,8 +5956,8 @@
                 <a:solidFill>
                   <a:schemeClr val="tx1"/>
                 </a:solidFill>
-                <a:latin typeface="Calibri" panose="020F0502020204030204" pitchFamily="34" charset="0"/>
-                <a:ea typeface="ＭＳ Ｐゴシック" panose="020B0600070205080204" pitchFamily="34" charset="-128"/>
+                <a:latin typeface="Calibri" panose="020F0502020204030204" charset="0"/>
+                <a:ea typeface="MS PGothic" panose="020B0600070205080204" pitchFamily="34" charset="-128"/>
               </a:defRPr>
             </a:lvl1pPr>
             <a:lvl2pPr marL="37931725" indent="-37474525">
@@ -5772,8 +5973,8 @@
                 <a:solidFill>
                   <a:schemeClr val="tx1"/>
                 </a:solidFill>
-                <a:latin typeface="Calibri" panose="020F0502020204030204" pitchFamily="34" charset="0"/>
-                <a:ea typeface="ＭＳ Ｐゴシック" panose="020B0600070205080204" pitchFamily="34" charset="-128"/>
+                <a:latin typeface="Calibri" panose="020F0502020204030204" charset="0"/>
+                <a:ea typeface="MS PGothic" panose="020B0600070205080204" pitchFamily="34" charset="-128"/>
               </a:defRPr>
             </a:lvl2pPr>
             <a:lvl3pPr marL="1143000" indent="-228600">
@@ -5789,8 +5990,8 @@
                 <a:solidFill>
                   <a:schemeClr val="tx1"/>
                 </a:solidFill>
-                <a:latin typeface="Calibri" panose="020F0502020204030204" pitchFamily="34" charset="0"/>
-                <a:ea typeface="ＭＳ Ｐゴシック" panose="020B0600070205080204" pitchFamily="34" charset="-128"/>
+                <a:latin typeface="Calibri" panose="020F0502020204030204" charset="0"/>
+                <a:ea typeface="MS PGothic" panose="020B0600070205080204" pitchFamily="34" charset="-128"/>
               </a:defRPr>
             </a:lvl3pPr>
             <a:lvl4pPr marL="1600200" indent="-228600">
@@ -5806,8 +6007,8 @@
                 <a:solidFill>
                   <a:schemeClr val="tx1"/>
                 </a:solidFill>
-                <a:latin typeface="Calibri" panose="020F0502020204030204" pitchFamily="34" charset="0"/>
-                <a:ea typeface="ＭＳ Ｐゴシック" panose="020B0600070205080204" pitchFamily="34" charset="-128"/>
+                <a:latin typeface="Calibri" panose="020F0502020204030204" charset="0"/>
+                <a:ea typeface="MS PGothic" panose="020B0600070205080204" pitchFamily="34" charset="-128"/>
               </a:defRPr>
             </a:lvl4pPr>
             <a:lvl5pPr marL="2057400" indent="-228600">
@@ -5823,8 +6024,8 @@
                 <a:solidFill>
                   <a:schemeClr val="tx1"/>
                 </a:solidFill>
-                <a:latin typeface="Calibri" panose="020F0502020204030204" pitchFamily="34" charset="0"/>
-                <a:ea typeface="ＭＳ Ｐゴシック" panose="020B0600070205080204" pitchFamily="34" charset="-128"/>
+                <a:latin typeface="Calibri" panose="020F0502020204030204" charset="0"/>
+                <a:ea typeface="MS PGothic" panose="020B0600070205080204" pitchFamily="34" charset="-128"/>
               </a:defRPr>
             </a:lvl5pPr>
             <a:lvl6pPr marL="2514600" indent="-228600" eaLnBrk="0" fontAlgn="base" hangingPunct="0">
@@ -5843,8 +6044,8 @@
                 <a:solidFill>
                   <a:schemeClr val="tx1"/>
                 </a:solidFill>
-                <a:latin typeface="Calibri" panose="020F0502020204030204" pitchFamily="34" charset="0"/>
-                <a:ea typeface="ＭＳ Ｐゴシック" panose="020B0600070205080204" pitchFamily="34" charset="-128"/>
+                <a:latin typeface="Calibri" panose="020F0502020204030204" charset="0"/>
+                <a:ea typeface="MS PGothic" panose="020B0600070205080204" pitchFamily="34" charset="-128"/>
               </a:defRPr>
             </a:lvl6pPr>
             <a:lvl7pPr marL="2971800" indent="-228600" eaLnBrk="0" fontAlgn="base" hangingPunct="0">
@@ -5863,8 +6064,8 @@
                 <a:solidFill>
                   <a:schemeClr val="tx1"/>
                 </a:solidFill>
-                <a:latin typeface="Calibri" panose="020F0502020204030204" pitchFamily="34" charset="0"/>
-                <a:ea typeface="ＭＳ Ｐゴシック" panose="020B0600070205080204" pitchFamily="34" charset="-128"/>
+                <a:latin typeface="Calibri" panose="020F0502020204030204" charset="0"/>
+                <a:ea typeface="MS PGothic" panose="020B0600070205080204" pitchFamily="34" charset="-128"/>
               </a:defRPr>
             </a:lvl7pPr>
             <a:lvl8pPr marL="3429000" indent="-228600" eaLnBrk="0" fontAlgn="base" hangingPunct="0">
@@ -5883,8 +6084,8 @@
                 <a:solidFill>
                   <a:schemeClr val="tx1"/>
                 </a:solidFill>
-                <a:latin typeface="Calibri" panose="020F0502020204030204" pitchFamily="34" charset="0"/>
-                <a:ea typeface="ＭＳ Ｐゴシック" panose="020B0600070205080204" pitchFamily="34" charset="-128"/>
+                <a:latin typeface="Calibri" panose="020F0502020204030204" charset="0"/>
+                <a:ea typeface="MS PGothic" panose="020B0600070205080204" pitchFamily="34" charset="-128"/>
               </a:defRPr>
             </a:lvl8pPr>
             <a:lvl9pPr marL="3886200" indent="-228600" eaLnBrk="0" fontAlgn="base" hangingPunct="0">
@@ -5903,8 +6104,8 @@
                 <a:solidFill>
                   <a:schemeClr val="tx1"/>
                 </a:solidFill>
-                <a:latin typeface="Calibri" panose="020F0502020204030204" pitchFamily="34" charset="0"/>
-                <a:ea typeface="ＭＳ Ｐゴシック" panose="020B0600070205080204" pitchFamily="34" charset="-128"/>
+                <a:latin typeface="Calibri" panose="020F0502020204030204" charset="0"/>
+                <a:ea typeface="MS PGothic" panose="020B0600070205080204" pitchFamily="34" charset="-128"/>
               </a:defRPr>
             </a:lvl9pPr>
           </a:lstStyle>
@@ -5949,8 +6150,6 @@
               <a:schemeClr val="tx1"/>
             </a:solidFill>
             <a:miter lim="800000"/>
-            <a:headEnd/>
-            <a:tailEnd/>
           </a:ln>
         </p:spPr>
         <p:txBody>
@@ -5961,10 +6160,13 @@
           <a:p>
             <a:r>
               <a:rPr lang="en-US" altLang="en-US" b="1" i="1">
-                <a:ea typeface="ＭＳ Ｐゴシック" pitchFamily="-112" charset="-128"/>
+                <a:ea typeface="MS PGothic" panose="020B0600070205080204" pitchFamily="34" charset="-128"/>
               </a:rPr>
               <a:t>lore</a:t>
             </a:r>
+            <a:endParaRPr lang="en-US" altLang="en-US" b="1" i="1">
+              <a:ea typeface="MS PGothic" panose="020B0600070205080204" pitchFamily="34" charset="-128"/>
+            </a:endParaRPr>
           </a:p>
         </p:txBody>
       </p:sp>
@@ -5994,8 +6196,6 @@
               <a:srgbClr val="7F7F7F"/>
             </a:solidFill>
             <a:miter lim="800000"/>
-            <a:headEnd/>
-            <a:tailEnd/>
           </a:ln>
           <a:effectLst>
             <a:outerShdw blurRad="40000" dist="23000" dir="5400000" rotWithShape="0">
@@ -6021,8 +6221,8 @@
                 <a:solidFill>
                   <a:schemeClr val="tx1"/>
                 </a:solidFill>
-                <a:latin typeface="Calibri" panose="020F0502020204030204" pitchFamily="34" charset="0"/>
-                <a:ea typeface="ＭＳ Ｐゴシック" panose="020B0600070205080204" pitchFamily="34" charset="-128"/>
+                <a:latin typeface="Calibri" panose="020F0502020204030204" charset="0"/>
+                <a:ea typeface="MS PGothic" panose="020B0600070205080204" pitchFamily="34" charset="-128"/>
               </a:defRPr>
             </a:lvl1pPr>
             <a:lvl2pPr marL="37931725" indent="-37474525">
@@ -6038,8 +6238,8 @@
                 <a:solidFill>
                   <a:schemeClr val="tx1"/>
                 </a:solidFill>
-                <a:latin typeface="Calibri" panose="020F0502020204030204" pitchFamily="34" charset="0"/>
-                <a:ea typeface="ＭＳ Ｐゴシック" panose="020B0600070205080204" pitchFamily="34" charset="-128"/>
+                <a:latin typeface="Calibri" panose="020F0502020204030204" charset="0"/>
+                <a:ea typeface="MS PGothic" panose="020B0600070205080204" pitchFamily="34" charset="-128"/>
               </a:defRPr>
             </a:lvl2pPr>
             <a:lvl3pPr marL="1143000" indent="-228600">
@@ -6055,8 +6255,8 @@
                 <a:solidFill>
                   <a:schemeClr val="tx1"/>
                 </a:solidFill>
-                <a:latin typeface="Calibri" panose="020F0502020204030204" pitchFamily="34" charset="0"/>
-                <a:ea typeface="ＭＳ Ｐゴシック" panose="020B0600070205080204" pitchFamily="34" charset="-128"/>
+                <a:latin typeface="Calibri" panose="020F0502020204030204" charset="0"/>
+                <a:ea typeface="MS PGothic" panose="020B0600070205080204" pitchFamily="34" charset="-128"/>
               </a:defRPr>
             </a:lvl3pPr>
             <a:lvl4pPr marL="1600200" indent="-228600">
@@ -6072,8 +6272,8 @@
                 <a:solidFill>
                   <a:schemeClr val="tx1"/>
                 </a:solidFill>
-                <a:latin typeface="Calibri" panose="020F0502020204030204" pitchFamily="34" charset="0"/>
-                <a:ea typeface="ＭＳ Ｐゴシック" panose="020B0600070205080204" pitchFamily="34" charset="-128"/>
+                <a:latin typeface="Calibri" panose="020F0502020204030204" charset="0"/>
+                <a:ea typeface="MS PGothic" panose="020B0600070205080204" pitchFamily="34" charset="-128"/>
               </a:defRPr>
             </a:lvl4pPr>
             <a:lvl5pPr marL="2057400" indent="-228600">
@@ -6089,8 +6289,8 @@
                 <a:solidFill>
                   <a:schemeClr val="tx1"/>
                 </a:solidFill>
-                <a:latin typeface="Calibri" panose="020F0502020204030204" pitchFamily="34" charset="0"/>
-                <a:ea typeface="ＭＳ Ｐゴシック" panose="020B0600070205080204" pitchFamily="34" charset="-128"/>
+                <a:latin typeface="Calibri" panose="020F0502020204030204" charset="0"/>
+                <a:ea typeface="MS PGothic" panose="020B0600070205080204" pitchFamily="34" charset="-128"/>
               </a:defRPr>
             </a:lvl5pPr>
             <a:lvl6pPr marL="2514600" indent="-228600" eaLnBrk="0" fontAlgn="base" hangingPunct="0">
@@ -6109,8 +6309,8 @@
                 <a:solidFill>
                   <a:schemeClr val="tx1"/>
                 </a:solidFill>
-                <a:latin typeface="Calibri" panose="020F0502020204030204" pitchFamily="34" charset="0"/>
-                <a:ea typeface="ＭＳ Ｐゴシック" panose="020B0600070205080204" pitchFamily="34" charset="-128"/>
+                <a:latin typeface="Calibri" panose="020F0502020204030204" charset="0"/>
+                <a:ea typeface="MS PGothic" panose="020B0600070205080204" pitchFamily="34" charset="-128"/>
               </a:defRPr>
             </a:lvl6pPr>
             <a:lvl7pPr marL="2971800" indent="-228600" eaLnBrk="0" fontAlgn="base" hangingPunct="0">
@@ -6129,8 +6329,8 @@
                 <a:solidFill>
                   <a:schemeClr val="tx1"/>
                 </a:solidFill>
-                <a:latin typeface="Calibri" panose="020F0502020204030204" pitchFamily="34" charset="0"/>
-                <a:ea typeface="ＭＳ Ｐゴシック" panose="020B0600070205080204" pitchFamily="34" charset="-128"/>
+                <a:latin typeface="Calibri" panose="020F0502020204030204" charset="0"/>
+                <a:ea typeface="MS PGothic" panose="020B0600070205080204" pitchFamily="34" charset="-128"/>
               </a:defRPr>
             </a:lvl7pPr>
             <a:lvl8pPr marL="3429000" indent="-228600" eaLnBrk="0" fontAlgn="base" hangingPunct="0">
@@ -6149,8 +6349,8 @@
                 <a:solidFill>
                   <a:schemeClr val="tx1"/>
                 </a:solidFill>
-                <a:latin typeface="Calibri" panose="020F0502020204030204" pitchFamily="34" charset="0"/>
-                <a:ea typeface="ＭＳ Ｐゴシック" panose="020B0600070205080204" pitchFamily="34" charset="-128"/>
+                <a:latin typeface="Calibri" panose="020F0502020204030204" charset="0"/>
+                <a:ea typeface="MS PGothic" panose="020B0600070205080204" pitchFamily="34" charset="-128"/>
               </a:defRPr>
             </a:lvl8pPr>
             <a:lvl9pPr marL="3886200" indent="-228600" eaLnBrk="0" fontAlgn="base" hangingPunct="0">
@@ -6169,8 +6369,8 @@
                 <a:solidFill>
                   <a:schemeClr val="tx1"/>
                 </a:solidFill>
-                <a:latin typeface="Calibri" panose="020F0502020204030204" pitchFamily="34" charset="0"/>
-                <a:ea typeface="ＭＳ Ｐゴシック" panose="020B0600070205080204" pitchFamily="34" charset="-128"/>
+                <a:latin typeface="Calibri" panose="020F0502020204030204" charset="0"/>
+                <a:ea typeface="MS PGothic" panose="020B0600070205080204" pitchFamily="34" charset="-128"/>
               </a:defRPr>
             </a:lvl9pPr>
           </a:lstStyle>
@@ -6219,8 +6419,6 @@
               <a:srgbClr val="7F7F7F"/>
             </a:solidFill>
             <a:miter lim="800000"/>
-            <a:headEnd/>
-            <a:tailEnd/>
           </a:ln>
           <a:effectLst>
             <a:outerShdw blurRad="40000" dist="23000" dir="5400000" rotWithShape="0">
@@ -6246,8 +6444,8 @@
                 <a:solidFill>
                   <a:schemeClr val="tx1"/>
                 </a:solidFill>
-                <a:latin typeface="Calibri" panose="020F0502020204030204" pitchFamily="34" charset="0"/>
-                <a:ea typeface="ＭＳ Ｐゴシック" panose="020B0600070205080204" pitchFamily="34" charset="-128"/>
+                <a:latin typeface="Calibri" panose="020F0502020204030204" charset="0"/>
+                <a:ea typeface="MS PGothic" panose="020B0600070205080204" pitchFamily="34" charset="-128"/>
               </a:defRPr>
             </a:lvl1pPr>
             <a:lvl2pPr marL="37931725" indent="-37474525">
@@ -6263,8 +6461,8 @@
                 <a:solidFill>
                   <a:schemeClr val="tx1"/>
                 </a:solidFill>
-                <a:latin typeface="Calibri" panose="020F0502020204030204" pitchFamily="34" charset="0"/>
-                <a:ea typeface="ＭＳ Ｐゴシック" panose="020B0600070205080204" pitchFamily="34" charset="-128"/>
+                <a:latin typeface="Calibri" panose="020F0502020204030204" charset="0"/>
+                <a:ea typeface="MS PGothic" panose="020B0600070205080204" pitchFamily="34" charset="-128"/>
               </a:defRPr>
             </a:lvl2pPr>
             <a:lvl3pPr marL="1143000" indent="-228600">
@@ -6280,8 +6478,8 @@
                 <a:solidFill>
                   <a:schemeClr val="tx1"/>
                 </a:solidFill>
-                <a:latin typeface="Calibri" panose="020F0502020204030204" pitchFamily="34" charset="0"/>
-                <a:ea typeface="ＭＳ Ｐゴシック" panose="020B0600070205080204" pitchFamily="34" charset="-128"/>
+                <a:latin typeface="Calibri" panose="020F0502020204030204" charset="0"/>
+                <a:ea typeface="MS PGothic" panose="020B0600070205080204" pitchFamily="34" charset="-128"/>
               </a:defRPr>
             </a:lvl3pPr>
             <a:lvl4pPr marL="1600200" indent="-228600">
@@ -6297,8 +6495,8 @@
                 <a:solidFill>
                   <a:schemeClr val="tx1"/>
                 </a:solidFill>
-                <a:latin typeface="Calibri" panose="020F0502020204030204" pitchFamily="34" charset="0"/>
-                <a:ea typeface="ＭＳ Ｐゴシック" panose="020B0600070205080204" pitchFamily="34" charset="-128"/>
+                <a:latin typeface="Calibri" panose="020F0502020204030204" charset="0"/>
+                <a:ea typeface="MS PGothic" panose="020B0600070205080204" pitchFamily="34" charset="-128"/>
               </a:defRPr>
             </a:lvl4pPr>
             <a:lvl5pPr marL="2057400" indent="-228600">
@@ -6314,8 +6512,8 @@
                 <a:solidFill>
                   <a:schemeClr val="tx1"/>
                 </a:solidFill>
-                <a:latin typeface="Calibri" panose="020F0502020204030204" pitchFamily="34" charset="0"/>
-                <a:ea typeface="ＭＳ Ｐゴシック" panose="020B0600070205080204" pitchFamily="34" charset="-128"/>
+                <a:latin typeface="Calibri" panose="020F0502020204030204" charset="0"/>
+                <a:ea typeface="MS PGothic" panose="020B0600070205080204" pitchFamily="34" charset="-128"/>
               </a:defRPr>
             </a:lvl5pPr>
             <a:lvl6pPr marL="2514600" indent="-228600" eaLnBrk="0" fontAlgn="base" hangingPunct="0">
@@ -6334,8 +6532,8 @@
                 <a:solidFill>
                   <a:schemeClr val="tx1"/>
                 </a:solidFill>
-                <a:latin typeface="Calibri" panose="020F0502020204030204" pitchFamily="34" charset="0"/>
-                <a:ea typeface="ＭＳ Ｐゴシック" panose="020B0600070205080204" pitchFamily="34" charset="-128"/>
+                <a:latin typeface="Calibri" panose="020F0502020204030204" charset="0"/>
+                <a:ea typeface="MS PGothic" panose="020B0600070205080204" pitchFamily="34" charset="-128"/>
               </a:defRPr>
             </a:lvl6pPr>
             <a:lvl7pPr marL="2971800" indent="-228600" eaLnBrk="0" fontAlgn="base" hangingPunct="0">
@@ -6354,8 +6552,8 @@
                 <a:solidFill>
                   <a:schemeClr val="tx1"/>
                 </a:solidFill>
-                <a:latin typeface="Calibri" panose="020F0502020204030204" pitchFamily="34" charset="0"/>
-                <a:ea typeface="ＭＳ Ｐゴシック" panose="020B0600070205080204" pitchFamily="34" charset="-128"/>
+                <a:latin typeface="Calibri" panose="020F0502020204030204" charset="0"/>
+                <a:ea typeface="MS PGothic" panose="020B0600070205080204" pitchFamily="34" charset="-128"/>
               </a:defRPr>
             </a:lvl7pPr>
             <a:lvl8pPr marL="3429000" indent="-228600" eaLnBrk="0" fontAlgn="base" hangingPunct="0">
@@ -6374,8 +6572,8 @@
                 <a:solidFill>
                   <a:schemeClr val="tx1"/>
                 </a:solidFill>
-                <a:latin typeface="Calibri" panose="020F0502020204030204" pitchFamily="34" charset="0"/>
-                <a:ea typeface="ＭＳ Ｐゴシック" panose="020B0600070205080204" pitchFamily="34" charset="-128"/>
+                <a:latin typeface="Calibri" panose="020F0502020204030204" charset="0"/>
+                <a:ea typeface="MS PGothic" panose="020B0600070205080204" pitchFamily="34" charset="-128"/>
               </a:defRPr>
             </a:lvl8pPr>
             <a:lvl9pPr marL="3886200" indent="-228600" eaLnBrk="0" fontAlgn="base" hangingPunct="0">
@@ -6394,8 +6592,8 @@
                 <a:solidFill>
                   <a:schemeClr val="tx1"/>
                 </a:solidFill>
-                <a:latin typeface="Calibri" panose="020F0502020204030204" pitchFamily="34" charset="0"/>
-                <a:ea typeface="ＭＳ Ｐゴシック" panose="020B0600070205080204" pitchFamily="34" charset="-128"/>
+                <a:latin typeface="Calibri" panose="020F0502020204030204" charset="0"/>
+                <a:ea typeface="MS PGothic" panose="020B0600070205080204" pitchFamily="34" charset="-128"/>
               </a:defRPr>
             </a:lvl9pPr>
           </a:lstStyle>
@@ -6436,10 +6634,13 @@
             <a:pPr eaLnBrk="1" hangingPunct="1"/>
             <a:r>
               <a:rPr lang="en-US" altLang="en-US" smtClean="0">
-                <a:ea typeface="ＭＳ Ｐゴシック" pitchFamily="-112" charset="-128"/>
+                <a:ea typeface="MS PGothic" panose="020B0600070205080204" pitchFamily="34" charset="-128"/>
               </a:rPr>
               <a:t>Matching trigrams</a:t>
             </a:r>
+            <a:endParaRPr lang="en-US" altLang="en-US" smtClean="0">
+              <a:ea typeface="MS PGothic" panose="020B0600070205080204" pitchFamily="34" charset="-128"/>
+            </a:endParaRPr>
           </a:p>
         </p:txBody>
       </p:sp>
@@ -6461,34 +6662,37 @@
             <a:pPr eaLnBrk="1" hangingPunct="1"/>
             <a:r>
               <a:rPr lang="en-US" altLang="en-US" smtClean="0">
-                <a:ea typeface="ＭＳ Ｐゴシック" pitchFamily="-112" charset="-128"/>
+                <a:ea typeface="MS PGothic" panose="020B0600070205080204" pitchFamily="34" charset="-128"/>
               </a:rPr>
               <a:t>Consider the query </a:t>
             </a:r>
             <a:r>
               <a:rPr lang="en-US" altLang="en-US" b="1" i="1" smtClean="0">
-                <a:ea typeface="ＭＳ Ｐゴシック" pitchFamily="-112" charset="-128"/>
+                <a:ea typeface="MS PGothic" panose="020B0600070205080204" pitchFamily="34" charset="-128"/>
               </a:rPr>
               <a:t>lord</a:t>
             </a:r>
             <a:r>
               <a:rPr lang="en-US" altLang="en-US" smtClean="0">
-                <a:ea typeface="ＭＳ Ｐゴシック" pitchFamily="-112" charset="-128"/>
+                <a:ea typeface="MS PGothic" panose="020B0600070205080204" pitchFamily="34" charset="-128"/>
               </a:rPr>
               <a:t> – we wish to identify words matching 2 of its 3 bigrams (</a:t>
             </a:r>
             <a:r>
               <a:rPr lang="en-US" altLang="en-US" b="1" i="1" smtClean="0">
-                <a:ea typeface="ＭＳ Ｐゴシック" pitchFamily="-112" charset="-128"/>
+                <a:ea typeface="MS PGothic" panose="020B0600070205080204" pitchFamily="34" charset="-128"/>
               </a:rPr>
               <a:t>lo, or, rd</a:t>
             </a:r>
             <a:r>
               <a:rPr lang="en-US" altLang="en-US" smtClean="0">
-                <a:ea typeface="ＭＳ Ｐゴシック" pitchFamily="-112" charset="-128"/>
+                <a:ea typeface="MS PGothic" panose="020B0600070205080204" pitchFamily="34" charset="-128"/>
               </a:rPr>
               <a:t>)</a:t>
             </a:r>
+            <a:endParaRPr lang="en-US" altLang="en-US" smtClean="0">
+              <a:ea typeface="MS PGothic" panose="020B0600070205080204" pitchFamily="34" charset="-128"/>
+            </a:endParaRPr>
           </a:p>
         </p:txBody>
       </p:sp>
@@ -6514,8 +6718,6 @@
               <a:schemeClr val="tx1"/>
             </a:solidFill>
             <a:miter lim="800000"/>
-            <a:headEnd/>
-            <a:tailEnd/>
           </a:ln>
         </p:spPr>
         <p:txBody>
@@ -6526,10 +6728,13 @@
           <a:p>
             <a:r>
               <a:rPr lang="en-US" altLang="en-US" b="1" i="1">
-                <a:ea typeface="ＭＳ Ｐゴシック" pitchFamily="-112" charset="-128"/>
+                <a:ea typeface="MS PGothic" panose="020B0600070205080204" pitchFamily="34" charset="-128"/>
               </a:rPr>
               <a:t>lo</a:t>
             </a:r>
+            <a:endParaRPr lang="en-US" altLang="en-US" b="1" i="1">
+              <a:ea typeface="MS PGothic" panose="020B0600070205080204" pitchFamily="34" charset="-128"/>
+            </a:endParaRPr>
           </a:p>
         </p:txBody>
       </p:sp>
@@ -6555,8 +6760,6 @@
               <a:schemeClr val="tx1"/>
             </a:solidFill>
             <a:miter lim="800000"/>
-            <a:headEnd/>
-            <a:tailEnd/>
           </a:ln>
         </p:spPr>
         <p:txBody>
@@ -6567,10 +6770,13 @@
           <a:p>
             <a:r>
               <a:rPr lang="en-US" altLang="en-US" b="1" i="1">
-                <a:ea typeface="ＭＳ Ｐゴシック" pitchFamily="-112" charset="-128"/>
+                <a:ea typeface="MS PGothic" panose="020B0600070205080204" pitchFamily="34" charset="-128"/>
               </a:rPr>
               <a:t>or</a:t>
             </a:r>
+            <a:endParaRPr lang="en-US" altLang="en-US" b="1" i="1">
+              <a:ea typeface="MS PGothic" panose="020B0600070205080204" pitchFamily="34" charset="-128"/>
+            </a:endParaRPr>
           </a:p>
         </p:txBody>
       </p:sp>
@@ -6596,8 +6802,6 @@
               <a:schemeClr val="tx1"/>
             </a:solidFill>
             <a:miter lim="800000"/>
-            <a:headEnd/>
-            <a:tailEnd/>
           </a:ln>
         </p:spPr>
         <p:txBody>
@@ -6608,10 +6812,13 @@
           <a:p>
             <a:r>
               <a:rPr lang="en-US" altLang="en-US" b="1" i="1">
-                <a:ea typeface="ＭＳ Ｐゴシック" pitchFamily="-112" charset="-128"/>
+                <a:ea typeface="MS PGothic" panose="020B0600070205080204" pitchFamily="34" charset="-128"/>
               </a:rPr>
               <a:t>rd</a:t>
             </a:r>
+            <a:endParaRPr lang="en-US" altLang="en-US" b="1" i="1">
+              <a:ea typeface="MS PGothic" panose="020B0600070205080204" pitchFamily="34" charset="-128"/>
+            </a:endParaRPr>
           </a:p>
         </p:txBody>
       </p:sp>
@@ -6736,8 +6943,6 @@
               <a:schemeClr val="tx1"/>
             </a:solidFill>
             <a:miter lim="800000"/>
-            <a:headEnd/>
-            <a:tailEnd/>
           </a:ln>
         </p:spPr>
         <p:txBody>
@@ -6871,8 +7076,6 @@
               <a:schemeClr val="tx1"/>
             </a:solidFill>
             <a:miter lim="800000"/>
-            <a:headEnd/>
-            <a:tailEnd/>
           </a:ln>
         </p:spPr>
         <p:txBody>
@@ -7006,8 +7209,6 @@
               <a:schemeClr val="tx1"/>
             </a:solidFill>
             <a:miter lim="800000"/>
-            <a:headEnd/>
-            <a:tailEnd/>
           </a:ln>
         </p:spPr>
         <p:txBody>
@@ -7042,8 +7243,6 @@
               <a:schemeClr val="tx1"/>
             </a:solidFill>
             <a:miter lim="800000"/>
-            <a:headEnd/>
-            <a:tailEnd/>
           </a:ln>
         </p:spPr>
         <p:txBody>
@@ -7054,10 +7253,13 @@
           <a:p>
             <a:r>
               <a:rPr lang="en-US" altLang="en-US" b="1" i="1">
-                <a:ea typeface="ＭＳ Ｐゴシック" pitchFamily="-112" charset="-128"/>
+                <a:ea typeface="MS PGothic" panose="020B0600070205080204" pitchFamily="34" charset="-128"/>
               </a:rPr>
               <a:t>alone</a:t>
             </a:r>
+            <a:endParaRPr lang="en-US" altLang="en-US" b="1" i="1">
+              <a:ea typeface="MS PGothic" panose="020B0600070205080204" pitchFamily="34" charset="-128"/>
+            </a:endParaRPr>
           </a:p>
         </p:txBody>
       </p:sp>
@@ -7083,8 +7285,6 @@
               <a:schemeClr val="tx1"/>
             </a:solidFill>
             <a:miter lim="800000"/>
-            <a:headEnd/>
-            <a:tailEnd/>
           </a:ln>
         </p:spPr>
         <p:txBody>
@@ -7095,10 +7295,13 @@
           <a:p>
             <a:r>
               <a:rPr lang="en-US" altLang="en-US" b="1" i="1">
-                <a:ea typeface="ＭＳ Ｐゴシック" pitchFamily="-112" charset="-128"/>
+                <a:ea typeface="MS PGothic" panose="020B0600070205080204" pitchFamily="34" charset="-128"/>
               </a:rPr>
               <a:t>sloth</a:t>
             </a:r>
+            <a:endParaRPr lang="en-US" altLang="en-US" b="1" i="1">
+              <a:ea typeface="MS PGothic" panose="020B0600070205080204" pitchFamily="34" charset="-128"/>
+            </a:endParaRPr>
           </a:p>
         </p:txBody>
       </p:sp>
@@ -7124,8 +7327,6 @@
               <a:schemeClr val="tx1"/>
             </a:solidFill>
             <a:miter lim="800000"/>
-            <a:headEnd/>
-            <a:tailEnd/>
           </a:ln>
         </p:spPr>
         <p:txBody>
@@ -7136,10 +7337,13 @@
           <a:p>
             <a:r>
               <a:rPr lang="en-US" altLang="en-US" b="1" i="1">
-                <a:ea typeface="ＭＳ Ｐゴシック" pitchFamily="-112" charset="-128"/>
+                <a:ea typeface="MS PGothic" panose="020B0600070205080204" pitchFamily="34" charset="-128"/>
               </a:rPr>
               <a:t>morbid</a:t>
             </a:r>
+            <a:endParaRPr lang="en-US" altLang="en-US" b="1" i="1">
+              <a:ea typeface="MS PGothic" panose="020B0600070205080204" pitchFamily="34" charset="-128"/>
+            </a:endParaRPr>
           </a:p>
         </p:txBody>
       </p:sp>
@@ -7165,8 +7369,6 @@
               <a:schemeClr val="tx1"/>
             </a:solidFill>
             <a:miter lim="800000"/>
-            <a:headEnd/>
-            <a:tailEnd/>
           </a:ln>
         </p:spPr>
         <p:txBody>
@@ -7177,10 +7379,13 @@
           <a:p>
             <a:r>
               <a:rPr lang="en-US" altLang="en-US" b="1" i="1">
-                <a:ea typeface="ＭＳ Ｐゴシック" pitchFamily="-112" charset="-128"/>
+                <a:ea typeface="MS PGothic" panose="020B0600070205080204" pitchFamily="34" charset="-128"/>
               </a:rPr>
               <a:t>border</a:t>
             </a:r>
+            <a:endParaRPr lang="en-US" altLang="en-US" b="1" i="1">
+              <a:ea typeface="MS PGothic" panose="020B0600070205080204" pitchFamily="34" charset="-128"/>
+            </a:endParaRPr>
           </a:p>
         </p:txBody>
       </p:sp>
@@ -7206,8 +7411,6 @@
               <a:schemeClr val="tx1"/>
             </a:solidFill>
             <a:miter lim="800000"/>
-            <a:headEnd/>
-            <a:tailEnd/>
           </a:ln>
         </p:spPr>
         <p:txBody>
@@ -7218,10 +7421,13 @@
           <a:p>
             <a:r>
               <a:rPr lang="en-US" altLang="en-US" b="1" i="1">
-                <a:ea typeface="ＭＳ Ｐゴシック" pitchFamily="-112" charset="-128"/>
+                <a:ea typeface="MS PGothic" panose="020B0600070205080204" pitchFamily="34" charset="-128"/>
               </a:rPr>
               <a:t>card</a:t>
             </a:r>
+            <a:endParaRPr lang="en-US" altLang="en-US" b="1" i="1">
+              <a:ea typeface="MS PGothic" panose="020B0600070205080204" pitchFamily="34" charset="-128"/>
+            </a:endParaRPr>
           </a:p>
         </p:txBody>
       </p:sp>
@@ -7249,7 +7455,6 @@
               <a:schemeClr val="tx1"/>
             </a:solidFill>
             <a:miter lim="800000"/>
-            <a:headEnd/>
             <a:tailEnd type="triangle" w="med" len="med"/>
           </a:ln>
         </p:spPr>
@@ -7276,8 +7481,6 @@
               <a:schemeClr val="tx1"/>
             </a:solidFill>
             <a:miter lim="800000"/>
-            <a:headEnd/>
-            <a:tailEnd/>
           </a:ln>
         </p:spPr>
         <p:txBody>
@@ -7288,10 +7491,13 @@
           <a:p>
             <a:r>
               <a:rPr lang="en-US" altLang="en-US" b="1" i="1">
-                <a:ea typeface="ＭＳ Ｐゴシック" pitchFamily="-112" charset="-128"/>
+                <a:ea typeface="MS PGothic" panose="020B0600070205080204" pitchFamily="34" charset="-128"/>
               </a:rPr>
               <a:t>border</a:t>
             </a:r>
+            <a:endParaRPr lang="en-US" altLang="en-US" b="1" i="1">
+              <a:ea typeface="MS PGothic" panose="020B0600070205080204" pitchFamily="34" charset="-128"/>
+            </a:endParaRPr>
           </a:p>
         </p:txBody>
       </p:sp>
@@ -7319,7 +7525,6 @@
               <a:schemeClr val="tx1"/>
             </a:solidFill>
             <a:miter lim="800000"/>
-            <a:headEnd/>
             <a:tailEnd type="triangle" w="med" len="med"/>
           </a:ln>
         </p:spPr>
@@ -7348,7 +7553,6 @@
               <a:schemeClr val="tx1"/>
             </a:solidFill>
             <a:miter lim="800000"/>
-            <a:headEnd/>
             <a:tailEnd type="triangle" w="med" len="med"/>
           </a:ln>
         </p:spPr>
@@ -7377,7 +7581,6 @@
               <a:schemeClr val="tx1"/>
             </a:solidFill>
             <a:miter lim="800000"/>
-            <a:headEnd/>
             <a:tailEnd type="triangle" w="med" len="med"/>
           </a:ln>
         </p:spPr>
@@ -7406,7 +7609,6 @@
               <a:schemeClr val="tx1"/>
             </a:solidFill>
             <a:miter lim="800000"/>
-            <a:headEnd/>
             <a:tailEnd type="triangle" w="med" len="med"/>
           </a:ln>
         </p:spPr>
@@ -7433,8 +7635,6 @@
               <a:schemeClr val="tx1"/>
             </a:solidFill>
             <a:miter lim="800000"/>
-            <a:headEnd/>
-            <a:tailEnd/>
           </a:ln>
         </p:spPr>
         <p:txBody>
@@ -7445,10 +7645,13 @@
           <a:p>
             <a:r>
               <a:rPr lang="en-US" altLang="en-US" b="1" i="1">
-                <a:ea typeface="ＭＳ Ｐゴシック" pitchFamily="-112" charset="-128"/>
+                <a:ea typeface="MS PGothic" panose="020B0600070205080204" pitchFamily="34" charset="-128"/>
               </a:rPr>
               <a:t>ardent</a:t>
             </a:r>
+            <a:endParaRPr lang="en-US" altLang="en-US" b="1" i="1">
+              <a:ea typeface="MS PGothic" panose="020B0600070205080204" pitchFamily="34" charset="-128"/>
+            </a:endParaRPr>
           </a:p>
         </p:txBody>
       </p:sp>
@@ -7476,7 +7679,6 @@
               <a:schemeClr val="tx1"/>
             </a:solidFill>
             <a:miter lim="800000"/>
-            <a:headEnd/>
             <a:tailEnd type="triangle" w="med" len="med"/>
           </a:ln>
         </p:spPr>
@@ -7512,8 +7714,6 @@
               <a:schemeClr val="tx1"/>
             </a:solidFill>
             <a:miter lim="800000"/>
-            <a:headEnd/>
-            <a:tailEnd/>
           </a:ln>
         </p:spPr>
         <p:txBody>
@@ -7525,10 +7725,13 @@
             <a:pPr algn="ctr" eaLnBrk="1" hangingPunct="1"/>
             <a:r>
               <a:rPr lang="en-US" altLang="en-US">
-                <a:ea typeface="ＭＳ Ｐゴシック" pitchFamily="-112" charset="-128"/>
+                <a:ea typeface="MS PGothic" panose="020B0600070205080204" pitchFamily="34" charset="-128"/>
               </a:rPr>
               <a:t>Standard postings “merge” will enumerate … </a:t>
             </a:r>
+            <a:endParaRPr lang="en-US" altLang="en-US">
+              <a:ea typeface="MS PGothic" panose="020B0600070205080204" pitchFamily="34" charset="-128"/>
+            </a:endParaRPr>
           </a:p>
         </p:txBody>
       </p:sp>
@@ -7552,8 +7755,6 @@
           <a:ln w="9525">
             <a:noFill/>
             <a:miter lim="800000"/>
-            <a:headEnd/>
-            <a:tailEnd/>
           </a:ln>
         </p:spPr>
         <p:txBody>
@@ -7565,10 +7766,13 @@
             <a:pPr eaLnBrk="1" hangingPunct="1"/>
             <a:r>
               <a:rPr lang="en-US" altLang="en-US">
-                <a:ea typeface="ＭＳ Ｐゴシック" pitchFamily="-112" charset="-128"/>
+                <a:ea typeface="MS PGothic" panose="020B0600070205080204" pitchFamily="34" charset="-128"/>
               </a:rPr>
               <a:t>Adapt this to using Jaccard (or another) measure.</a:t>
             </a:r>
+            <a:endParaRPr lang="en-US" altLang="en-US">
+              <a:ea typeface="MS PGothic" panose="020B0600070205080204" pitchFamily="34" charset="-128"/>
+            </a:endParaRPr>
           </a:p>
         </p:txBody>
       </p:sp>
@@ -7592,8 +7796,6 @@
           <a:ln w="9525">
             <a:noFill/>
             <a:miter lim="800000"/>
-            <a:headEnd/>
-            <a:tailEnd/>
           </a:ln>
         </p:spPr>
         <p:txBody>
@@ -7608,10 +7810,16 @@
                 <a:solidFill>
                   <a:srgbClr val="FBFCFF"/>
                 </a:solidFill>
-                <a:ea typeface="ＭＳ Ｐゴシック" pitchFamily="-112" charset="-128"/>
+                <a:ea typeface="MS PGothic" panose="020B0600070205080204" pitchFamily="34" charset="-128"/>
               </a:rPr>
               <a:t>Sec. 3.3.4</a:t>
             </a:r>
+            <a:endParaRPr lang="en-US" altLang="en-US" sz="1600">
+              <a:solidFill>
+                <a:srgbClr val="FBFCFF"/>
+              </a:solidFill>
+              <a:ea typeface="MS PGothic" panose="020B0600070205080204" pitchFamily="34" charset="-128"/>
+            </a:endParaRPr>
           </a:p>
         </p:txBody>
       </p:sp>
@@ -7629,8 +7837,6 @@
           <a:noFill/>
           <a:ln>
             <a:miter lim="800000"/>
-            <a:headEnd/>
-            <a:tailEnd/>
           </a:ln>
         </p:spPr>
         <p:txBody>
@@ -7639,13 +7845,11 @@
           <a:p>
             <a:fld id="{31C92EB6-8255-4F6B-AFB3-69BF8BC8F5B3}" type="slidenum">
               <a:rPr lang="en-US" altLang="en-US">
-                <a:ea typeface="ＭＳ Ｐゴシック" pitchFamily="-112" charset="-128"/>
-              </a:rPr>
-              <a:pPr/>
-              <a:t>17</a:t>
+                <a:ea typeface="MS PGothic" panose="020B0600070205080204" pitchFamily="34" charset="-128"/>
+              </a:rPr>
             </a:fld>
             <a:endParaRPr lang="en-US" altLang="en-US">
-              <a:ea typeface="ＭＳ Ｐゴシック" pitchFamily="-112" charset="-128"/>
+              <a:ea typeface="MS PGothic" panose="020B0600070205080204" pitchFamily="34" charset="-128"/>
             </a:endParaRPr>
           </a:p>
         </p:txBody>
@@ -7676,8 +7880,6 @@
               <a:srgbClr val="7F7F7F"/>
             </a:solidFill>
             <a:miter lim="800000"/>
-            <a:headEnd/>
-            <a:tailEnd/>
           </a:ln>
           <a:effectLst>
             <a:outerShdw blurRad="40000" dist="23000" dir="5400000" rotWithShape="0">
@@ -7703,8 +7905,8 @@
                 <a:solidFill>
                   <a:schemeClr val="tx1"/>
                 </a:solidFill>
-                <a:latin typeface="Calibri" panose="020F0502020204030204" pitchFamily="34" charset="0"/>
-                <a:ea typeface="ＭＳ Ｐゴシック" panose="020B0600070205080204" pitchFamily="34" charset="-128"/>
+                <a:latin typeface="Calibri" panose="020F0502020204030204" charset="0"/>
+                <a:ea typeface="MS PGothic" panose="020B0600070205080204" pitchFamily="34" charset="-128"/>
               </a:defRPr>
             </a:lvl1pPr>
             <a:lvl2pPr marL="37931725" indent="-37474525">
@@ -7720,8 +7922,8 @@
                 <a:solidFill>
                   <a:schemeClr val="tx1"/>
                 </a:solidFill>
-                <a:latin typeface="Calibri" panose="020F0502020204030204" pitchFamily="34" charset="0"/>
-                <a:ea typeface="ＭＳ Ｐゴシック" panose="020B0600070205080204" pitchFamily="34" charset="-128"/>
+                <a:latin typeface="Calibri" panose="020F0502020204030204" charset="0"/>
+                <a:ea typeface="MS PGothic" panose="020B0600070205080204" pitchFamily="34" charset="-128"/>
               </a:defRPr>
             </a:lvl2pPr>
             <a:lvl3pPr marL="1143000" indent="-228600">
@@ -7737,8 +7939,8 @@
                 <a:solidFill>
                   <a:schemeClr val="tx1"/>
                 </a:solidFill>
-                <a:latin typeface="Calibri" panose="020F0502020204030204" pitchFamily="34" charset="0"/>
-                <a:ea typeface="ＭＳ Ｐゴシック" panose="020B0600070205080204" pitchFamily="34" charset="-128"/>
+                <a:latin typeface="Calibri" panose="020F0502020204030204" charset="0"/>
+                <a:ea typeface="MS PGothic" panose="020B0600070205080204" pitchFamily="34" charset="-128"/>
               </a:defRPr>
             </a:lvl3pPr>
             <a:lvl4pPr marL="1600200" indent="-228600">
@@ -7754,8 +7956,8 @@
                 <a:solidFill>
                   <a:schemeClr val="tx1"/>
                 </a:solidFill>
-                <a:latin typeface="Calibri" panose="020F0502020204030204" pitchFamily="34" charset="0"/>
-                <a:ea typeface="ＭＳ Ｐゴシック" panose="020B0600070205080204" pitchFamily="34" charset="-128"/>
+                <a:latin typeface="Calibri" panose="020F0502020204030204" charset="0"/>
+                <a:ea typeface="MS PGothic" panose="020B0600070205080204" pitchFamily="34" charset="-128"/>
               </a:defRPr>
             </a:lvl4pPr>
             <a:lvl5pPr marL="2057400" indent="-228600">
@@ -7771,8 +7973,8 @@
                 <a:solidFill>
                   <a:schemeClr val="tx1"/>
                 </a:solidFill>
-                <a:latin typeface="Calibri" panose="020F0502020204030204" pitchFamily="34" charset="0"/>
-                <a:ea typeface="ＭＳ Ｐゴシック" panose="020B0600070205080204" pitchFamily="34" charset="-128"/>
+                <a:latin typeface="Calibri" panose="020F0502020204030204" charset="0"/>
+                <a:ea typeface="MS PGothic" panose="020B0600070205080204" pitchFamily="34" charset="-128"/>
               </a:defRPr>
             </a:lvl5pPr>
             <a:lvl6pPr marL="2514600" indent="-228600" eaLnBrk="0" fontAlgn="base" hangingPunct="0">
@@ -7791,8 +7993,8 @@
                 <a:solidFill>
                   <a:schemeClr val="tx1"/>
                 </a:solidFill>
-                <a:latin typeface="Calibri" panose="020F0502020204030204" pitchFamily="34" charset="0"/>
-                <a:ea typeface="ＭＳ Ｐゴシック" panose="020B0600070205080204" pitchFamily="34" charset="-128"/>
+                <a:latin typeface="Calibri" panose="020F0502020204030204" charset="0"/>
+                <a:ea typeface="MS PGothic" panose="020B0600070205080204" pitchFamily="34" charset="-128"/>
               </a:defRPr>
             </a:lvl6pPr>
             <a:lvl7pPr marL="2971800" indent="-228600" eaLnBrk="0" fontAlgn="base" hangingPunct="0">
@@ -7811,8 +8013,8 @@
                 <a:solidFill>
                   <a:schemeClr val="tx1"/>
                 </a:solidFill>
-                <a:latin typeface="Calibri" panose="020F0502020204030204" pitchFamily="34" charset="0"/>
-                <a:ea typeface="ＭＳ Ｐゴシック" panose="020B0600070205080204" pitchFamily="34" charset="-128"/>
+                <a:latin typeface="Calibri" panose="020F0502020204030204" charset="0"/>
+                <a:ea typeface="MS PGothic" panose="020B0600070205080204" pitchFamily="34" charset="-128"/>
               </a:defRPr>
             </a:lvl7pPr>
             <a:lvl8pPr marL="3429000" indent="-228600" eaLnBrk="0" fontAlgn="base" hangingPunct="0">
@@ -7831,8 +8033,8 @@
                 <a:solidFill>
                   <a:schemeClr val="tx1"/>
                 </a:solidFill>
-                <a:latin typeface="Calibri" panose="020F0502020204030204" pitchFamily="34" charset="0"/>
-                <a:ea typeface="ＭＳ Ｐゴシック" panose="020B0600070205080204" pitchFamily="34" charset="-128"/>
+                <a:latin typeface="Calibri" panose="020F0502020204030204" charset="0"/>
+                <a:ea typeface="MS PGothic" panose="020B0600070205080204" pitchFamily="34" charset="-128"/>
               </a:defRPr>
             </a:lvl8pPr>
             <a:lvl9pPr marL="3886200" indent="-228600" eaLnBrk="0" fontAlgn="base" hangingPunct="0">
@@ -7851,8 +8053,8 @@
                 <a:solidFill>
                   <a:schemeClr val="tx1"/>
                 </a:solidFill>
-                <a:latin typeface="Calibri" panose="020F0502020204030204" pitchFamily="34" charset="0"/>
-                <a:ea typeface="ＭＳ Ｐゴシック" panose="020B0600070205080204" pitchFamily="34" charset="-128"/>
+                <a:latin typeface="Calibri" panose="020F0502020204030204" charset="0"/>
+                <a:ea typeface="MS PGothic" panose="020B0600070205080204" pitchFamily="34" charset="-128"/>
               </a:defRPr>
             </a:lvl9pPr>
           </a:lstStyle>
@@ -7901,8 +8103,6 @@
               <a:srgbClr val="7F7F7F"/>
             </a:solidFill>
             <a:miter lim="800000"/>
-            <a:headEnd/>
-            <a:tailEnd/>
           </a:ln>
           <a:effectLst>
             <a:outerShdw blurRad="40000" dist="23000" dir="5400000" rotWithShape="0">
@@ -7928,8 +8128,8 @@
                 <a:solidFill>
                   <a:schemeClr val="tx1"/>
                 </a:solidFill>
-                <a:latin typeface="Calibri" panose="020F0502020204030204" pitchFamily="34" charset="0"/>
-                <a:ea typeface="ＭＳ Ｐゴシック" panose="020B0600070205080204" pitchFamily="34" charset="-128"/>
+                <a:latin typeface="Calibri" panose="020F0502020204030204" charset="0"/>
+                <a:ea typeface="MS PGothic" panose="020B0600070205080204" pitchFamily="34" charset="-128"/>
               </a:defRPr>
             </a:lvl1pPr>
             <a:lvl2pPr marL="37931725" indent="-37474525">
@@ -7945,8 +8145,8 @@
                 <a:solidFill>
                   <a:schemeClr val="tx1"/>
                 </a:solidFill>
-                <a:latin typeface="Calibri" panose="020F0502020204030204" pitchFamily="34" charset="0"/>
-                <a:ea typeface="ＭＳ Ｐゴシック" panose="020B0600070205080204" pitchFamily="34" charset="-128"/>
+                <a:latin typeface="Calibri" panose="020F0502020204030204" charset="0"/>
+                <a:ea typeface="MS PGothic" panose="020B0600070205080204" pitchFamily="34" charset="-128"/>
               </a:defRPr>
             </a:lvl2pPr>
             <a:lvl3pPr marL="1143000" indent="-228600">
@@ -7962,8 +8162,8 @@
                 <a:solidFill>
                   <a:schemeClr val="tx1"/>
                 </a:solidFill>
-                <a:latin typeface="Calibri" panose="020F0502020204030204" pitchFamily="34" charset="0"/>
-                <a:ea typeface="ＭＳ Ｐゴシック" panose="020B0600070205080204" pitchFamily="34" charset="-128"/>
+                <a:latin typeface="Calibri" panose="020F0502020204030204" charset="0"/>
+                <a:ea typeface="MS PGothic" panose="020B0600070205080204" pitchFamily="34" charset="-128"/>
               </a:defRPr>
             </a:lvl3pPr>
             <a:lvl4pPr marL="1600200" indent="-228600">
@@ -7979,8 +8179,8 @@
                 <a:solidFill>
                   <a:schemeClr val="tx1"/>
                 </a:solidFill>
-                <a:latin typeface="Calibri" panose="020F0502020204030204" pitchFamily="34" charset="0"/>
-                <a:ea typeface="ＭＳ Ｐゴシック" panose="020B0600070205080204" pitchFamily="34" charset="-128"/>
+                <a:latin typeface="Calibri" panose="020F0502020204030204" charset="0"/>
+                <a:ea typeface="MS PGothic" panose="020B0600070205080204" pitchFamily="34" charset="-128"/>
               </a:defRPr>
             </a:lvl4pPr>
             <a:lvl5pPr marL="2057400" indent="-228600">
@@ -7996,8 +8196,8 @@
                 <a:solidFill>
                   <a:schemeClr val="tx1"/>
                 </a:solidFill>
-                <a:latin typeface="Calibri" panose="020F0502020204030204" pitchFamily="34" charset="0"/>
-                <a:ea typeface="ＭＳ Ｐゴシック" panose="020B0600070205080204" pitchFamily="34" charset="-128"/>
+                <a:latin typeface="Calibri" panose="020F0502020204030204" charset="0"/>
+                <a:ea typeface="MS PGothic" panose="020B0600070205080204" pitchFamily="34" charset="-128"/>
               </a:defRPr>
             </a:lvl5pPr>
             <a:lvl6pPr marL="2514600" indent="-228600" eaLnBrk="0" fontAlgn="base" hangingPunct="0">
@@ -8016,8 +8216,8 @@
                 <a:solidFill>
                   <a:schemeClr val="tx1"/>
                 </a:solidFill>
-                <a:latin typeface="Calibri" panose="020F0502020204030204" pitchFamily="34" charset="0"/>
-                <a:ea typeface="ＭＳ Ｐゴシック" panose="020B0600070205080204" pitchFamily="34" charset="-128"/>
+                <a:latin typeface="Calibri" panose="020F0502020204030204" charset="0"/>
+                <a:ea typeface="MS PGothic" panose="020B0600070205080204" pitchFamily="34" charset="-128"/>
               </a:defRPr>
             </a:lvl6pPr>
             <a:lvl7pPr marL="2971800" indent="-228600" eaLnBrk="0" fontAlgn="base" hangingPunct="0">
@@ -8036,8 +8236,8 @@
                 <a:solidFill>
                   <a:schemeClr val="tx1"/>
                 </a:solidFill>
-                <a:latin typeface="Calibri" panose="020F0502020204030204" pitchFamily="34" charset="0"/>
-                <a:ea typeface="ＭＳ Ｐゴシック" panose="020B0600070205080204" pitchFamily="34" charset="-128"/>
+                <a:latin typeface="Calibri" panose="020F0502020204030204" charset="0"/>
+                <a:ea typeface="MS PGothic" panose="020B0600070205080204" pitchFamily="34" charset="-128"/>
               </a:defRPr>
             </a:lvl7pPr>
             <a:lvl8pPr marL="3429000" indent="-228600" eaLnBrk="0" fontAlgn="base" hangingPunct="0">
@@ -8056,8 +8256,8 @@
                 <a:solidFill>
                   <a:schemeClr val="tx1"/>
                 </a:solidFill>
-                <a:latin typeface="Calibri" panose="020F0502020204030204" pitchFamily="34" charset="0"/>
-                <a:ea typeface="ＭＳ Ｐゴシック" panose="020B0600070205080204" pitchFamily="34" charset="-128"/>
+                <a:latin typeface="Calibri" panose="020F0502020204030204" charset="0"/>
+                <a:ea typeface="MS PGothic" panose="020B0600070205080204" pitchFamily="34" charset="-128"/>
               </a:defRPr>
             </a:lvl8pPr>
             <a:lvl9pPr marL="3886200" indent="-228600" eaLnBrk="0" fontAlgn="base" hangingPunct="0">
@@ -8076,8 +8276,8 @@
                 <a:solidFill>
                   <a:schemeClr val="tx1"/>
                 </a:solidFill>
-                <a:latin typeface="Calibri" panose="020F0502020204030204" pitchFamily="34" charset="0"/>
-                <a:ea typeface="ＭＳ Ｐゴシック" panose="020B0600070205080204" pitchFamily="34" charset="-128"/>
+                <a:latin typeface="Calibri" panose="020F0502020204030204" charset="0"/>
+                <a:ea typeface="MS PGothic" panose="020B0600070205080204" pitchFamily="34" charset="-128"/>
               </a:defRPr>
             </a:lvl9pPr>
           </a:lstStyle>
@@ -8126,8 +8326,6 @@
               <a:srgbClr val="7F7F7F"/>
             </a:solidFill>
             <a:miter lim="800000"/>
-            <a:headEnd/>
-            <a:tailEnd/>
           </a:ln>
           <a:effectLst>
             <a:outerShdw blurRad="40000" dist="23000" dir="5400000" rotWithShape="0">
@@ -8153,8 +8351,8 @@
                 <a:solidFill>
                   <a:schemeClr val="tx1"/>
                 </a:solidFill>
-                <a:latin typeface="Calibri" panose="020F0502020204030204" pitchFamily="34" charset="0"/>
-                <a:ea typeface="ＭＳ Ｐゴシック" panose="020B0600070205080204" pitchFamily="34" charset="-128"/>
+                <a:latin typeface="Calibri" panose="020F0502020204030204" charset="0"/>
+                <a:ea typeface="MS PGothic" panose="020B0600070205080204" pitchFamily="34" charset="-128"/>
               </a:defRPr>
             </a:lvl1pPr>
             <a:lvl2pPr marL="37931725" indent="-37474525">
@@ -8170,8 +8368,8 @@
                 <a:solidFill>
                   <a:schemeClr val="tx1"/>
                 </a:solidFill>
-                <a:latin typeface="Calibri" panose="020F0502020204030204" pitchFamily="34" charset="0"/>
-                <a:ea typeface="ＭＳ Ｐゴシック" panose="020B0600070205080204" pitchFamily="34" charset="-128"/>
+                <a:latin typeface="Calibri" panose="020F0502020204030204" charset="0"/>
+                <a:ea typeface="MS PGothic" panose="020B0600070205080204" pitchFamily="34" charset="-128"/>
               </a:defRPr>
             </a:lvl2pPr>
             <a:lvl3pPr marL="1143000" indent="-228600">
@@ -8187,8 +8385,8 @@
                 <a:solidFill>
                   <a:schemeClr val="tx1"/>
                 </a:solidFill>
-                <a:latin typeface="Calibri" panose="020F0502020204030204" pitchFamily="34" charset="0"/>
-                <a:ea typeface="ＭＳ Ｐゴシック" panose="020B0600070205080204" pitchFamily="34" charset="-128"/>
+                <a:latin typeface="Calibri" panose="020F0502020204030204" charset="0"/>
+                <a:ea typeface="MS PGothic" panose="020B0600070205080204" pitchFamily="34" charset="-128"/>
               </a:defRPr>
             </a:lvl3pPr>
             <a:lvl4pPr marL="1600200" indent="-228600">
@@ -8204,8 +8402,8 @@
                 <a:solidFill>
                   <a:schemeClr val="tx1"/>
                 </a:solidFill>
-                <a:latin typeface="Calibri" panose="020F0502020204030204" pitchFamily="34" charset="0"/>
-                <a:ea typeface="ＭＳ Ｐゴシック" panose="020B0600070205080204" pitchFamily="34" charset="-128"/>
+                <a:latin typeface="Calibri" panose="020F0502020204030204" charset="0"/>
+                <a:ea typeface="MS PGothic" panose="020B0600070205080204" pitchFamily="34" charset="-128"/>
               </a:defRPr>
             </a:lvl4pPr>
             <a:lvl5pPr marL="2057400" indent="-228600">
@@ -8221,8 +8419,8 @@
                 <a:solidFill>
                   <a:schemeClr val="tx1"/>
                 </a:solidFill>
-                <a:latin typeface="Calibri" panose="020F0502020204030204" pitchFamily="34" charset="0"/>
-                <a:ea typeface="ＭＳ Ｐゴシック" panose="020B0600070205080204" pitchFamily="34" charset="-128"/>
+                <a:latin typeface="Calibri" panose="020F0502020204030204" charset="0"/>
+                <a:ea typeface="MS PGothic" panose="020B0600070205080204" pitchFamily="34" charset="-128"/>
               </a:defRPr>
             </a:lvl5pPr>
             <a:lvl6pPr marL="2514600" indent="-228600" eaLnBrk="0" fontAlgn="base" hangingPunct="0">
@@ -8241,8 +8439,8 @@
                 <a:solidFill>
                   <a:schemeClr val="tx1"/>
                 </a:solidFill>
-                <a:latin typeface="Calibri" panose="020F0502020204030204" pitchFamily="34" charset="0"/>
-                <a:ea typeface="ＭＳ Ｐゴシック" panose="020B0600070205080204" pitchFamily="34" charset="-128"/>
+                <a:latin typeface="Calibri" panose="020F0502020204030204" charset="0"/>
+                <a:ea typeface="MS PGothic" panose="020B0600070205080204" pitchFamily="34" charset="-128"/>
               </a:defRPr>
             </a:lvl6pPr>
             <a:lvl7pPr marL="2971800" indent="-228600" eaLnBrk="0" fontAlgn="base" hangingPunct="0">
@@ -8261,8 +8459,8 @@
                 <a:solidFill>
                   <a:schemeClr val="tx1"/>
                 </a:solidFill>
-                <a:latin typeface="Calibri" panose="020F0502020204030204" pitchFamily="34" charset="0"/>
-                <a:ea typeface="ＭＳ Ｐゴシック" panose="020B0600070205080204" pitchFamily="34" charset="-128"/>
+                <a:latin typeface="Calibri" panose="020F0502020204030204" charset="0"/>
+                <a:ea typeface="MS PGothic" panose="020B0600070205080204" pitchFamily="34" charset="-128"/>
               </a:defRPr>
             </a:lvl7pPr>
             <a:lvl8pPr marL="3429000" indent="-228600" eaLnBrk="0" fontAlgn="base" hangingPunct="0">
@@ -8281,8 +8479,8 @@
                 <a:solidFill>
                   <a:schemeClr val="tx1"/>
                 </a:solidFill>
-                <a:latin typeface="Calibri" panose="020F0502020204030204" pitchFamily="34" charset="0"/>
-                <a:ea typeface="ＭＳ Ｐゴシック" panose="020B0600070205080204" pitchFamily="34" charset="-128"/>
+                <a:latin typeface="Calibri" panose="020F0502020204030204" charset="0"/>
+                <a:ea typeface="MS PGothic" panose="020B0600070205080204" pitchFamily="34" charset="-128"/>
               </a:defRPr>
             </a:lvl8pPr>
             <a:lvl9pPr marL="3886200" indent="-228600" eaLnBrk="0" fontAlgn="base" hangingPunct="0">
@@ -8301,8 +8499,8 @@
                 <a:solidFill>
                   <a:schemeClr val="tx1"/>
                 </a:solidFill>
-                <a:latin typeface="Calibri" panose="020F0502020204030204" pitchFamily="34" charset="0"/>
-                <a:ea typeface="ＭＳ Ｐゴシック" panose="020B0600070205080204" pitchFamily="34" charset="-128"/>
+                <a:latin typeface="Calibri" panose="020F0502020204030204" charset="0"/>
+                <a:ea typeface="MS PGothic" panose="020B0600070205080204" pitchFamily="34" charset="-128"/>
               </a:defRPr>
             </a:lvl9pPr>
           </a:lstStyle>
@@ -8351,8 +8549,6 @@
               <a:srgbClr val="7F7F7F"/>
             </a:solidFill>
             <a:miter lim="800000"/>
-            <a:headEnd/>
-            <a:tailEnd/>
           </a:ln>
           <a:effectLst>
             <a:outerShdw blurRad="40000" dist="23000" dir="5400000" rotWithShape="0">
@@ -8378,8 +8574,8 @@
                 <a:solidFill>
                   <a:schemeClr val="tx1"/>
                 </a:solidFill>
-                <a:latin typeface="Calibri" panose="020F0502020204030204" pitchFamily="34" charset="0"/>
-                <a:ea typeface="ＭＳ Ｐゴシック" panose="020B0600070205080204" pitchFamily="34" charset="-128"/>
+                <a:latin typeface="Calibri" panose="020F0502020204030204" charset="0"/>
+                <a:ea typeface="MS PGothic" panose="020B0600070205080204" pitchFamily="34" charset="-128"/>
               </a:defRPr>
             </a:lvl1pPr>
             <a:lvl2pPr marL="37931725" indent="-37474525">
@@ -8395,8 +8591,8 @@
                 <a:solidFill>
                   <a:schemeClr val="tx1"/>
                 </a:solidFill>
-                <a:latin typeface="Calibri" panose="020F0502020204030204" pitchFamily="34" charset="0"/>
-                <a:ea typeface="ＭＳ Ｐゴシック" panose="020B0600070205080204" pitchFamily="34" charset="-128"/>
+                <a:latin typeface="Calibri" panose="020F0502020204030204" charset="0"/>
+                <a:ea typeface="MS PGothic" panose="020B0600070205080204" pitchFamily="34" charset="-128"/>
               </a:defRPr>
             </a:lvl2pPr>
             <a:lvl3pPr marL="1143000" indent="-228600">
@@ -8412,8 +8608,8 @@
                 <a:solidFill>
                   <a:schemeClr val="tx1"/>
                 </a:solidFill>
-                <a:latin typeface="Calibri" panose="020F0502020204030204" pitchFamily="34" charset="0"/>
-                <a:ea typeface="ＭＳ Ｐゴシック" panose="020B0600070205080204" pitchFamily="34" charset="-128"/>
+                <a:latin typeface="Calibri" panose="020F0502020204030204" charset="0"/>
+                <a:ea typeface="MS PGothic" panose="020B0600070205080204" pitchFamily="34" charset="-128"/>
               </a:defRPr>
             </a:lvl3pPr>
             <a:lvl4pPr marL="1600200" indent="-228600">
@@ -8429,8 +8625,8 @@
                 <a:solidFill>
                   <a:schemeClr val="tx1"/>
                 </a:solidFill>
-                <a:latin typeface="Calibri" panose="020F0502020204030204" pitchFamily="34" charset="0"/>
-                <a:ea typeface="ＭＳ Ｐゴシック" panose="020B0600070205080204" pitchFamily="34" charset="-128"/>
+                <a:latin typeface="Calibri" panose="020F0502020204030204" charset="0"/>
+                <a:ea typeface="MS PGothic" panose="020B0600070205080204" pitchFamily="34" charset="-128"/>
               </a:defRPr>
             </a:lvl4pPr>
             <a:lvl5pPr marL="2057400" indent="-228600">
@@ -8446,8 +8642,8 @@
                 <a:solidFill>
                   <a:schemeClr val="tx1"/>
                 </a:solidFill>
-                <a:latin typeface="Calibri" panose="020F0502020204030204" pitchFamily="34" charset="0"/>
-                <a:ea typeface="ＭＳ Ｐゴシック" panose="020B0600070205080204" pitchFamily="34" charset="-128"/>
+                <a:latin typeface="Calibri" panose="020F0502020204030204" charset="0"/>
+                <a:ea typeface="MS PGothic" panose="020B0600070205080204" pitchFamily="34" charset="-128"/>
               </a:defRPr>
             </a:lvl5pPr>
             <a:lvl6pPr marL="2514600" indent="-228600" eaLnBrk="0" fontAlgn="base" hangingPunct="0">
@@ -8466,8 +8662,8 @@
                 <a:solidFill>
                   <a:schemeClr val="tx1"/>
                 </a:solidFill>
-                <a:latin typeface="Calibri" panose="020F0502020204030204" pitchFamily="34" charset="0"/>
-                <a:ea typeface="ＭＳ Ｐゴシック" panose="020B0600070205080204" pitchFamily="34" charset="-128"/>
+                <a:latin typeface="Calibri" panose="020F0502020204030204" charset="0"/>
+                <a:ea typeface="MS PGothic" panose="020B0600070205080204" pitchFamily="34" charset="-128"/>
               </a:defRPr>
             </a:lvl6pPr>
             <a:lvl7pPr marL="2971800" indent="-228600" eaLnBrk="0" fontAlgn="base" hangingPunct="0">
@@ -8486,8 +8682,8 @@
                 <a:solidFill>
                   <a:schemeClr val="tx1"/>
                 </a:solidFill>
-                <a:latin typeface="Calibri" panose="020F0502020204030204" pitchFamily="34" charset="0"/>
-                <a:ea typeface="ＭＳ Ｐゴシック" panose="020B0600070205080204" pitchFamily="34" charset="-128"/>
+                <a:latin typeface="Calibri" panose="020F0502020204030204" charset="0"/>
+                <a:ea typeface="MS PGothic" panose="020B0600070205080204" pitchFamily="34" charset="-128"/>
               </a:defRPr>
             </a:lvl7pPr>
             <a:lvl8pPr marL="3429000" indent="-228600" eaLnBrk="0" fontAlgn="base" hangingPunct="0">
@@ -8506,8 +8702,8 @@
                 <a:solidFill>
                   <a:schemeClr val="tx1"/>
                 </a:solidFill>
-                <a:latin typeface="Calibri" panose="020F0502020204030204" pitchFamily="34" charset="0"/>
-                <a:ea typeface="ＭＳ Ｐゴシック" panose="020B0600070205080204" pitchFamily="34" charset="-128"/>
+                <a:latin typeface="Calibri" panose="020F0502020204030204" charset="0"/>
+                <a:ea typeface="MS PGothic" panose="020B0600070205080204" pitchFamily="34" charset="-128"/>
               </a:defRPr>
             </a:lvl8pPr>
             <a:lvl9pPr marL="3886200" indent="-228600" eaLnBrk="0" fontAlgn="base" hangingPunct="0">
@@ -8526,8 +8722,8 @@
                 <a:solidFill>
                   <a:schemeClr val="tx1"/>
                 </a:solidFill>
-                <a:latin typeface="Calibri" panose="020F0502020204030204" pitchFamily="34" charset="0"/>
-                <a:ea typeface="ＭＳ Ｐゴシック" panose="020B0600070205080204" pitchFamily="34" charset="-128"/>
+                <a:latin typeface="Calibri" panose="020F0502020204030204" charset="0"/>
+                <a:ea typeface="MS PGothic" panose="020B0600070205080204" pitchFamily="34" charset="-128"/>
               </a:defRPr>
             </a:lvl9pPr>
           </a:lstStyle>
@@ -8576,8 +8772,6 @@
               <a:srgbClr val="7F7F7F"/>
             </a:solidFill>
             <a:miter lim="800000"/>
-            <a:headEnd/>
-            <a:tailEnd/>
           </a:ln>
           <a:effectLst>
             <a:outerShdw blurRad="40000" dist="23000" dir="5400000" rotWithShape="0">
@@ -8603,8 +8797,8 @@
                 <a:solidFill>
                   <a:schemeClr val="tx1"/>
                 </a:solidFill>
-                <a:latin typeface="Calibri" panose="020F0502020204030204" pitchFamily="34" charset="0"/>
-                <a:ea typeface="ＭＳ Ｐゴシック" panose="020B0600070205080204" pitchFamily="34" charset="-128"/>
+                <a:latin typeface="Calibri" panose="020F0502020204030204" charset="0"/>
+                <a:ea typeface="MS PGothic" panose="020B0600070205080204" pitchFamily="34" charset="-128"/>
               </a:defRPr>
             </a:lvl1pPr>
             <a:lvl2pPr marL="37931725" indent="-37474525">
@@ -8620,8 +8814,8 @@
                 <a:solidFill>
                   <a:schemeClr val="tx1"/>
                 </a:solidFill>
-                <a:latin typeface="Calibri" panose="020F0502020204030204" pitchFamily="34" charset="0"/>
-                <a:ea typeface="ＭＳ Ｐゴシック" panose="020B0600070205080204" pitchFamily="34" charset="-128"/>
+                <a:latin typeface="Calibri" panose="020F0502020204030204" charset="0"/>
+                <a:ea typeface="MS PGothic" panose="020B0600070205080204" pitchFamily="34" charset="-128"/>
               </a:defRPr>
             </a:lvl2pPr>
             <a:lvl3pPr marL="1143000" indent="-228600">
@@ -8637,8 +8831,8 @@
                 <a:solidFill>
                   <a:schemeClr val="tx1"/>
                 </a:solidFill>
-                <a:latin typeface="Calibri" panose="020F0502020204030204" pitchFamily="34" charset="0"/>
-                <a:ea typeface="ＭＳ Ｐゴシック" panose="020B0600070205080204" pitchFamily="34" charset="-128"/>
+                <a:latin typeface="Calibri" panose="020F0502020204030204" charset="0"/>
+                <a:ea typeface="MS PGothic" panose="020B0600070205080204" pitchFamily="34" charset="-128"/>
               </a:defRPr>
             </a:lvl3pPr>
             <a:lvl4pPr marL="1600200" indent="-228600">
@@ -8654,8 +8848,8 @@
                 <a:solidFill>
                   <a:schemeClr val="tx1"/>
                 </a:solidFill>
-                <a:latin typeface="Calibri" panose="020F0502020204030204" pitchFamily="34" charset="0"/>
-                <a:ea typeface="ＭＳ Ｐゴシック" panose="020B0600070205080204" pitchFamily="34" charset="-128"/>
+                <a:latin typeface="Calibri" panose="020F0502020204030204" charset="0"/>
+                <a:ea typeface="MS PGothic" panose="020B0600070205080204" pitchFamily="34" charset="-128"/>
               </a:defRPr>
             </a:lvl4pPr>
             <a:lvl5pPr marL="2057400" indent="-228600">
@@ -8671,8 +8865,8 @@
                 <a:solidFill>
                   <a:schemeClr val="tx1"/>
                 </a:solidFill>
-                <a:latin typeface="Calibri" panose="020F0502020204030204" pitchFamily="34" charset="0"/>
-                <a:ea typeface="ＭＳ Ｐゴシック" panose="020B0600070205080204" pitchFamily="34" charset="-128"/>
+                <a:latin typeface="Calibri" panose="020F0502020204030204" charset="0"/>
+                <a:ea typeface="MS PGothic" panose="020B0600070205080204" pitchFamily="34" charset="-128"/>
               </a:defRPr>
             </a:lvl5pPr>
             <a:lvl6pPr marL="2514600" indent="-228600" eaLnBrk="0" fontAlgn="base" hangingPunct="0">
@@ -8691,8 +8885,8 @@
                 <a:solidFill>
                   <a:schemeClr val="tx1"/>
                 </a:solidFill>
-                <a:latin typeface="Calibri" panose="020F0502020204030204" pitchFamily="34" charset="0"/>
-                <a:ea typeface="ＭＳ Ｐゴシック" panose="020B0600070205080204" pitchFamily="34" charset="-128"/>
+                <a:latin typeface="Calibri" panose="020F0502020204030204" charset="0"/>
+                <a:ea typeface="MS PGothic" panose="020B0600070205080204" pitchFamily="34" charset="-128"/>
               </a:defRPr>
             </a:lvl6pPr>
             <a:lvl7pPr marL="2971800" indent="-228600" eaLnBrk="0" fontAlgn="base" hangingPunct="0">
@@ -8711,8 +8905,8 @@
                 <a:solidFill>
                   <a:schemeClr val="tx1"/>
                 </a:solidFill>
-                <a:latin typeface="Calibri" panose="020F0502020204030204" pitchFamily="34" charset="0"/>
-                <a:ea typeface="ＭＳ Ｐゴシック" panose="020B0600070205080204" pitchFamily="34" charset="-128"/>
+                <a:latin typeface="Calibri" panose="020F0502020204030204" charset="0"/>
+                <a:ea typeface="MS PGothic" panose="020B0600070205080204" pitchFamily="34" charset="-128"/>
               </a:defRPr>
             </a:lvl7pPr>
             <a:lvl8pPr marL="3429000" indent="-228600" eaLnBrk="0" fontAlgn="base" hangingPunct="0">
@@ -8731,8 +8925,8 @@
                 <a:solidFill>
                   <a:schemeClr val="tx1"/>
                 </a:solidFill>
-                <a:latin typeface="Calibri" panose="020F0502020204030204" pitchFamily="34" charset="0"/>
-                <a:ea typeface="ＭＳ Ｐゴシック" panose="020B0600070205080204" pitchFamily="34" charset="-128"/>
+                <a:latin typeface="Calibri" panose="020F0502020204030204" charset="0"/>
+                <a:ea typeface="MS PGothic" panose="020B0600070205080204" pitchFamily="34" charset="-128"/>
               </a:defRPr>
             </a:lvl8pPr>
             <a:lvl9pPr marL="3886200" indent="-228600" eaLnBrk="0" fontAlgn="base" hangingPunct="0">
@@ -8751,8 +8945,8 @@
                 <a:solidFill>
                   <a:schemeClr val="tx1"/>
                 </a:solidFill>
-                <a:latin typeface="Calibri" panose="020F0502020204030204" pitchFamily="34" charset="0"/>
-                <a:ea typeface="ＭＳ Ｐゴシック" panose="020B0600070205080204" pitchFamily="34" charset="-128"/>
+                <a:latin typeface="Calibri" panose="020F0502020204030204" charset="0"/>
+                <a:ea typeface="MS PGothic" panose="020B0600070205080204" pitchFamily="34" charset="-128"/>
               </a:defRPr>
             </a:lvl9pPr>
           </a:lstStyle>
@@ -8801,8 +8995,6 @@
               <a:srgbClr val="7F7F7F"/>
             </a:solidFill>
             <a:miter lim="800000"/>
-            <a:headEnd/>
-            <a:tailEnd/>
           </a:ln>
           <a:effectLst>
             <a:outerShdw blurRad="40000" dist="23000" dir="5400000" rotWithShape="0">
@@ -8828,8 +9020,8 @@
                 <a:solidFill>
                   <a:schemeClr val="tx1"/>
                 </a:solidFill>
-                <a:latin typeface="Calibri" panose="020F0502020204030204" pitchFamily="34" charset="0"/>
-                <a:ea typeface="ＭＳ Ｐゴシック" panose="020B0600070205080204" pitchFamily="34" charset="-128"/>
+                <a:latin typeface="Calibri" panose="020F0502020204030204" charset="0"/>
+                <a:ea typeface="MS PGothic" panose="020B0600070205080204" pitchFamily="34" charset="-128"/>
               </a:defRPr>
             </a:lvl1pPr>
             <a:lvl2pPr marL="37931725" indent="-37474525">
@@ -8845,8 +9037,8 @@
                 <a:solidFill>
                   <a:schemeClr val="tx1"/>
                 </a:solidFill>
-                <a:latin typeface="Calibri" panose="020F0502020204030204" pitchFamily="34" charset="0"/>
-                <a:ea typeface="ＭＳ Ｐゴシック" panose="020B0600070205080204" pitchFamily="34" charset="-128"/>
+                <a:latin typeface="Calibri" panose="020F0502020204030204" charset="0"/>
+                <a:ea typeface="MS PGothic" panose="020B0600070205080204" pitchFamily="34" charset="-128"/>
               </a:defRPr>
             </a:lvl2pPr>
             <a:lvl3pPr marL="1143000" indent="-228600">
@@ -8862,8 +9054,8 @@
                 <a:solidFill>
                   <a:schemeClr val="tx1"/>
                 </a:solidFill>
-                <a:latin typeface="Calibri" panose="020F0502020204030204" pitchFamily="34" charset="0"/>
-                <a:ea typeface="ＭＳ Ｐゴシック" panose="020B0600070205080204" pitchFamily="34" charset="-128"/>
+                <a:latin typeface="Calibri" panose="020F0502020204030204" charset="0"/>
+                <a:ea typeface="MS PGothic" panose="020B0600070205080204" pitchFamily="34" charset="-128"/>
               </a:defRPr>
             </a:lvl3pPr>
             <a:lvl4pPr marL="1600200" indent="-228600">
@@ -8879,8 +9071,8 @@
                 <a:solidFill>
                   <a:schemeClr val="tx1"/>
                 </a:solidFill>
-                <a:latin typeface="Calibri" panose="020F0502020204030204" pitchFamily="34" charset="0"/>
-                <a:ea typeface="ＭＳ Ｐゴシック" panose="020B0600070205080204" pitchFamily="34" charset="-128"/>
+                <a:latin typeface="Calibri" panose="020F0502020204030204" charset="0"/>
+                <a:ea typeface="MS PGothic" panose="020B0600070205080204" pitchFamily="34" charset="-128"/>
               </a:defRPr>
             </a:lvl4pPr>
             <a:lvl5pPr marL="2057400" indent="-228600">
@@ -8896,8 +9088,8 @@
                 <a:solidFill>
                   <a:schemeClr val="tx1"/>
                 </a:solidFill>
-                <a:latin typeface="Calibri" panose="020F0502020204030204" pitchFamily="34" charset="0"/>
-                <a:ea typeface="ＭＳ Ｐゴシック" panose="020B0600070205080204" pitchFamily="34" charset="-128"/>
+                <a:latin typeface="Calibri" panose="020F0502020204030204" charset="0"/>
+                <a:ea typeface="MS PGothic" panose="020B0600070205080204" pitchFamily="34" charset="-128"/>
               </a:defRPr>
             </a:lvl5pPr>
             <a:lvl6pPr marL="2514600" indent="-228600" eaLnBrk="0" fontAlgn="base" hangingPunct="0">
@@ -8916,8 +9108,8 @@
                 <a:solidFill>
                   <a:schemeClr val="tx1"/>
                 </a:solidFill>
-                <a:latin typeface="Calibri" panose="020F0502020204030204" pitchFamily="34" charset="0"/>
-                <a:ea typeface="ＭＳ Ｐゴシック" panose="020B0600070205080204" pitchFamily="34" charset="-128"/>
+                <a:latin typeface="Calibri" panose="020F0502020204030204" charset="0"/>
+                <a:ea typeface="MS PGothic" panose="020B0600070205080204" pitchFamily="34" charset="-128"/>
               </a:defRPr>
             </a:lvl6pPr>
             <a:lvl7pPr marL="2971800" indent="-228600" eaLnBrk="0" fontAlgn="base" hangingPunct="0">
@@ -8936,8 +9128,8 @@
                 <a:solidFill>
                   <a:schemeClr val="tx1"/>
                 </a:solidFill>
-                <a:latin typeface="Calibri" panose="020F0502020204030204" pitchFamily="34" charset="0"/>
-                <a:ea typeface="ＭＳ Ｐゴシック" panose="020B0600070205080204" pitchFamily="34" charset="-128"/>
+                <a:latin typeface="Calibri" panose="020F0502020204030204" charset="0"/>
+                <a:ea typeface="MS PGothic" panose="020B0600070205080204" pitchFamily="34" charset="-128"/>
               </a:defRPr>
             </a:lvl7pPr>
             <a:lvl8pPr marL="3429000" indent="-228600" eaLnBrk="0" fontAlgn="base" hangingPunct="0">
@@ -8956,8 +9148,8 @@
                 <a:solidFill>
                   <a:schemeClr val="tx1"/>
                 </a:solidFill>
-                <a:latin typeface="Calibri" panose="020F0502020204030204" pitchFamily="34" charset="0"/>
-                <a:ea typeface="ＭＳ Ｐゴシック" panose="020B0600070205080204" pitchFamily="34" charset="-128"/>
+                <a:latin typeface="Calibri" panose="020F0502020204030204" charset="0"/>
+                <a:ea typeface="MS PGothic" panose="020B0600070205080204" pitchFamily="34" charset="-128"/>
               </a:defRPr>
             </a:lvl8pPr>
             <a:lvl9pPr marL="3886200" indent="-228600" eaLnBrk="0" fontAlgn="base" hangingPunct="0">
@@ -8976,8 +9168,8 @@
                 <a:solidFill>
                   <a:schemeClr val="tx1"/>
                 </a:solidFill>
-                <a:latin typeface="Calibri" panose="020F0502020204030204" pitchFamily="34" charset="0"/>
-                <a:ea typeface="ＭＳ Ｐゴシック" panose="020B0600070205080204" pitchFamily="34" charset="-128"/>
+                <a:latin typeface="Calibri" panose="020F0502020204030204" charset="0"/>
+                <a:ea typeface="MS PGothic" panose="020B0600070205080204" pitchFamily="34" charset="-128"/>
               </a:defRPr>
             </a:lvl9pPr>
           </a:lstStyle>
@@ -9026,8 +9218,6 @@
               <a:srgbClr val="7F7F7F"/>
             </a:solidFill>
             <a:miter lim="800000"/>
-            <a:headEnd/>
-            <a:tailEnd/>
           </a:ln>
           <a:effectLst>
             <a:outerShdw blurRad="40000" dist="23000" dir="5400000" rotWithShape="0">
@@ -9053,8 +9243,8 @@
                 <a:solidFill>
                   <a:schemeClr val="tx1"/>
                 </a:solidFill>
-                <a:latin typeface="Calibri" panose="020F0502020204030204" pitchFamily="34" charset="0"/>
-                <a:ea typeface="ＭＳ Ｐゴシック" panose="020B0600070205080204" pitchFamily="34" charset="-128"/>
+                <a:latin typeface="Calibri" panose="020F0502020204030204" charset="0"/>
+                <a:ea typeface="MS PGothic" panose="020B0600070205080204" pitchFamily="34" charset="-128"/>
               </a:defRPr>
             </a:lvl1pPr>
             <a:lvl2pPr marL="37931725" indent="-37474525">
@@ -9070,8 +9260,8 @@
                 <a:solidFill>
                   <a:schemeClr val="tx1"/>
                 </a:solidFill>
-                <a:latin typeface="Calibri" panose="020F0502020204030204" pitchFamily="34" charset="0"/>
-                <a:ea typeface="ＭＳ Ｐゴシック" panose="020B0600070205080204" pitchFamily="34" charset="-128"/>
+                <a:latin typeface="Calibri" panose="020F0502020204030204" charset="0"/>
+                <a:ea typeface="MS PGothic" panose="020B0600070205080204" pitchFamily="34" charset="-128"/>
               </a:defRPr>
             </a:lvl2pPr>
             <a:lvl3pPr marL="1143000" indent="-228600">
@@ -9087,8 +9277,8 @@
                 <a:solidFill>
                   <a:schemeClr val="tx1"/>
                 </a:solidFill>
-                <a:latin typeface="Calibri" panose="020F0502020204030204" pitchFamily="34" charset="0"/>
-                <a:ea typeface="ＭＳ Ｐゴシック" panose="020B0600070205080204" pitchFamily="34" charset="-128"/>
+                <a:latin typeface="Calibri" panose="020F0502020204030204" charset="0"/>
+                <a:ea typeface="MS PGothic" panose="020B0600070205080204" pitchFamily="34" charset="-128"/>
               </a:defRPr>
             </a:lvl3pPr>
             <a:lvl4pPr marL="1600200" indent="-228600">
@@ -9104,8 +9294,8 @@
                 <a:solidFill>
                   <a:schemeClr val="tx1"/>
                 </a:solidFill>
-                <a:latin typeface="Calibri" panose="020F0502020204030204" pitchFamily="34" charset="0"/>
-                <a:ea typeface="ＭＳ Ｐゴシック" panose="020B0600070205080204" pitchFamily="34" charset="-128"/>
+                <a:latin typeface="Calibri" panose="020F0502020204030204" charset="0"/>
+                <a:ea typeface="MS PGothic" panose="020B0600070205080204" pitchFamily="34" charset="-128"/>
               </a:defRPr>
             </a:lvl4pPr>
             <a:lvl5pPr marL="2057400" indent="-228600">
@@ -9121,8 +9311,8 @@
                 <a:solidFill>
                   <a:schemeClr val="tx1"/>
                 </a:solidFill>
-                <a:latin typeface="Calibri" panose="020F0502020204030204" pitchFamily="34" charset="0"/>
-                <a:ea typeface="ＭＳ Ｐゴシック" panose="020B0600070205080204" pitchFamily="34" charset="-128"/>
+                <a:latin typeface="Calibri" panose="020F0502020204030204" charset="0"/>
+                <a:ea typeface="MS PGothic" panose="020B0600070205080204" pitchFamily="34" charset="-128"/>
               </a:defRPr>
             </a:lvl5pPr>
             <a:lvl6pPr marL="2514600" indent="-228600" eaLnBrk="0" fontAlgn="base" hangingPunct="0">
@@ -9141,8 +9331,8 @@
                 <a:solidFill>
                   <a:schemeClr val="tx1"/>
                 </a:solidFill>
-                <a:latin typeface="Calibri" panose="020F0502020204030204" pitchFamily="34" charset="0"/>
-                <a:ea typeface="ＭＳ Ｐゴシック" panose="020B0600070205080204" pitchFamily="34" charset="-128"/>
+                <a:latin typeface="Calibri" panose="020F0502020204030204" charset="0"/>
+                <a:ea typeface="MS PGothic" panose="020B0600070205080204" pitchFamily="34" charset="-128"/>
               </a:defRPr>
             </a:lvl6pPr>
             <a:lvl7pPr marL="2971800" indent="-228600" eaLnBrk="0" fontAlgn="base" hangingPunct="0">
@@ -9161,8 +9351,8 @@
                 <a:solidFill>
                   <a:schemeClr val="tx1"/>
                 </a:solidFill>
-                <a:latin typeface="Calibri" panose="020F0502020204030204" pitchFamily="34" charset="0"/>
-                <a:ea typeface="ＭＳ Ｐゴシック" panose="020B0600070205080204" pitchFamily="34" charset="-128"/>
+                <a:latin typeface="Calibri" panose="020F0502020204030204" charset="0"/>
+                <a:ea typeface="MS PGothic" panose="020B0600070205080204" pitchFamily="34" charset="-128"/>
               </a:defRPr>
             </a:lvl7pPr>
             <a:lvl8pPr marL="3429000" indent="-228600" eaLnBrk="0" fontAlgn="base" hangingPunct="0">
@@ -9181,8 +9371,8 @@
                 <a:solidFill>
                   <a:schemeClr val="tx1"/>
                 </a:solidFill>
-                <a:latin typeface="Calibri" panose="020F0502020204030204" pitchFamily="34" charset="0"/>
-                <a:ea typeface="ＭＳ Ｐゴシック" panose="020B0600070205080204" pitchFamily="34" charset="-128"/>
+                <a:latin typeface="Calibri" panose="020F0502020204030204" charset="0"/>
+                <a:ea typeface="MS PGothic" panose="020B0600070205080204" pitchFamily="34" charset="-128"/>
               </a:defRPr>
             </a:lvl8pPr>
             <a:lvl9pPr marL="3886200" indent="-228600" eaLnBrk="0" fontAlgn="base" hangingPunct="0">
@@ -9201,8 +9391,8 @@
                 <a:solidFill>
                   <a:schemeClr val="tx1"/>
                 </a:solidFill>
-                <a:latin typeface="Calibri" panose="020F0502020204030204" pitchFamily="34" charset="0"/>
-                <a:ea typeface="ＭＳ Ｐゴシック" panose="020B0600070205080204" pitchFamily="34" charset="-128"/>
+                <a:latin typeface="Calibri" panose="020F0502020204030204" charset="0"/>
+                <a:ea typeface="MS PGothic" panose="020B0600070205080204" pitchFamily="34" charset="-128"/>
               </a:defRPr>
             </a:lvl9pPr>
           </a:lstStyle>
@@ -9251,8 +9441,6 @@
               <a:srgbClr val="7F7F7F"/>
             </a:solidFill>
             <a:miter lim="800000"/>
-            <a:headEnd/>
-            <a:tailEnd/>
           </a:ln>
           <a:effectLst>
             <a:outerShdw blurRad="40000" dist="23000" dir="5400000" rotWithShape="0">
@@ -9278,8 +9466,8 @@
                 <a:solidFill>
                   <a:schemeClr val="tx1"/>
                 </a:solidFill>
-                <a:latin typeface="Calibri" panose="020F0502020204030204" pitchFamily="34" charset="0"/>
-                <a:ea typeface="ＭＳ Ｐゴシック" panose="020B0600070205080204" pitchFamily="34" charset="-128"/>
+                <a:latin typeface="Calibri" panose="020F0502020204030204" charset="0"/>
+                <a:ea typeface="MS PGothic" panose="020B0600070205080204" pitchFamily="34" charset="-128"/>
               </a:defRPr>
             </a:lvl1pPr>
             <a:lvl2pPr marL="37931725" indent="-37474525">
@@ -9295,8 +9483,8 @@
                 <a:solidFill>
                   <a:schemeClr val="tx1"/>
                 </a:solidFill>
-                <a:latin typeface="Calibri" panose="020F0502020204030204" pitchFamily="34" charset="0"/>
-                <a:ea typeface="ＭＳ Ｐゴシック" panose="020B0600070205080204" pitchFamily="34" charset="-128"/>
+                <a:latin typeface="Calibri" panose="020F0502020204030204" charset="0"/>
+                <a:ea typeface="MS PGothic" panose="020B0600070205080204" pitchFamily="34" charset="-128"/>
               </a:defRPr>
             </a:lvl2pPr>
             <a:lvl3pPr marL="1143000" indent="-228600">
@@ -9312,8 +9500,8 @@
                 <a:solidFill>
                   <a:schemeClr val="tx1"/>
                 </a:solidFill>
-                <a:latin typeface="Calibri" panose="020F0502020204030204" pitchFamily="34" charset="0"/>
-                <a:ea typeface="ＭＳ Ｐゴシック" panose="020B0600070205080204" pitchFamily="34" charset="-128"/>
+                <a:latin typeface="Calibri" panose="020F0502020204030204" charset="0"/>
+                <a:ea typeface="MS PGothic" panose="020B0600070205080204" pitchFamily="34" charset="-128"/>
               </a:defRPr>
             </a:lvl3pPr>
             <a:lvl4pPr marL="1600200" indent="-228600">
@@ -9329,8 +9517,8 @@
                 <a:solidFill>
                   <a:schemeClr val="tx1"/>
                 </a:solidFill>
-                <a:latin typeface="Calibri" panose="020F0502020204030204" pitchFamily="34" charset="0"/>
-                <a:ea typeface="ＭＳ Ｐゴシック" panose="020B0600070205080204" pitchFamily="34" charset="-128"/>
+                <a:latin typeface="Calibri" panose="020F0502020204030204" charset="0"/>
+                <a:ea typeface="MS PGothic" panose="020B0600070205080204" pitchFamily="34" charset="-128"/>
               </a:defRPr>
             </a:lvl4pPr>
             <a:lvl5pPr marL="2057400" indent="-228600">
@@ -9346,8 +9534,8 @@
                 <a:solidFill>
                   <a:schemeClr val="tx1"/>
                 </a:solidFill>
-                <a:latin typeface="Calibri" panose="020F0502020204030204" pitchFamily="34" charset="0"/>
-                <a:ea typeface="ＭＳ Ｐゴシック" panose="020B0600070205080204" pitchFamily="34" charset="-128"/>
+                <a:latin typeface="Calibri" panose="020F0502020204030204" charset="0"/>
+                <a:ea typeface="MS PGothic" panose="020B0600070205080204" pitchFamily="34" charset="-128"/>
               </a:defRPr>
             </a:lvl5pPr>
             <a:lvl6pPr marL="2514600" indent="-228600" eaLnBrk="0" fontAlgn="base" hangingPunct="0">
@@ -9366,8 +9554,8 @@
                 <a:solidFill>
                   <a:schemeClr val="tx1"/>
                 </a:solidFill>
-                <a:latin typeface="Calibri" panose="020F0502020204030204" pitchFamily="34" charset="0"/>
-                <a:ea typeface="ＭＳ Ｐゴシック" panose="020B0600070205080204" pitchFamily="34" charset="-128"/>
+                <a:latin typeface="Calibri" panose="020F0502020204030204" charset="0"/>
+                <a:ea typeface="MS PGothic" panose="020B0600070205080204" pitchFamily="34" charset="-128"/>
               </a:defRPr>
             </a:lvl6pPr>
             <a:lvl7pPr marL="2971800" indent="-228600" eaLnBrk="0" fontAlgn="base" hangingPunct="0">
@@ -9386,8 +9574,8 @@
                 <a:solidFill>
                   <a:schemeClr val="tx1"/>
                 </a:solidFill>
-                <a:latin typeface="Calibri" panose="020F0502020204030204" pitchFamily="34" charset="0"/>
-                <a:ea typeface="ＭＳ Ｐゴシック" panose="020B0600070205080204" pitchFamily="34" charset="-128"/>
+                <a:latin typeface="Calibri" panose="020F0502020204030204" charset="0"/>
+                <a:ea typeface="MS PGothic" panose="020B0600070205080204" pitchFamily="34" charset="-128"/>
               </a:defRPr>
             </a:lvl7pPr>
             <a:lvl8pPr marL="3429000" indent="-228600" eaLnBrk="0" fontAlgn="base" hangingPunct="0">
@@ -9406,8 +9594,8 @@
                 <a:solidFill>
                   <a:schemeClr val="tx1"/>
                 </a:solidFill>
-                <a:latin typeface="Calibri" panose="020F0502020204030204" pitchFamily="34" charset="0"/>
-                <a:ea typeface="ＭＳ Ｐゴシック" panose="020B0600070205080204" pitchFamily="34" charset="-128"/>
+                <a:latin typeface="Calibri" panose="020F0502020204030204" charset="0"/>
+                <a:ea typeface="MS PGothic" panose="020B0600070205080204" pitchFamily="34" charset="-128"/>
               </a:defRPr>
             </a:lvl8pPr>
             <a:lvl9pPr marL="3886200" indent="-228600" eaLnBrk="0" fontAlgn="base" hangingPunct="0">
@@ -9426,8 +9614,8 @@
                 <a:solidFill>
                   <a:schemeClr val="tx1"/>
                 </a:solidFill>
-                <a:latin typeface="Calibri" panose="020F0502020204030204" pitchFamily="34" charset="0"/>
-                <a:ea typeface="ＭＳ Ｐゴシック" panose="020B0600070205080204" pitchFamily="34" charset="-128"/>
+                <a:latin typeface="Calibri" panose="020F0502020204030204" charset="0"/>
+                <a:ea typeface="MS PGothic" panose="020B0600070205080204" pitchFamily="34" charset="-128"/>
               </a:defRPr>
             </a:lvl9pPr>
           </a:lstStyle>
@@ -9476,8 +9664,6 @@
               <a:srgbClr val="7F7F7F"/>
             </a:solidFill>
             <a:miter lim="800000"/>
-            <a:headEnd/>
-            <a:tailEnd/>
           </a:ln>
           <a:effectLst>
             <a:outerShdw blurRad="40000" dist="23000" dir="5400000" rotWithShape="0">
@@ -9503,8 +9689,8 @@
                 <a:solidFill>
                   <a:schemeClr val="tx1"/>
                 </a:solidFill>
-                <a:latin typeface="Calibri" panose="020F0502020204030204" pitchFamily="34" charset="0"/>
-                <a:ea typeface="ＭＳ Ｐゴシック" panose="020B0600070205080204" pitchFamily="34" charset="-128"/>
+                <a:latin typeface="Calibri" panose="020F0502020204030204" charset="0"/>
+                <a:ea typeface="MS PGothic" panose="020B0600070205080204" pitchFamily="34" charset="-128"/>
               </a:defRPr>
             </a:lvl1pPr>
             <a:lvl2pPr marL="37931725" indent="-37474525">
@@ -9520,8 +9706,8 @@
                 <a:solidFill>
                   <a:schemeClr val="tx1"/>
                 </a:solidFill>
-                <a:latin typeface="Calibri" panose="020F0502020204030204" pitchFamily="34" charset="0"/>
-                <a:ea typeface="ＭＳ Ｐゴシック" panose="020B0600070205080204" pitchFamily="34" charset="-128"/>
+                <a:latin typeface="Calibri" panose="020F0502020204030204" charset="0"/>
+                <a:ea typeface="MS PGothic" panose="020B0600070205080204" pitchFamily="34" charset="-128"/>
               </a:defRPr>
             </a:lvl2pPr>
             <a:lvl3pPr marL="1143000" indent="-228600">
@@ -9537,8 +9723,8 @@
                 <a:solidFill>
                   <a:schemeClr val="tx1"/>
                 </a:solidFill>
-                <a:latin typeface="Calibri" panose="020F0502020204030204" pitchFamily="34" charset="0"/>
-                <a:ea typeface="ＭＳ Ｐゴシック" panose="020B0600070205080204" pitchFamily="34" charset="-128"/>
+                <a:latin typeface="Calibri" panose="020F0502020204030204" charset="0"/>
+                <a:ea typeface="MS PGothic" panose="020B0600070205080204" pitchFamily="34" charset="-128"/>
               </a:defRPr>
             </a:lvl3pPr>
             <a:lvl4pPr marL="1600200" indent="-228600">
@@ -9554,8 +9740,8 @@
                 <a:solidFill>
                   <a:schemeClr val="tx1"/>
                 </a:solidFill>
-                <a:latin typeface="Calibri" panose="020F0502020204030204" pitchFamily="34" charset="0"/>
-                <a:ea typeface="ＭＳ Ｐゴシック" panose="020B0600070205080204" pitchFamily="34" charset="-128"/>
+                <a:latin typeface="Calibri" panose="020F0502020204030204" charset="0"/>
+                <a:ea typeface="MS PGothic" panose="020B0600070205080204" pitchFamily="34" charset="-128"/>
               </a:defRPr>
             </a:lvl4pPr>
             <a:lvl5pPr marL="2057400" indent="-228600">
@@ -9571,8 +9757,8 @@
                 <a:solidFill>
                   <a:schemeClr val="tx1"/>
                 </a:solidFill>
-                <a:latin typeface="Calibri" panose="020F0502020204030204" pitchFamily="34" charset="0"/>
-                <a:ea typeface="ＭＳ Ｐゴシック" panose="020B0600070205080204" pitchFamily="34" charset="-128"/>
+                <a:latin typeface="Calibri" panose="020F0502020204030204" charset="0"/>
+                <a:ea typeface="MS PGothic" panose="020B0600070205080204" pitchFamily="34" charset="-128"/>
               </a:defRPr>
             </a:lvl5pPr>
             <a:lvl6pPr marL="2514600" indent="-228600" eaLnBrk="0" fontAlgn="base" hangingPunct="0">
@@ -9591,8 +9777,8 @@
                 <a:solidFill>
                   <a:schemeClr val="tx1"/>
                 </a:solidFill>
-                <a:latin typeface="Calibri" panose="020F0502020204030204" pitchFamily="34" charset="0"/>
-                <a:ea typeface="ＭＳ Ｐゴシック" panose="020B0600070205080204" pitchFamily="34" charset="-128"/>
+                <a:latin typeface="Calibri" panose="020F0502020204030204" charset="0"/>
+                <a:ea typeface="MS PGothic" panose="020B0600070205080204" pitchFamily="34" charset="-128"/>
               </a:defRPr>
             </a:lvl6pPr>
             <a:lvl7pPr marL="2971800" indent="-228600" eaLnBrk="0" fontAlgn="base" hangingPunct="0">
@@ -9611,8 +9797,8 @@
                 <a:solidFill>
                   <a:schemeClr val="tx1"/>
                 </a:solidFill>
-                <a:latin typeface="Calibri" panose="020F0502020204030204" pitchFamily="34" charset="0"/>
-                <a:ea typeface="ＭＳ Ｐゴシック" panose="020B0600070205080204" pitchFamily="34" charset="-128"/>
+                <a:latin typeface="Calibri" panose="020F0502020204030204" charset="0"/>
+                <a:ea typeface="MS PGothic" panose="020B0600070205080204" pitchFamily="34" charset="-128"/>
               </a:defRPr>
             </a:lvl7pPr>
             <a:lvl8pPr marL="3429000" indent="-228600" eaLnBrk="0" fontAlgn="base" hangingPunct="0">
@@ -9631,8 +9817,8 @@
                 <a:solidFill>
                   <a:schemeClr val="tx1"/>
                 </a:solidFill>
-                <a:latin typeface="Calibri" panose="020F0502020204030204" pitchFamily="34" charset="0"/>
-                <a:ea typeface="ＭＳ Ｐゴシック" panose="020B0600070205080204" pitchFamily="34" charset="-128"/>
+                <a:latin typeface="Calibri" panose="020F0502020204030204" charset="0"/>
+                <a:ea typeface="MS PGothic" panose="020B0600070205080204" pitchFamily="34" charset="-128"/>
               </a:defRPr>
             </a:lvl8pPr>
             <a:lvl9pPr marL="3886200" indent="-228600" eaLnBrk="0" fontAlgn="base" hangingPunct="0">
@@ -9651,8 +9837,8 @@
                 <a:solidFill>
                   <a:schemeClr val="tx1"/>
                 </a:solidFill>
-                <a:latin typeface="Calibri" panose="020F0502020204030204" pitchFamily="34" charset="0"/>
-                <a:ea typeface="ＭＳ Ｐゴシック" panose="020B0600070205080204" pitchFamily="34" charset="-128"/>
+                <a:latin typeface="Calibri" panose="020F0502020204030204" charset="0"/>
+                <a:ea typeface="MS PGothic" panose="020B0600070205080204" pitchFamily="34" charset="-128"/>
               </a:defRPr>
             </a:lvl9pPr>
           </a:lstStyle>
@@ -9689,13 +9875,13 @@
               <p:cTn id="2" dur="indefinite" nodeType="mainSeq">
                 <p:childTnLst>
                   <p:par>
-                    <p:cTn id="3" fill="hold" nodeType="clickPar">
+                    <p:cTn id="3" fill="hold">
                       <p:stCondLst>
                         <p:cond delay="indefinite"/>
                       </p:stCondLst>
                       <p:childTnLst>
                         <p:par>
-                          <p:cTn id="4" fill="hold" nodeType="withGroup">
+                          <p:cTn id="4" fill="hold">
                             <p:stCondLst>
                               <p:cond delay="0"/>
                             </p:stCondLst>
@@ -9788,13 +9974,13 @@
                     </p:cTn>
                   </p:par>
                   <p:par>
-                    <p:cTn id="11" fill="hold" nodeType="clickPar">
+                    <p:cTn id="11" fill="hold">
                       <p:stCondLst>
                         <p:cond delay="indefinite"/>
                       </p:stCondLst>
                       <p:childTnLst>
                         <p:par>
-                          <p:cTn id="12" fill="hold" nodeType="withGroup">
+                          <p:cTn id="12" fill="hold">
                             <p:stCondLst>
                               <p:cond delay="0"/>
                             </p:stCondLst>
@@ -9860,13 +10046,13 @@
                     </p:cTn>
                   </p:par>
                   <p:par>
-                    <p:cTn id="17" fill="hold" nodeType="clickPar">
+                    <p:cTn id="17" fill="hold">
                       <p:stCondLst>
                         <p:cond delay="indefinite"/>
                       </p:stCondLst>
                       <p:childTnLst>
                         <p:par>
-                          <p:cTn id="18" fill="hold" nodeType="withGroup">
+                          <p:cTn id="18" fill="hold">
                             <p:stCondLst>
                               <p:cond delay="0"/>
                             </p:stCondLst>
@@ -9932,13 +10118,13 @@
                     </p:cTn>
                   </p:par>
                   <p:par>
-                    <p:cTn id="23" fill="hold" nodeType="clickPar">
+                    <p:cTn id="23" fill="hold">
                       <p:stCondLst>
                         <p:cond delay="indefinite"/>
                       </p:stCondLst>
                       <p:childTnLst>
                         <p:par>
-                          <p:cTn id="24" fill="hold" nodeType="withGroup">
+                          <p:cTn id="24" fill="hold">
                             <p:stCondLst>
                               <p:cond delay="0"/>
                             </p:stCondLst>
@@ -10112,13 +10298,13 @@
                     </p:cTn>
                   </p:par>
                   <p:par>
-                    <p:cTn id="37" fill="hold" nodeType="clickPar">
+                    <p:cTn id="37" fill="hold">
                       <p:stCondLst>
                         <p:cond delay="indefinite"/>
                       </p:stCondLst>
                       <p:childTnLst>
                         <p:par>
-                          <p:cTn id="38" fill="hold" nodeType="withGroup">
+                          <p:cTn id="38" fill="hold">
                             <p:stCondLst>
                               <p:cond delay="0"/>
                             </p:stCondLst>
@@ -10292,13 +10478,13 @@
                     </p:cTn>
                   </p:par>
                   <p:par>
-                    <p:cTn id="51" fill="hold" nodeType="clickPar">
+                    <p:cTn id="51" fill="hold">
                       <p:stCondLst>
                         <p:cond delay="indefinite"/>
                       </p:stCondLst>
                       <p:childTnLst>
                         <p:par>
-                          <p:cTn id="52" fill="hold" nodeType="withGroup">
+                          <p:cTn id="52" fill="hold">
                             <p:stCondLst>
                               <p:cond delay="0"/>
                             </p:stCondLst>
@@ -10418,10 +10604,13 @@
             <a:pPr eaLnBrk="1" hangingPunct="1"/>
             <a:r>
               <a:rPr lang="en-US" altLang="en-US" smtClean="0">
-                <a:ea typeface="ＭＳ Ｐゴシック" pitchFamily="-112" charset="-128"/>
+                <a:ea typeface="MS PGothic" panose="020B0600070205080204" pitchFamily="34" charset="-128"/>
               </a:rPr>
               <a:t>Context-sensitive spell correction</a:t>
             </a:r>
+            <a:endParaRPr lang="en-US" altLang="en-US" smtClean="0">
+              <a:ea typeface="MS PGothic" panose="020B0600070205080204" pitchFamily="34" charset="-128"/>
+            </a:endParaRPr>
           </a:p>
         </p:txBody>
       </p:sp>
@@ -10443,100 +10632,115 @@
             <a:pPr eaLnBrk="1" hangingPunct="1"/>
             <a:r>
               <a:rPr lang="en-US" altLang="en-US" smtClean="0">
-                <a:ea typeface="ＭＳ Ｐゴシック" pitchFamily="-112" charset="-128"/>
+                <a:ea typeface="MS PGothic" panose="020B0600070205080204" pitchFamily="34" charset="-128"/>
               </a:rPr>
               <a:t>Text: </a:t>
             </a:r>
             <a:r>
               <a:rPr lang="en-US" altLang="en-US" b="1" i="1" smtClean="0">
-                <a:ea typeface="ＭＳ Ｐゴシック" pitchFamily="-112" charset="-128"/>
+                <a:ea typeface="MS PGothic" panose="020B0600070205080204" pitchFamily="34" charset="-128"/>
               </a:rPr>
               <a:t>I flew </a:t>
             </a:r>
             <a:r>
               <a:rPr lang="en-US" altLang="en-US" b="1" i="1" u="sng" smtClean="0">
-                <a:ea typeface="ＭＳ Ｐゴシック" pitchFamily="-112" charset="-128"/>
+                <a:ea typeface="MS PGothic" panose="020B0600070205080204" pitchFamily="34" charset="-128"/>
               </a:rPr>
               <a:t>from</a:t>
             </a:r>
             <a:r>
               <a:rPr lang="en-US" altLang="en-US" b="1" i="1" smtClean="0">
-                <a:ea typeface="ＭＳ Ｐゴシック" pitchFamily="-112" charset="-128"/>
+                <a:ea typeface="MS PGothic" panose="020B0600070205080204" pitchFamily="34" charset="-128"/>
               </a:rPr>
               <a:t> Heathrow to Narita.</a:t>
             </a:r>
+            <a:endParaRPr lang="en-US" altLang="en-US" b="1" i="1" smtClean="0">
+              <a:ea typeface="MS PGothic" panose="020B0600070205080204" pitchFamily="34" charset="-128"/>
+            </a:endParaRPr>
           </a:p>
           <a:p>
             <a:pPr eaLnBrk="1" hangingPunct="1"/>
             <a:r>
               <a:rPr lang="en-US" altLang="en-US" smtClean="0">
-                <a:ea typeface="ＭＳ Ｐゴシック" pitchFamily="-112" charset="-128"/>
+                <a:ea typeface="MS PGothic" panose="020B0600070205080204" pitchFamily="34" charset="-128"/>
               </a:rPr>
               <a:t>Consider the phrase query </a:t>
             </a:r>
             <a:r>
               <a:rPr lang="en-US" altLang="en-US" b="1" i="1" smtClean="0">
-                <a:ea typeface="ＭＳ Ｐゴシック" pitchFamily="-112" charset="-128"/>
+                <a:ea typeface="MS PGothic" panose="020B0600070205080204" pitchFamily="34" charset="-128"/>
               </a:rPr>
               <a:t>“flew </a:t>
             </a:r>
             <a:r>
               <a:rPr lang="en-US" altLang="en-US" b="1" i="1" u="sng" smtClean="0">
-                <a:ea typeface="ＭＳ Ｐゴシック" pitchFamily="-112" charset="-128"/>
+                <a:ea typeface="MS PGothic" panose="020B0600070205080204" pitchFamily="34" charset="-128"/>
               </a:rPr>
               <a:t>form</a:t>
             </a:r>
             <a:r>
               <a:rPr lang="en-US" altLang="en-US" b="1" i="1" smtClean="0">
-                <a:ea typeface="ＭＳ Ｐゴシック" pitchFamily="-112" charset="-128"/>
+                <a:ea typeface="MS PGothic" panose="020B0600070205080204" pitchFamily="34" charset="-128"/>
               </a:rPr>
               <a:t> Heathrow”</a:t>
             </a:r>
+            <a:endParaRPr lang="en-US" altLang="en-US" b="1" i="1" smtClean="0">
+              <a:ea typeface="MS PGothic" panose="020B0600070205080204" pitchFamily="34" charset="-128"/>
+            </a:endParaRPr>
           </a:p>
           <a:p>
             <a:pPr eaLnBrk="1" hangingPunct="1"/>
             <a:r>
               <a:rPr lang="en-US" altLang="en-US" smtClean="0">
-                <a:ea typeface="ＭＳ Ｐゴシック" pitchFamily="-112" charset="-128"/>
+                <a:ea typeface="MS PGothic" panose="020B0600070205080204" pitchFamily="34" charset="-128"/>
               </a:rPr>
               <a:t>We’d like to respond</a:t>
             </a:r>
+            <a:endParaRPr lang="en-US" altLang="en-US" smtClean="0">
+              <a:ea typeface="MS PGothic" panose="020B0600070205080204" pitchFamily="34" charset="-128"/>
+            </a:endParaRPr>
           </a:p>
           <a:p>
             <a:pPr eaLnBrk="1" hangingPunct="1">
-              <a:buFont typeface="Wingdings" pitchFamily="-112" charset="2"/>
+              <a:buFont typeface="Wingdings" panose="05000000000000000000" pitchFamily="2" charset="2"/>
               <a:buNone/>
             </a:pPr>
             <a:r>
               <a:rPr lang="en-US" altLang="en-US" smtClean="0">
-                <a:ea typeface="ＭＳ Ｐゴシック" pitchFamily="-112" charset="-128"/>
+                <a:ea typeface="MS PGothic" panose="020B0600070205080204" pitchFamily="34" charset="-128"/>
               </a:rPr>
               <a:t>		Did you mean “</a:t>
             </a:r>
             <a:r>
               <a:rPr lang="en-US" altLang="en-US" b="1" i="1" smtClean="0">
-                <a:ea typeface="ＭＳ Ｐゴシック" pitchFamily="-112" charset="-128"/>
+                <a:ea typeface="MS PGothic" panose="020B0600070205080204" pitchFamily="34" charset="-128"/>
               </a:rPr>
               <a:t>flew from Heathrow</a:t>
             </a:r>
             <a:r>
               <a:rPr lang="en-US" altLang="en-US" smtClean="0">
-                <a:ea typeface="ＭＳ Ｐゴシック" pitchFamily="-112" charset="-128"/>
+                <a:ea typeface="MS PGothic" panose="020B0600070205080204" pitchFamily="34" charset="-128"/>
               </a:rPr>
               <a:t>”?</a:t>
             </a:r>
+            <a:endParaRPr lang="en-US" altLang="en-US" smtClean="0">
+              <a:ea typeface="MS PGothic" panose="020B0600070205080204" pitchFamily="34" charset="-128"/>
+            </a:endParaRPr>
           </a:p>
           <a:p>
             <a:pPr eaLnBrk="1" hangingPunct="1">
-              <a:buFont typeface="Wingdings" pitchFamily="-112" charset="2"/>
+              <a:buFont typeface="Wingdings" panose="05000000000000000000" pitchFamily="2" charset="2"/>
               <a:buNone/>
             </a:pPr>
             <a:r>
               <a:rPr lang="en-US" altLang="en-US" smtClean="0">
-                <a:ea typeface="ＭＳ Ｐゴシック" pitchFamily="-112" charset="-128"/>
+                <a:ea typeface="MS PGothic" panose="020B0600070205080204" pitchFamily="34" charset="-128"/>
               </a:rPr>
               <a:t>because no docs matched the query phrase.</a:t>
             </a:r>
+            <a:endParaRPr lang="en-US" altLang="en-US" smtClean="0">
+              <a:ea typeface="MS PGothic" panose="020B0600070205080204" pitchFamily="34" charset="-128"/>
+            </a:endParaRPr>
           </a:p>
         </p:txBody>
       </p:sp>
@@ -10560,8 +10764,6 @@
           <a:ln w="9525">
             <a:noFill/>
             <a:miter lim="800000"/>
-            <a:headEnd/>
-            <a:tailEnd/>
           </a:ln>
         </p:spPr>
         <p:txBody>
@@ -10576,10 +10778,16 @@
                 <a:solidFill>
                   <a:srgbClr val="FBFCFF"/>
                 </a:solidFill>
-                <a:ea typeface="ＭＳ Ｐゴシック" pitchFamily="-112" charset="-128"/>
+                <a:ea typeface="MS PGothic" panose="020B0600070205080204" pitchFamily="34" charset="-128"/>
               </a:rPr>
               <a:t>Sec. 3.3.5</a:t>
             </a:r>
+            <a:endParaRPr lang="en-US" altLang="en-US" sz="1600">
+              <a:solidFill>
+                <a:srgbClr val="FBFCFF"/>
+              </a:solidFill>
+              <a:ea typeface="MS PGothic" panose="020B0600070205080204" pitchFamily="34" charset="-128"/>
+            </a:endParaRPr>
           </a:p>
         </p:txBody>
       </p:sp>
@@ -10597,8 +10805,6 @@
           <a:noFill/>
           <a:ln>
             <a:miter lim="800000"/>
-            <a:headEnd/>
-            <a:tailEnd/>
           </a:ln>
         </p:spPr>
         <p:txBody>
@@ -10607,13 +10813,11 @@
           <a:p>
             <a:fld id="{EFACA178-CD75-4A1E-9F9C-71AD8C0E29DC}" type="slidenum">
               <a:rPr lang="en-US" altLang="en-US">
-                <a:ea typeface="ＭＳ Ｐゴシック" pitchFamily="-112" charset="-128"/>
-              </a:rPr>
-              <a:pPr/>
-              <a:t>18</a:t>
+                <a:ea typeface="MS PGothic" panose="020B0600070205080204" pitchFamily="34" charset="-128"/>
+              </a:rPr>
             </a:fld>
             <a:endParaRPr lang="en-US" altLang="en-US">
-              <a:ea typeface="ＭＳ Ｐゴシック" pitchFamily="-112" charset="-128"/>
+              <a:ea typeface="MS PGothic" panose="020B0600070205080204" pitchFamily="34" charset="-128"/>
             </a:endParaRPr>
           </a:p>
         </p:txBody>
@@ -10668,10 +10872,13 @@
             <a:pPr eaLnBrk="1" hangingPunct="1"/>
             <a:r>
               <a:rPr lang="en-US" altLang="en-US" smtClean="0">
-                <a:ea typeface="ＭＳ Ｐゴシック" pitchFamily="-112" charset="-128"/>
+                <a:ea typeface="MS PGothic" panose="020B0600070205080204" pitchFamily="34" charset="-128"/>
               </a:rPr>
               <a:t>Context-sensitive correction</a:t>
             </a:r>
+            <a:endParaRPr lang="en-US" altLang="en-US" smtClean="0">
+              <a:ea typeface="MS PGothic" panose="020B0600070205080204" pitchFamily="34" charset="-128"/>
+            </a:endParaRPr>
           </a:p>
         </p:txBody>
       </p:sp>
@@ -10697,10 +10904,13 @@
             </a:pPr>
             <a:r>
               <a:rPr lang="en-US" altLang="en-US" smtClean="0">
-                <a:ea typeface="ＭＳ Ｐゴシック" pitchFamily="-112" charset="-128"/>
+                <a:ea typeface="MS PGothic" panose="020B0600070205080204" pitchFamily="34" charset="-128"/>
               </a:rPr>
               <a:t>Need surrounding context to catch this.</a:t>
             </a:r>
+            <a:endParaRPr lang="en-US" altLang="en-US" smtClean="0">
+              <a:ea typeface="MS PGothic" panose="020B0600070205080204" pitchFamily="34" charset="-128"/>
+            </a:endParaRPr>
           </a:p>
           <a:p>
             <a:pPr eaLnBrk="1" hangingPunct="1">
@@ -10710,10 +10920,13 @@
             </a:pPr>
             <a:r>
               <a:rPr lang="en-US" altLang="en-US" smtClean="0">
-                <a:ea typeface="ＭＳ Ｐゴシック" pitchFamily="-112" charset="-128"/>
+                <a:ea typeface="MS PGothic" panose="020B0600070205080204" pitchFamily="34" charset="-128"/>
               </a:rPr>
               <a:t>First idea: retrieve dictionary terms close (in weighted edit distance) to each query term</a:t>
             </a:r>
+            <a:endParaRPr lang="en-US" altLang="en-US" smtClean="0">
+              <a:ea typeface="MS PGothic" panose="020B0600070205080204" pitchFamily="34" charset="-128"/>
+            </a:endParaRPr>
           </a:p>
           <a:p>
             <a:pPr eaLnBrk="1" hangingPunct="1">
@@ -10723,10 +10936,13 @@
             </a:pPr>
             <a:r>
               <a:rPr lang="en-US" altLang="en-US" smtClean="0">
-                <a:ea typeface="ＭＳ Ｐゴシック" pitchFamily="-112" charset="-128"/>
+                <a:ea typeface="MS PGothic" panose="020B0600070205080204" pitchFamily="34" charset="-128"/>
               </a:rPr>
               <a:t>Now try all possible resulting phrases with one word “fixed” at a time</a:t>
             </a:r>
+            <a:endParaRPr lang="en-US" altLang="en-US" smtClean="0">
+              <a:ea typeface="MS PGothic" panose="020B0600070205080204" pitchFamily="34" charset="-128"/>
+            </a:endParaRPr>
           </a:p>
           <a:p>
             <a:pPr lvl="1" eaLnBrk="1" hangingPunct="1">
@@ -10736,10 +10952,13 @@
             </a:pPr>
             <a:r>
               <a:rPr lang="en-US" altLang="en-US" b="1" i="1" smtClean="0">
-                <a:ea typeface="ＭＳ Ｐゴシック" pitchFamily="-112" charset="-128"/>
+                <a:ea typeface="MS PGothic" panose="020B0600070205080204" pitchFamily="34" charset="-128"/>
               </a:rPr>
               <a:t>flew from heathrow </a:t>
             </a:r>
+            <a:endParaRPr lang="en-US" altLang="en-US" b="1" i="1" smtClean="0">
+              <a:ea typeface="MS PGothic" panose="020B0600070205080204" pitchFamily="34" charset="-128"/>
+            </a:endParaRPr>
           </a:p>
           <a:p>
             <a:pPr lvl="1" eaLnBrk="1" hangingPunct="1">
@@ -10749,10 +10968,13 @@
             </a:pPr>
             <a:r>
               <a:rPr lang="en-US" altLang="en-US" b="1" i="1" smtClean="0">
-                <a:ea typeface="ＭＳ Ｐゴシック" pitchFamily="-112" charset="-128"/>
+                <a:ea typeface="MS PGothic" panose="020B0600070205080204" pitchFamily="34" charset="-128"/>
               </a:rPr>
               <a:t>fled form heathrow</a:t>
             </a:r>
+            <a:endParaRPr lang="en-US" altLang="en-US" b="1" i="1" smtClean="0">
+              <a:ea typeface="MS PGothic" panose="020B0600070205080204" pitchFamily="34" charset="-128"/>
+            </a:endParaRPr>
           </a:p>
           <a:p>
             <a:pPr lvl="1" eaLnBrk="1" hangingPunct="1">
@@ -10762,10 +10984,13 @@
             </a:pPr>
             <a:r>
               <a:rPr lang="en-US" altLang="en-US" b="1" i="1" smtClean="0">
-                <a:ea typeface="ＭＳ Ｐゴシック" pitchFamily="-112" charset="-128"/>
+                <a:ea typeface="MS PGothic" panose="020B0600070205080204" pitchFamily="34" charset="-128"/>
               </a:rPr>
               <a:t>flea form heathrow</a:t>
             </a:r>
+            <a:endParaRPr lang="en-US" altLang="en-US" b="1" i="1" smtClean="0">
+              <a:ea typeface="MS PGothic" panose="020B0600070205080204" pitchFamily="34" charset="-128"/>
+            </a:endParaRPr>
           </a:p>
           <a:p>
             <a:pPr eaLnBrk="1" hangingPunct="1">
@@ -10775,16 +11000,19 @@
             </a:pPr>
             <a:r>
               <a:rPr lang="en-US" altLang="en-US" b="1" smtClean="0">
-                <a:ea typeface="ＭＳ Ｐゴシック" pitchFamily="-112" charset="-128"/>
+                <a:ea typeface="MS PGothic" panose="020B0600070205080204" pitchFamily="34" charset="-128"/>
               </a:rPr>
               <a:t>Hit-based spelling correction: </a:t>
             </a:r>
             <a:r>
               <a:rPr lang="en-US" altLang="en-US" smtClean="0">
-                <a:ea typeface="ＭＳ Ｐゴシック" pitchFamily="-112" charset="-128"/>
+                <a:ea typeface="MS PGothic" panose="020B0600070205080204" pitchFamily="34" charset="-128"/>
               </a:rPr>
               <a:t>Suggest the alternative that has lots of hits in query logs.</a:t>
             </a:r>
+            <a:endParaRPr lang="en-US" altLang="en-US" smtClean="0">
+              <a:ea typeface="MS PGothic" panose="020B0600070205080204" pitchFamily="34" charset="-128"/>
+            </a:endParaRPr>
           </a:p>
           <a:p>
             <a:pPr eaLnBrk="1" hangingPunct="1">
@@ -10793,7 +11021,7 @@
               </a:lnSpc>
             </a:pPr>
             <a:endParaRPr lang="en-US" altLang="en-US" smtClean="0">
-              <a:ea typeface="ＭＳ Ｐゴシック" pitchFamily="-112" charset="-128"/>
+              <a:ea typeface="MS PGothic" panose="020B0600070205080204" pitchFamily="34" charset="-128"/>
             </a:endParaRPr>
           </a:p>
         </p:txBody>
@@ -10818,8 +11046,6 @@
           <a:ln w="9525">
             <a:noFill/>
             <a:miter lim="800000"/>
-            <a:headEnd/>
-            <a:tailEnd/>
           </a:ln>
         </p:spPr>
         <p:txBody>
@@ -10834,10 +11060,16 @@
                 <a:solidFill>
                   <a:srgbClr val="FBFCFF"/>
                 </a:solidFill>
-                <a:ea typeface="ＭＳ Ｐゴシック" pitchFamily="-112" charset="-128"/>
+                <a:ea typeface="MS PGothic" panose="020B0600070205080204" pitchFamily="34" charset="-128"/>
               </a:rPr>
               <a:t>Sec. 3.3.5</a:t>
             </a:r>
+            <a:endParaRPr lang="en-US" altLang="en-US" sz="1600">
+              <a:solidFill>
+                <a:srgbClr val="FBFCFF"/>
+              </a:solidFill>
+              <a:ea typeface="MS PGothic" panose="020B0600070205080204" pitchFamily="34" charset="-128"/>
+            </a:endParaRPr>
           </a:p>
         </p:txBody>
       </p:sp>
@@ -10855,8 +11087,6 @@
           <a:noFill/>
           <a:ln>
             <a:miter lim="800000"/>
-            <a:headEnd/>
-            <a:tailEnd/>
           </a:ln>
         </p:spPr>
         <p:txBody>
@@ -10865,13 +11095,11 @@
           <a:p>
             <a:fld id="{5621F0AC-EC96-48FA-9A79-F2F27C2C0798}" type="slidenum">
               <a:rPr lang="en-US" altLang="en-US">
-                <a:ea typeface="ＭＳ Ｐゴシック" pitchFamily="-112" charset="-128"/>
-              </a:rPr>
-              <a:pPr/>
-              <a:t>19</a:t>
+                <a:ea typeface="MS PGothic" panose="020B0600070205080204" pitchFamily="34" charset="-128"/>
+              </a:rPr>
             </a:fld>
             <a:endParaRPr lang="en-US" altLang="en-US">
-              <a:ea typeface="ＭＳ Ｐゴシック" pitchFamily="-112" charset="-128"/>
+              <a:ea typeface="MS PGothic" panose="020B0600070205080204" pitchFamily="34" charset="-128"/>
             </a:endParaRPr>
           </a:p>
         </p:txBody>
@@ -10926,10 +11154,13 @@
             <a:pPr eaLnBrk="1" hangingPunct="1"/>
             <a:r>
               <a:rPr lang="en-US" altLang="en-US" smtClean="0">
-                <a:ea typeface="ＭＳ Ｐゴシック" pitchFamily="-112" charset="-128"/>
+                <a:ea typeface="MS PGothic" panose="020B0600070205080204" pitchFamily="34" charset="-128"/>
               </a:rPr>
               <a:t>Spell correction</a:t>
             </a:r>
+            <a:endParaRPr lang="en-US" altLang="en-US" smtClean="0">
+              <a:ea typeface="MS PGothic" panose="020B0600070205080204" pitchFamily="34" charset="-128"/>
+            </a:endParaRPr>
           </a:p>
         </p:txBody>
       </p:sp>
@@ -10953,137 +11184,170 @@
             <a:pPr eaLnBrk="1" hangingPunct="1"/>
             <a:r>
               <a:rPr lang="en-US" altLang="en-US" smtClean="0">
-                <a:ea typeface="ＭＳ Ｐゴシック" pitchFamily="-112" charset="-128"/>
+                <a:ea typeface="MS PGothic" panose="020B0600070205080204" pitchFamily="34" charset="-128"/>
               </a:rPr>
               <a:t>Two principal uses</a:t>
             </a:r>
+            <a:endParaRPr lang="en-US" altLang="en-US" smtClean="0">
+              <a:ea typeface="MS PGothic" panose="020B0600070205080204" pitchFamily="34" charset="-128"/>
+            </a:endParaRPr>
           </a:p>
           <a:p>
             <a:pPr lvl="1" eaLnBrk="1" hangingPunct="1"/>
             <a:r>
               <a:rPr lang="en-US" altLang="en-US" smtClean="0">
-                <a:ea typeface="ＭＳ Ｐゴシック" pitchFamily="-112" charset="-128"/>
+                <a:ea typeface="MS PGothic" panose="020B0600070205080204" pitchFamily="34" charset="-128"/>
               </a:rPr>
               <a:t>Correcting document(s) being indexed</a:t>
             </a:r>
+            <a:endParaRPr lang="en-US" altLang="en-US" smtClean="0">
+              <a:ea typeface="MS PGothic" panose="020B0600070205080204" pitchFamily="34" charset="-128"/>
+            </a:endParaRPr>
           </a:p>
           <a:p>
             <a:pPr lvl="1" eaLnBrk="1" hangingPunct="1"/>
             <a:r>
               <a:rPr lang="en-US" altLang="en-US" smtClean="0">
-                <a:ea typeface="ＭＳ Ｐゴシック" pitchFamily="-112" charset="-128"/>
+                <a:ea typeface="MS PGothic" panose="020B0600070205080204" pitchFamily="34" charset="-128"/>
               </a:rPr>
               <a:t>Correcting user queries to retrieve “right” answers</a:t>
             </a:r>
+            <a:endParaRPr lang="en-US" altLang="en-US" smtClean="0">
+              <a:ea typeface="MS PGothic" panose="020B0600070205080204" pitchFamily="34" charset="-128"/>
+            </a:endParaRPr>
           </a:p>
           <a:p>
             <a:pPr eaLnBrk="1" hangingPunct="1"/>
             <a:r>
               <a:rPr lang="en-US" altLang="en-US" smtClean="0">
-                <a:ea typeface="ＭＳ Ｐゴシック" pitchFamily="-112" charset="-128"/>
+                <a:ea typeface="MS PGothic" panose="020B0600070205080204" pitchFamily="34" charset="-128"/>
               </a:rPr>
               <a:t>Two main forms:</a:t>
             </a:r>
+            <a:endParaRPr lang="en-US" altLang="en-US" smtClean="0">
+              <a:ea typeface="MS PGothic" panose="020B0600070205080204" pitchFamily="34" charset="-128"/>
+            </a:endParaRPr>
           </a:p>
           <a:p>
             <a:pPr lvl="1" eaLnBrk="1" hangingPunct="1"/>
             <a:r>
               <a:rPr lang="en-US" altLang="en-US" smtClean="0">
-                <a:ea typeface="ＭＳ Ｐゴシック" pitchFamily="-112" charset="-128"/>
+                <a:ea typeface="MS PGothic" panose="020B0600070205080204" pitchFamily="34" charset="-128"/>
               </a:rPr>
               <a:t>Isolated word</a:t>
             </a:r>
+            <a:endParaRPr lang="en-US" altLang="en-US" smtClean="0">
+              <a:ea typeface="MS PGothic" panose="020B0600070205080204" pitchFamily="34" charset="-128"/>
+            </a:endParaRPr>
           </a:p>
           <a:p>
             <a:pPr lvl="2" eaLnBrk="1" hangingPunct="1"/>
             <a:r>
               <a:rPr lang="en-US" altLang="en-US" smtClean="0">
-                <a:ea typeface="ＭＳ Ｐゴシック" pitchFamily="-112" charset="-128"/>
+                <a:ea typeface="MS PGothic" panose="020B0600070205080204" pitchFamily="34" charset="-128"/>
               </a:rPr>
               <a:t>Check each word on its own for misspelling</a:t>
             </a:r>
+            <a:endParaRPr lang="en-US" altLang="en-US" smtClean="0">
+              <a:ea typeface="MS PGothic" panose="020B0600070205080204" pitchFamily="34" charset="-128"/>
+            </a:endParaRPr>
           </a:p>
           <a:p>
             <a:pPr lvl="2" eaLnBrk="1" hangingPunct="1"/>
             <a:r>
               <a:rPr lang="en-US" altLang="en-US" smtClean="0">
-                <a:ea typeface="ＭＳ Ｐゴシック" pitchFamily="-112" charset="-128"/>
+                <a:ea typeface="MS PGothic" panose="020B0600070205080204" pitchFamily="34" charset="-128"/>
               </a:rPr>
               <a:t>Will not catch typos resulting in correctly spelled words</a:t>
             </a:r>
+            <a:endParaRPr lang="en-US" altLang="en-US" smtClean="0">
+              <a:ea typeface="MS PGothic" panose="020B0600070205080204" pitchFamily="34" charset="-128"/>
+            </a:endParaRPr>
           </a:p>
           <a:p>
             <a:pPr lvl="2" eaLnBrk="1" hangingPunct="1"/>
             <a:r>
               <a:rPr lang="en-US" altLang="en-US" smtClean="0">
-                <a:ea typeface="ＭＳ Ｐゴシック" pitchFamily="-112" charset="-128"/>
+                <a:ea typeface="MS PGothic" panose="020B0600070205080204" pitchFamily="34" charset="-128"/>
               </a:rPr>
               <a:t> e.g., </a:t>
             </a:r>
             <a:r>
               <a:rPr lang="en-US" altLang="en-US" b="1" i="1" smtClean="0">
-                <a:ea typeface="ＭＳ Ｐゴシック" pitchFamily="-112" charset="-128"/>
+                <a:ea typeface="MS PGothic" panose="020B0600070205080204" pitchFamily="34" charset="-128"/>
               </a:rPr>
               <a:t>from </a:t>
             </a:r>
             <a:r>
               <a:rPr lang="en-US" altLang="en-US" b="1" i="1" smtClean="0">
-                <a:ea typeface="ＭＳ Ｐゴシック" pitchFamily="-112" charset="-128"/>
-                <a:sym typeface="Symbol" pitchFamily="-112" charset="2"/>
+                <a:ea typeface="MS PGothic" panose="020B0600070205080204" pitchFamily="34" charset="-128"/>
+                <a:sym typeface="Symbol" panose="05050102010706020507" pitchFamily="-112" charset="2"/>
               </a:rPr>
               <a:t></a:t>
             </a:r>
             <a:r>
               <a:rPr lang="en-US" altLang="en-US" b="1" i="1" smtClean="0">
-                <a:ea typeface="ＭＳ Ｐゴシック" pitchFamily="-112" charset="-128"/>
+                <a:ea typeface="MS PGothic" panose="020B0600070205080204" pitchFamily="34" charset="-128"/>
               </a:rPr>
               <a:t> form</a:t>
             </a:r>
+            <a:endParaRPr lang="en-US" altLang="en-US" b="1" i="1" smtClean="0">
+              <a:ea typeface="MS PGothic" panose="020B0600070205080204" pitchFamily="34" charset="-128"/>
+            </a:endParaRPr>
           </a:p>
           <a:p>
             <a:pPr lvl="1" eaLnBrk="1" hangingPunct="1"/>
             <a:r>
               <a:rPr lang="en-US" altLang="en-US" smtClean="0">
-                <a:ea typeface="ＭＳ Ｐゴシック" pitchFamily="-112" charset="-128"/>
+                <a:ea typeface="MS PGothic" panose="020B0600070205080204" pitchFamily="34" charset="-128"/>
               </a:rPr>
               <a:t>Context-sensitive(phrase check)</a:t>
             </a:r>
+            <a:endParaRPr lang="en-US" altLang="en-US" smtClean="0">
+              <a:ea typeface="MS PGothic" panose="020B0600070205080204" pitchFamily="34" charset="-128"/>
+            </a:endParaRPr>
           </a:p>
           <a:p>
             <a:pPr lvl="2" eaLnBrk="1" hangingPunct="1"/>
             <a:r>
               <a:rPr lang="en-US" altLang="en-US" smtClean="0">
-                <a:ea typeface="ＭＳ Ｐゴシック" pitchFamily="-112" charset="-128"/>
+                <a:ea typeface="MS PGothic" panose="020B0600070205080204" pitchFamily="34" charset="-128"/>
               </a:rPr>
               <a:t>Look at surrounding words, </a:t>
             </a:r>
+            <a:endParaRPr lang="en-US" altLang="en-US" smtClean="0">
+              <a:ea typeface="MS PGothic" panose="020B0600070205080204" pitchFamily="34" charset="-128"/>
+            </a:endParaRPr>
           </a:p>
           <a:p>
             <a:pPr lvl="2" eaLnBrk="1" hangingPunct="1"/>
             <a:r>
               <a:rPr lang="en-US" altLang="en-US" smtClean="0">
-                <a:ea typeface="ＭＳ Ｐゴシック" pitchFamily="-112" charset="-128"/>
+                <a:ea typeface="MS PGothic" panose="020B0600070205080204" pitchFamily="34" charset="-128"/>
               </a:rPr>
               <a:t>e.g., </a:t>
             </a:r>
             <a:r>
               <a:rPr lang="en-US" altLang="en-US" b="1" i="1" smtClean="0">
-                <a:ea typeface="ＭＳ Ｐゴシック" pitchFamily="-112" charset="-128"/>
+                <a:ea typeface="MS PGothic" panose="020B0600070205080204" pitchFamily="34" charset="-128"/>
               </a:rPr>
               <a:t>I flew </a:t>
             </a:r>
             <a:r>
               <a:rPr lang="en-US" altLang="en-US" b="1" i="1" u="sng" smtClean="0">
-                <a:ea typeface="ＭＳ Ｐゴシック" pitchFamily="-112" charset="-128"/>
+                <a:ea typeface="MS PGothic" panose="020B0600070205080204" pitchFamily="34" charset="-128"/>
               </a:rPr>
               <a:t>form</a:t>
             </a:r>
             <a:r>
               <a:rPr lang="en-US" altLang="en-US" b="1" i="1" smtClean="0">
-                <a:ea typeface="ＭＳ Ｐゴシック" pitchFamily="-112" charset="-128"/>
+                <a:ea typeface="MS PGothic" panose="020B0600070205080204" pitchFamily="34" charset="-128"/>
               </a:rPr>
               <a:t> Heathrow to Narita.</a:t>
             </a:r>
+            <a:endParaRPr lang="en-US" altLang="en-US" b="1" i="1" smtClean="0">
+              <a:ea typeface="MS PGothic" panose="020B0600070205080204" pitchFamily="34" charset="-128"/>
+            </a:endParaRPr>
           </a:p>
         </p:txBody>
       </p:sp>
@@ -11107,8 +11371,6 @@
           <a:ln w="9525">
             <a:noFill/>
             <a:miter lim="800000"/>
-            <a:headEnd/>
-            <a:tailEnd/>
           </a:ln>
         </p:spPr>
         <p:txBody>
@@ -11123,10 +11385,16 @@
                 <a:solidFill>
                   <a:srgbClr val="FBFCFF"/>
                 </a:solidFill>
-                <a:ea typeface="ＭＳ Ｐゴシック" pitchFamily="-112" charset="-128"/>
+                <a:ea typeface="MS PGothic" panose="020B0600070205080204" pitchFamily="34" charset="-128"/>
               </a:rPr>
               <a:t>Sec. 3.3</a:t>
             </a:r>
+            <a:endParaRPr lang="en-US" altLang="en-US" sz="1600">
+              <a:solidFill>
+                <a:srgbClr val="FBFCFF"/>
+              </a:solidFill>
+              <a:ea typeface="MS PGothic" panose="020B0600070205080204" pitchFamily="34" charset="-128"/>
+            </a:endParaRPr>
           </a:p>
         </p:txBody>
       </p:sp>
@@ -11144,8 +11412,6 @@
           <a:noFill/>
           <a:ln>
             <a:miter lim="800000"/>
-            <a:headEnd/>
-            <a:tailEnd/>
           </a:ln>
         </p:spPr>
         <p:txBody>
@@ -11154,13 +11420,11 @@
           <a:p>
             <a:fld id="{4C1FFAC2-3F92-4188-9A54-110DF66E13FA}" type="slidenum">
               <a:rPr lang="en-US" altLang="en-US">
-                <a:ea typeface="ＭＳ Ｐゴシック" pitchFamily="-112" charset="-128"/>
-              </a:rPr>
-              <a:pPr/>
-              <a:t>2</a:t>
+                <a:ea typeface="MS PGothic" panose="020B0600070205080204" pitchFamily="34" charset="-128"/>
+              </a:rPr>
             </a:fld>
             <a:endParaRPr lang="en-US" altLang="en-US">
-              <a:ea typeface="ＭＳ Ｐゴシック" pitchFamily="-112" charset="-128"/>
+              <a:ea typeface="MS PGothic" panose="020B0600070205080204" pitchFamily="34" charset="-128"/>
             </a:endParaRPr>
           </a:p>
         </p:txBody>
@@ -11179,13 +11443,13 @@
               <p:cTn id="2" dur="indefinite" nodeType="mainSeq">
                 <p:childTnLst>
                   <p:par>
-                    <p:cTn id="3" fill="hold" nodeType="clickPar">
+                    <p:cTn id="3" fill="hold">
                       <p:stCondLst>
                         <p:cond delay="indefinite"/>
                       </p:stCondLst>
                       <p:childTnLst>
                         <p:par>
-                          <p:cTn id="4" fill="hold" nodeType="withGroup">
+                          <p:cTn id="4" fill="hold">
                             <p:stCondLst>
                               <p:cond delay="0"/>
                             </p:stCondLst>
@@ -11466,7 +11730,7 @@
       </p:par>
     </p:tnLst>
     <p:bldLst>
-      <p:bldP spid="1274883" grpId="0" build="p" autoUpdateAnimBg="0"/>
+      <p:bldP spid="1274883" grpId="0" autoUpdateAnimBg="0" build="p"/>
     </p:bldLst>
   </p:timing>
 </p:sld>
@@ -11507,10 +11771,13 @@
             <a:pPr eaLnBrk="1" hangingPunct="1"/>
             <a:r>
               <a:rPr lang="en-US" altLang="en-US" smtClean="0">
-                <a:ea typeface="ＭＳ Ｐゴシック" pitchFamily="-112" charset="-128"/>
+                <a:ea typeface="MS PGothic" panose="020B0600070205080204" pitchFamily="34" charset="-128"/>
               </a:rPr>
               <a:t>Another approach</a:t>
             </a:r>
+            <a:endParaRPr lang="en-US" altLang="en-US" smtClean="0">
+              <a:ea typeface="MS PGothic" panose="020B0600070205080204" pitchFamily="34" charset="-128"/>
+            </a:endParaRPr>
           </a:p>
         </p:txBody>
       </p:sp>
@@ -11532,28 +11799,37 @@
             <a:pPr eaLnBrk="1" hangingPunct="1"/>
             <a:r>
               <a:rPr lang="en-US" altLang="en-US" smtClean="0">
-                <a:ea typeface="ＭＳ Ｐゴシック" pitchFamily="-112" charset="-128"/>
+                <a:ea typeface="MS PGothic" panose="020B0600070205080204" pitchFamily="34" charset="-128"/>
               </a:rPr>
               <a:t>Break phrase query into a conjunction of biwords .</a:t>
             </a:r>
+            <a:endParaRPr lang="en-US" altLang="en-US" smtClean="0">
+              <a:ea typeface="MS PGothic" panose="020B0600070205080204" pitchFamily="34" charset="-128"/>
+            </a:endParaRPr>
           </a:p>
           <a:p>
             <a:pPr eaLnBrk="1" hangingPunct="1"/>
             <a:r>
               <a:rPr lang="en-US" altLang="en-US" smtClean="0">
-                <a:ea typeface="ＭＳ Ｐゴシック" pitchFamily="-112" charset="-128"/>
+                <a:ea typeface="MS PGothic" panose="020B0600070205080204" pitchFamily="34" charset="-128"/>
               </a:rPr>
               <a:t>Look for biwords that need only one term corrected.</a:t>
             </a:r>
+            <a:endParaRPr lang="en-US" altLang="en-US" smtClean="0">
+              <a:ea typeface="MS PGothic" panose="020B0600070205080204" pitchFamily="34" charset="-128"/>
+            </a:endParaRPr>
           </a:p>
           <a:p>
             <a:pPr eaLnBrk="1" hangingPunct="1"/>
             <a:r>
               <a:rPr lang="en-US" altLang="en-US" smtClean="0">
-                <a:ea typeface="ＭＳ Ｐゴシック" pitchFamily="-112" charset="-128"/>
+                <a:ea typeface="MS PGothic" panose="020B0600070205080204" pitchFamily="34" charset="-128"/>
               </a:rPr>
               <a:t>Enumerate only phrases containing “common” biwords.</a:t>
             </a:r>
+            <a:endParaRPr lang="en-US" altLang="en-US" smtClean="0">
+              <a:ea typeface="MS PGothic" panose="020B0600070205080204" pitchFamily="34" charset="-128"/>
+            </a:endParaRPr>
           </a:p>
         </p:txBody>
       </p:sp>
@@ -11577,8 +11853,6 @@
           <a:ln w="9525">
             <a:noFill/>
             <a:miter lim="800000"/>
-            <a:headEnd/>
-            <a:tailEnd/>
           </a:ln>
         </p:spPr>
         <p:txBody>
@@ -11593,10 +11867,16 @@
                 <a:solidFill>
                   <a:srgbClr val="FBFCFF"/>
                 </a:solidFill>
-                <a:ea typeface="ＭＳ Ｐゴシック" pitchFamily="-112" charset="-128"/>
+                <a:ea typeface="MS PGothic" panose="020B0600070205080204" pitchFamily="34" charset="-128"/>
               </a:rPr>
               <a:t>Sec. 3.3.5</a:t>
             </a:r>
+            <a:endParaRPr lang="en-US" altLang="en-US" sz="1600">
+              <a:solidFill>
+                <a:srgbClr val="FBFCFF"/>
+              </a:solidFill>
+              <a:ea typeface="MS PGothic" panose="020B0600070205080204" pitchFamily="34" charset="-128"/>
+            </a:endParaRPr>
           </a:p>
         </p:txBody>
       </p:sp>
@@ -11614,8 +11894,6 @@
           <a:noFill/>
           <a:ln>
             <a:miter lim="800000"/>
-            <a:headEnd/>
-            <a:tailEnd/>
           </a:ln>
         </p:spPr>
         <p:txBody>
@@ -11624,13 +11902,11 @@
           <a:p>
             <a:fld id="{38D1D426-AA14-4655-AD3C-90771CA4D917}" type="slidenum">
               <a:rPr lang="en-US" altLang="en-US">
-                <a:ea typeface="ＭＳ Ｐゴシック" pitchFamily="-112" charset="-128"/>
-              </a:rPr>
-              <a:pPr/>
-              <a:t>20</a:t>
+                <a:ea typeface="MS PGothic" panose="020B0600070205080204" pitchFamily="34" charset="-128"/>
+              </a:rPr>
             </a:fld>
             <a:endParaRPr lang="en-US" altLang="en-US">
-              <a:ea typeface="ＭＳ Ｐゴシック" pitchFamily="-112" charset="-128"/>
+              <a:ea typeface="MS PGothic" panose="020B0600070205080204" pitchFamily="34" charset="-128"/>
             </a:endParaRPr>
           </a:p>
         </p:txBody>
@@ -11687,10 +11963,13 @@
             </a:pPr>
             <a:r>
               <a:rPr lang="en-US" smtClean="0">
-                <a:ea typeface="ＭＳ Ｐゴシック" pitchFamily="34" charset="-128"/>
+                <a:ea typeface="MS PGothic" panose="020B0600070205080204" pitchFamily="34" charset="-128"/>
               </a:rPr>
               <a:t>Soundex</a:t>
             </a:r>
+            <a:endParaRPr lang="en-US" smtClean="0">
+              <a:ea typeface="MS PGothic" panose="020B0600070205080204" pitchFamily="34" charset="-128"/>
+            </a:endParaRPr>
           </a:p>
         </p:txBody>
       </p:sp>
@@ -11732,8 +12011,6 @@
           <a:noFill/>
           <a:ln>
             <a:miter lim="800000"/>
-            <a:headEnd/>
-            <a:tailEnd/>
           </a:ln>
         </p:spPr>
         <p:txBody>
@@ -11742,13 +12019,11 @@
           <a:p>
             <a:fld id="{7D64D964-705B-40C6-9384-5E1101C805A4}" type="slidenum">
               <a:rPr lang="en-US" altLang="en-US">
-                <a:ea typeface="ＭＳ Ｐゴシック" pitchFamily="-112" charset="-128"/>
-              </a:rPr>
-              <a:pPr/>
-              <a:t>21</a:t>
+                <a:ea typeface="MS PGothic" panose="020B0600070205080204" pitchFamily="34" charset="-128"/>
+              </a:rPr>
             </a:fld>
             <a:endParaRPr lang="en-US" altLang="en-US">
-              <a:ea typeface="ＭＳ Ｐゴシック" pitchFamily="-112" charset="-128"/>
+              <a:ea typeface="MS PGothic" panose="020B0600070205080204" pitchFamily="34" charset="-128"/>
             </a:endParaRPr>
           </a:p>
         </p:txBody>
@@ -11803,10 +12078,13 @@
             <a:pPr eaLnBrk="1" hangingPunct="1"/>
             <a:r>
               <a:rPr lang="en-US" altLang="en-US" smtClean="0">
-                <a:ea typeface="ＭＳ Ｐゴシック" pitchFamily="-112" charset="-128"/>
+                <a:ea typeface="MS PGothic" panose="020B0600070205080204" pitchFamily="34" charset="-128"/>
               </a:rPr>
               <a:t>Soundex</a:t>
             </a:r>
+            <a:endParaRPr lang="en-US" altLang="en-US" smtClean="0">
+              <a:ea typeface="MS PGothic" panose="020B0600070205080204" pitchFamily="34" charset="-128"/>
+            </a:endParaRPr>
           </a:p>
         </p:txBody>
       </p:sp>
@@ -11828,7 +12106,7 @@
             <a:pPr eaLnBrk="1" hangingPunct="1"/>
             <a:r>
               <a:rPr lang="en-US" altLang="en-US" smtClean="0">
-                <a:ea typeface="ＭＳ Ｐゴシック" pitchFamily="-112" charset="-128"/>
+                <a:ea typeface="MS PGothic" panose="020B0600070205080204" pitchFamily="34" charset="-128"/>
               </a:rPr>
               <a:t>Class of heuristics to expand a query into </a:t>
             </a:r>
@@ -11837,72 +12115,82 @@
                 <a:solidFill>
                   <a:srgbClr val="00A000"/>
                 </a:solidFill>
-                <a:ea typeface="ＭＳ Ｐゴシック" pitchFamily="-112" charset="-128"/>
+                <a:ea typeface="MS PGothic" panose="020B0600070205080204" pitchFamily="34" charset="-128"/>
               </a:rPr>
               <a:t>phonetic</a:t>
             </a:r>
             <a:r>
               <a:rPr lang="en-US" altLang="en-US" smtClean="0">
-                <a:ea typeface="ＭＳ Ｐゴシック" pitchFamily="-112" charset="-128"/>
+                <a:ea typeface="MS PGothic" panose="020B0600070205080204" pitchFamily="34" charset="-128"/>
               </a:rPr>
               <a:t> equivalents</a:t>
             </a:r>
+            <a:endParaRPr lang="en-US" altLang="en-US" smtClean="0">
+              <a:ea typeface="MS PGothic" panose="020B0600070205080204" pitchFamily="34" charset="-128"/>
+            </a:endParaRPr>
           </a:p>
           <a:p>
             <a:pPr lvl="1" eaLnBrk="1" hangingPunct="1"/>
             <a:r>
               <a:rPr lang="en-US" altLang="en-US" smtClean="0">
-                <a:ea typeface="ＭＳ Ｐゴシック" pitchFamily="-112" charset="-128"/>
+                <a:ea typeface="MS PGothic" panose="020B0600070205080204" pitchFamily="34" charset="-128"/>
               </a:rPr>
               <a:t>Language specific – mainly for names</a:t>
             </a:r>
+            <a:endParaRPr lang="en-US" altLang="en-US" smtClean="0">
+              <a:ea typeface="MS PGothic" panose="020B0600070205080204" pitchFamily="34" charset="-128"/>
+            </a:endParaRPr>
           </a:p>
           <a:p>
             <a:pPr lvl="1" eaLnBrk="1" hangingPunct="1"/>
             <a:r>
               <a:rPr lang="en-US" altLang="en-US" smtClean="0">
-                <a:ea typeface="ＭＳ Ｐゴシック" pitchFamily="-112" charset="-128"/>
+                <a:ea typeface="MS PGothic" panose="020B0600070205080204" pitchFamily="34" charset="-128"/>
               </a:rPr>
               <a:t>E.g., </a:t>
             </a:r>
             <a:r>
               <a:rPr lang="en-US" altLang="en-US" b="1" i="1" smtClean="0">
-                <a:ea typeface="ＭＳ Ｐゴシック" pitchFamily="-112" charset="-128"/>
+                <a:ea typeface="MS PGothic" panose="020B0600070205080204" pitchFamily="34" charset="-128"/>
               </a:rPr>
               <a:t>chebyshev</a:t>
             </a:r>
             <a:r>
               <a:rPr lang="en-US" altLang="en-US" smtClean="0">
-                <a:ea typeface="ＭＳ Ｐゴシック" pitchFamily="-112" charset="-128"/>
+                <a:ea typeface="MS PGothic" panose="020B0600070205080204" pitchFamily="34" charset="-128"/>
               </a:rPr>
               <a:t> </a:t>
             </a:r>
             <a:r>
               <a:rPr lang="en-US" altLang="en-US" smtClean="0">
-                <a:ea typeface="ＭＳ Ｐゴシック" pitchFamily="-112" charset="-128"/>
-                <a:sym typeface="Symbol" pitchFamily="-112" charset="2"/>
+                <a:ea typeface="MS PGothic" panose="020B0600070205080204" pitchFamily="34" charset="-128"/>
+                <a:sym typeface="Symbol" panose="05050102010706020507" pitchFamily="-112" charset="2"/>
               </a:rPr>
               <a:t> </a:t>
             </a:r>
             <a:r>
               <a:rPr lang="en-US" altLang="en-US" b="1" i="1" smtClean="0">
-                <a:ea typeface="ＭＳ Ｐゴシック" pitchFamily="-112" charset="-128"/>
-                <a:sym typeface="Symbol" pitchFamily="-112" charset="2"/>
+                <a:ea typeface="MS PGothic" panose="020B0600070205080204" pitchFamily="34" charset="-128"/>
+                <a:sym typeface="Symbol" panose="05050102010706020507" pitchFamily="-112" charset="2"/>
               </a:rPr>
               <a:t>tchebycheff</a:t>
             </a:r>
+            <a:endParaRPr lang="en-US" altLang="en-US" b="1" i="1" smtClean="0">
+              <a:ea typeface="MS PGothic" panose="020B0600070205080204" pitchFamily="34" charset="-128"/>
+              <a:sym typeface="Symbol" panose="05050102010706020507" pitchFamily="-112" charset="2"/>
+            </a:endParaRPr>
           </a:p>
           <a:p>
             <a:pPr eaLnBrk="1" hangingPunct="1"/>
             <a:r>
               <a:rPr lang="en-US" altLang="en-US" smtClean="0">
-                <a:ea typeface="ＭＳ Ｐゴシック" pitchFamily="-112" charset="-128"/>
-                <a:sym typeface="Symbol" pitchFamily="-112" charset="2"/>
+                <a:ea typeface="MS PGothic" panose="020B0600070205080204" pitchFamily="34" charset="-128"/>
+                <a:sym typeface="Symbol" panose="05050102010706020507" pitchFamily="-112" charset="2"/>
               </a:rPr>
               <a:t>Invented for the U.S. census … in 1918</a:t>
             </a:r>
             <a:endParaRPr lang="en-US" altLang="en-US" smtClean="0">
-              <a:ea typeface="ＭＳ Ｐゴシック" pitchFamily="-112" charset="-128"/>
+              <a:ea typeface="MS PGothic" panose="020B0600070205080204" pitchFamily="34" charset="-128"/>
             </a:endParaRPr>
           </a:p>
         </p:txBody>
@@ -11927,8 +12215,6 @@
           <a:ln w="9525">
             <a:noFill/>
             <a:miter lim="800000"/>
-            <a:headEnd/>
-            <a:tailEnd/>
           </a:ln>
         </p:spPr>
         <p:txBody>
@@ -11943,10 +12229,16 @@
                 <a:solidFill>
                   <a:srgbClr val="FBFCFF"/>
                 </a:solidFill>
-                <a:ea typeface="ＭＳ Ｐゴシック" pitchFamily="-112" charset="-128"/>
+                <a:ea typeface="MS PGothic" panose="020B0600070205080204" pitchFamily="34" charset="-128"/>
               </a:rPr>
               <a:t>Sec. 3.4</a:t>
             </a:r>
+            <a:endParaRPr lang="en-US" altLang="en-US" sz="1600">
+              <a:solidFill>
+                <a:srgbClr val="FBFCFF"/>
+              </a:solidFill>
+              <a:ea typeface="MS PGothic" panose="020B0600070205080204" pitchFamily="34" charset="-128"/>
+            </a:endParaRPr>
           </a:p>
         </p:txBody>
       </p:sp>
@@ -11964,8 +12256,6 @@
           <a:noFill/>
           <a:ln>
             <a:miter lim="800000"/>
-            <a:headEnd/>
-            <a:tailEnd/>
           </a:ln>
         </p:spPr>
         <p:txBody>
@@ -11974,13 +12264,11 @@
           <a:p>
             <a:fld id="{C5A1AB39-89F4-4999-B115-7801F1F55981}" type="slidenum">
               <a:rPr lang="en-US" altLang="en-US">
-                <a:ea typeface="ＭＳ Ｐゴシック" pitchFamily="-112" charset="-128"/>
-              </a:rPr>
-              <a:pPr/>
-              <a:t>22</a:t>
+                <a:ea typeface="MS PGothic" panose="020B0600070205080204" pitchFamily="34" charset="-128"/>
+              </a:rPr>
             </a:fld>
             <a:endParaRPr lang="en-US" altLang="en-US">
-              <a:ea typeface="ＭＳ Ｐゴシック" pitchFamily="-112" charset="-128"/>
+              <a:ea typeface="MS PGothic" panose="020B0600070205080204" pitchFamily="34" charset="-128"/>
             </a:endParaRPr>
           </a:p>
         </p:txBody>
@@ -12035,10 +12323,13 @@
             <a:pPr eaLnBrk="1" hangingPunct="1"/>
             <a:r>
               <a:rPr lang="en-US" altLang="en-US" smtClean="0">
-                <a:ea typeface="ＭＳ Ｐゴシック" pitchFamily="-112" charset="-128"/>
+                <a:ea typeface="MS PGothic" panose="020B0600070205080204" pitchFamily="34" charset="-128"/>
               </a:rPr>
               <a:t>Soundex – typical algorithm</a:t>
             </a:r>
+            <a:endParaRPr lang="en-US" altLang="en-US" smtClean="0">
+              <a:ea typeface="MS PGothic" panose="020B0600070205080204" pitchFamily="34" charset="-128"/>
+            </a:endParaRPr>
           </a:p>
         </p:txBody>
       </p:sp>
@@ -12060,57 +12351,69 @@
             <a:pPr eaLnBrk="1" hangingPunct="1"/>
             <a:r>
               <a:rPr lang="en-US" altLang="en-US" smtClean="0">
-                <a:ea typeface="ＭＳ Ｐゴシック" pitchFamily="-112" charset="-128"/>
+                <a:ea typeface="MS PGothic" panose="020B0600070205080204" pitchFamily="34" charset="-128"/>
               </a:rPr>
               <a:t>Turn every token to be indexed into a 4-character reduced form</a:t>
             </a:r>
+            <a:endParaRPr lang="en-US" altLang="en-US" smtClean="0">
+              <a:ea typeface="MS PGothic" panose="020B0600070205080204" pitchFamily="34" charset="-128"/>
+            </a:endParaRPr>
           </a:p>
           <a:p>
             <a:pPr eaLnBrk="1" hangingPunct="1"/>
             <a:r>
               <a:rPr lang="en-US" altLang="en-US" smtClean="0">
-                <a:ea typeface="ＭＳ Ｐゴシック" pitchFamily="-112" charset="-128"/>
+                <a:ea typeface="MS PGothic" panose="020B0600070205080204" pitchFamily="34" charset="-128"/>
               </a:rPr>
               <a:t>Do the same with query terms</a:t>
             </a:r>
+            <a:endParaRPr lang="en-US" altLang="en-US" smtClean="0">
+              <a:ea typeface="MS PGothic" panose="020B0600070205080204" pitchFamily="34" charset="-128"/>
+            </a:endParaRPr>
           </a:p>
           <a:p>
             <a:pPr eaLnBrk="1" hangingPunct="1"/>
             <a:r>
               <a:rPr lang="en-US" altLang="en-US" smtClean="0">
-                <a:ea typeface="ＭＳ Ｐゴシック" pitchFamily="-112" charset="-128"/>
+                <a:ea typeface="MS PGothic" panose="020B0600070205080204" pitchFamily="34" charset="-128"/>
               </a:rPr>
               <a:t>Build an </a:t>
             </a:r>
             <a:r>
               <a:rPr lang="en-US" altLang="en-US" u="sng" smtClean="0">
-                <a:ea typeface="ＭＳ Ｐゴシック" pitchFamily="-112" charset="-128"/>
+                <a:ea typeface="MS PGothic" panose="020B0600070205080204" pitchFamily="34" charset="-128"/>
               </a:rPr>
               <a:t>soundex index </a:t>
             </a:r>
             <a:r>
               <a:rPr lang="en-US" altLang="en-US" smtClean="0">
-                <a:ea typeface="ＭＳ Ｐゴシック" pitchFamily="-112" charset="-128"/>
+                <a:ea typeface="MS PGothic" panose="020B0600070205080204" pitchFamily="34" charset="-128"/>
               </a:rPr>
               <a:t>on the reduced forms</a:t>
             </a:r>
+            <a:endParaRPr lang="en-US" altLang="en-US" smtClean="0">
+              <a:ea typeface="MS PGothic" panose="020B0600070205080204" pitchFamily="34" charset="-128"/>
+            </a:endParaRPr>
           </a:p>
           <a:p>
             <a:pPr lvl="1" eaLnBrk="1" hangingPunct="1"/>
             <a:r>
               <a:rPr lang="en-US" altLang="en-US" smtClean="0">
-                <a:ea typeface="ＭＳ Ｐゴシック" pitchFamily="-112" charset="-128"/>
+                <a:ea typeface="MS PGothic" panose="020B0600070205080204" pitchFamily="34" charset="-128"/>
               </a:rPr>
               <a:t>(when the query calls for a soundex match, search soundex index)</a:t>
             </a:r>
+            <a:endParaRPr lang="en-US" altLang="en-US" smtClean="0">
+              <a:ea typeface="MS PGothic" panose="020B0600070205080204" pitchFamily="34" charset="-128"/>
+            </a:endParaRPr>
           </a:p>
           <a:p>
             <a:pPr eaLnBrk="1" hangingPunct="1">
-              <a:buFont typeface="Wingdings" pitchFamily="-112" charset="2"/>
+              <a:buFont typeface="Wingdings" panose="05000000000000000000" pitchFamily="2" charset="2"/>
               <a:buNone/>
             </a:pPr>
             <a:endParaRPr lang="en-US" altLang="en-US" smtClean="0">
-              <a:ea typeface="ＭＳ Ｐゴシック" pitchFamily="-112" charset="-128"/>
+              <a:ea typeface="MS PGothic" panose="020B0600070205080204" pitchFamily="34" charset="-128"/>
             </a:endParaRPr>
           </a:p>
         </p:txBody>
@@ -12135,8 +12438,6 @@
           <a:ln w="9525">
             <a:noFill/>
             <a:miter lim="800000"/>
-            <a:headEnd/>
-            <a:tailEnd/>
           </a:ln>
         </p:spPr>
         <p:txBody>
@@ -12151,10 +12452,16 @@
                 <a:solidFill>
                   <a:srgbClr val="FBFCFF"/>
                 </a:solidFill>
-                <a:ea typeface="ＭＳ Ｐゴシック" pitchFamily="-112" charset="-128"/>
+                <a:ea typeface="MS PGothic" panose="020B0600070205080204" pitchFamily="34" charset="-128"/>
               </a:rPr>
               <a:t>Sec. 3.4</a:t>
             </a:r>
+            <a:endParaRPr lang="en-US" altLang="en-US" sz="1600">
+              <a:solidFill>
+                <a:srgbClr val="FBFCFF"/>
+              </a:solidFill>
+              <a:ea typeface="MS PGothic" panose="020B0600070205080204" pitchFamily="34" charset="-128"/>
+            </a:endParaRPr>
           </a:p>
         </p:txBody>
       </p:sp>
@@ -12172,8 +12479,6 @@
           <a:noFill/>
           <a:ln>
             <a:miter lim="800000"/>
-            <a:headEnd/>
-            <a:tailEnd/>
           </a:ln>
         </p:spPr>
         <p:txBody>
@@ -12182,13 +12487,11 @@
           <a:p>
             <a:fld id="{4B0C4BAD-572C-4389-863C-B8222F53912A}" type="slidenum">
               <a:rPr lang="en-US" altLang="en-US">
-                <a:ea typeface="ＭＳ Ｐゴシック" pitchFamily="-112" charset="-128"/>
-              </a:rPr>
-              <a:pPr/>
-              <a:t>23</a:t>
+                <a:ea typeface="MS PGothic" panose="020B0600070205080204" pitchFamily="34" charset="-128"/>
+              </a:rPr>
             </a:fld>
             <a:endParaRPr lang="en-US" altLang="en-US">
-              <a:ea typeface="ＭＳ Ｐゴシック" pitchFamily="-112" charset="-128"/>
+              <a:ea typeface="MS PGothic" panose="020B0600070205080204" pitchFamily="34" charset="-128"/>
             </a:endParaRPr>
           </a:p>
         </p:txBody>
@@ -12243,10 +12546,13 @@
             <a:pPr eaLnBrk="1" hangingPunct="1"/>
             <a:r>
               <a:rPr lang="en-US" altLang="en-US" smtClean="0">
-                <a:ea typeface="ＭＳ Ｐゴシック" pitchFamily="-112" charset="-128"/>
+                <a:ea typeface="MS PGothic" panose="020B0600070205080204" pitchFamily="34" charset="-128"/>
               </a:rPr>
               <a:t>Soundex – typical algorithm</a:t>
             </a:r>
+            <a:endParaRPr lang="en-US" altLang="en-US" smtClean="0">
+              <a:ea typeface="MS PGothic" panose="020B0600070205080204" pitchFamily="34" charset="-128"/>
+            </a:endParaRPr>
           </a:p>
         </p:txBody>
       </p:sp>
@@ -12269,56 +12575,65 @@
               <a:lnSpc>
                 <a:spcPct val="90000"/>
               </a:lnSpc>
-              <a:buFont typeface="Wingdings" pitchFamily="-112" charset="2"/>
+              <a:buFont typeface="Wingdings" panose="05000000000000000000" pitchFamily="2" charset="2"/>
               <a:buAutoNum type="arabicPeriod"/>
             </a:pPr>
             <a:r>
               <a:rPr lang="en-US" altLang="en-US" smtClean="0">
-                <a:ea typeface="ＭＳ Ｐゴシック" pitchFamily="-112" charset="-128"/>
+                <a:ea typeface="MS PGothic" panose="020B0600070205080204" pitchFamily="34" charset="-128"/>
               </a:rPr>
               <a:t>Retain the first letter of the word. </a:t>
             </a:r>
+            <a:endParaRPr lang="en-US" altLang="en-US" smtClean="0">
+              <a:ea typeface="MS PGothic" panose="020B0600070205080204" pitchFamily="34" charset="-128"/>
+            </a:endParaRPr>
           </a:p>
           <a:p>
             <a:pPr marL="495300" indent="-495300" eaLnBrk="1" hangingPunct="1">
               <a:lnSpc>
                 <a:spcPct val="90000"/>
               </a:lnSpc>
-              <a:buFont typeface="Wingdings" pitchFamily="-112" charset="2"/>
+              <a:buFont typeface="Wingdings" panose="05000000000000000000" pitchFamily="2" charset="2"/>
               <a:buAutoNum type="arabicPeriod"/>
             </a:pPr>
             <a:r>
               <a:rPr lang="en-US" altLang="en-US" smtClean="0">
-                <a:ea typeface="ＭＳ Ｐゴシック" pitchFamily="-112" charset="-128"/>
+                <a:ea typeface="MS PGothic" panose="020B0600070205080204" pitchFamily="34" charset="-128"/>
               </a:rPr>
               <a:t>Change all occurrences of the following letters to '0' (zero):</a:t>
             </a:r>
             <a:br>
               <a:rPr lang="en-US" altLang="en-US" smtClean="0">
-                <a:ea typeface="ＭＳ Ｐゴシック" pitchFamily="-112" charset="-128"/>
+                <a:ea typeface="MS PGothic" panose="020B0600070205080204" pitchFamily="34" charset="-128"/>
               </a:rPr>
             </a:br>
             <a:r>
               <a:rPr lang="en-US" altLang="en-US" smtClean="0">
-                <a:ea typeface="ＭＳ Ｐゴシック" pitchFamily="-112" charset="-128"/>
+                <a:ea typeface="MS PGothic" panose="020B0600070205080204" pitchFamily="34" charset="-128"/>
               </a:rPr>
               <a:t>  'A', E', 'I', 'O', 'U', 'H', 'W', 'Y'. </a:t>
             </a:r>
+            <a:endParaRPr lang="en-US" altLang="en-US" smtClean="0">
+              <a:ea typeface="MS PGothic" panose="020B0600070205080204" pitchFamily="34" charset="-128"/>
+            </a:endParaRPr>
           </a:p>
           <a:p>
             <a:pPr marL="495300" indent="-495300" eaLnBrk="1" hangingPunct="1">
               <a:lnSpc>
                 <a:spcPct val="90000"/>
               </a:lnSpc>
-              <a:buFont typeface="Wingdings" pitchFamily="-112" charset="2"/>
+              <a:buFont typeface="Wingdings" panose="05000000000000000000" pitchFamily="2" charset="2"/>
               <a:buAutoNum type="arabicPeriod"/>
             </a:pPr>
             <a:r>
               <a:rPr lang="en-US" altLang="en-US" smtClean="0">
-                <a:ea typeface="ＭＳ Ｐゴシック" pitchFamily="-112" charset="-128"/>
+                <a:ea typeface="MS PGothic" panose="020B0600070205080204" pitchFamily="34" charset="-128"/>
               </a:rPr>
               <a:t>Change letters to digits as follows: </a:t>
             </a:r>
+            <a:endParaRPr lang="en-US" altLang="en-US" smtClean="0">
+              <a:ea typeface="MS PGothic" panose="020B0600070205080204" pitchFamily="34" charset="-128"/>
+            </a:endParaRPr>
           </a:p>
           <a:p>
             <a:pPr marL="495300" indent="-495300" eaLnBrk="1" hangingPunct="1">
@@ -12328,19 +12643,19 @@
             </a:pPr>
             <a:r>
               <a:rPr lang="en-US" altLang="en-US" smtClean="0">
-                <a:ea typeface="ＭＳ Ｐゴシック" pitchFamily="-112" charset="-128"/>
+                <a:ea typeface="MS PGothic" panose="020B0600070205080204" pitchFamily="34" charset="-128"/>
               </a:rPr>
               <a:t>B, F, P, V </a:t>
             </a:r>
             <a:r>
               <a:rPr lang="en-US" altLang="en-US" smtClean="0">
-                <a:ea typeface="ＭＳ Ｐゴシック" pitchFamily="-112" charset="-128"/>
-                <a:sym typeface="Symbol" pitchFamily="-112" charset="2"/>
+                <a:ea typeface="MS PGothic" panose="020B0600070205080204" pitchFamily="34" charset="-128"/>
+                <a:sym typeface="Symbol" panose="05050102010706020507" pitchFamily="-112" charset="2"/>
               </a:rPr>
               <a:t> 1</a:t>
             </a:r>
             <a:endParaRPr lang="en-US" altLang="en-US" smtClean="0">
-              <a:ea typeface="ＭＳ Ｐゴシック" pitchFamily="-112" charset="-128"/>
+              <a:ea typeface="MS PGothic" panose="020B0600070205080204" pitchFamily="34" charset="-128"/>
             </a:endParaRPr>
           </a:p>
           <a:p>
@@ -12351,19 +12666,19 @@
             </a:pPr>
             <a:r>
               <a:rPr lang="en-US" altLang="en-US" smtClean="0">
-                <a:ea typeface="ＭＳ Ｐゴシック" pitchFamily="-112" charset="-128"/>
+                <a:ea typeface="MS PGothic" panose="020B0600070205080204" pitchFamily="34" charset="-128"/>
               </a:rPr>
               <a:t>C, G, J, K, Q, S, X, Z </a:t>
             </a:r>
             <a:r>
               <a:rPr lang="en-US" altLang="en-US" smtClean="0">
-                <a:ea typeface="ＭＳ Ｐゴシック" pitchFamily="-112" charset="-128"/>
-                <a:sym typeface="Symbol" pitchFamily="-112" charset="2"/>
+                <a:ea typeface="MS PGothic" panose="020B0600070205080204" pitchFamily="34" charset="-128"/>
+                <a:sym typeface="Symbol" panose="05050102010706020507" pitchFamily="-112" charset="2"/>
               </a:rPr>
               <a:t> 2</a:t>
             </a:r>
             <a:endParaRPr lang="en-US" altLang="en-US" smtClean="0">
-              <a:ea typeface="ＭＳ Ｐゴシック" pitchFamily="-112" charset="-128"/>
+              <a:ea typeface="MS PGothic" panose="020B0600070205080204" pitchFamily="34" charset="-128"/>
             </a:endParaRPr>
           </a:p>
           <a:p>
@@ -12374,19 +12689,19 @@
             </a:pPr>
             <a:r>
               <a:rPr lang="en-US" altLang="en-US" smtClean="0">
-                <a:ea typeface="ＭＳ Ｐゴシック" pitchFamily="-112" charset="-128"/>
+                <a:ea typeface="MS PGothic" panose="020B0600070205080204" pitchFamily="34" charset="-128"/>
               </a:rPr>
               <a:t>D,T </a:t>
             </a:r>
             <a:r>
               <a:rPr lang="en-US" altLang="en-US" smtClean="0">
-                <a:ea typeface="ＭＳ Ｐゴシック" pitchFamily="-112" charset="-128"/>
-                <a:sym typeface="Symbol" pitchFamily="-112" charset="2"/>
+                <a:ea typeface="MS PGothic" panose="020B0600070205080204" pitchFamily="34" charset="-128"/>
+                <a:sym typeface="Symbol" panose="05050102010706020507" pitchFamily="-112" charset="2"/>
               </a:rPr>
               <a:t> 3</a:t>
             </a:r>
             <a:endParaRPr lang="en-US" altLang="en-US" smtClean="0">
-              <a:ea typeface="ＭＳ Ｐゴシック" pitchFamily="-112" charset="-128"/>
+              <a:ea typeface="MS PGothic" panose="020B0600070205080204" pitchFamily="34" charset="-128"/>
             </a:endParaRPr>
           </a:p>
           <a:p>
@@ -12397,19 +12712,19 @@
             </a:pPr>
             <a:r>
               <a:rPr lang="en-US" altLang="en-US" smtClean="0">
-                <a:ea typeface="ＭＳ Ｐゴシック" pitchFamily="-112" charset="-128"/>
+                <a:ea typeface="MS PGothic" panose="020B0600070205080204" pitchFamily="34" charset="-128"/>
               </a:rPr>
               <a:t>L </a:t>
             </a:r>
             <a:r>
               <a:rPr lang="en-US" altLang="en-US" smtClean="0">
-                <a:ea typeface="ＭＳ Ｐゴシック" pitchFamily="-112" charset="-128"/>
-                <a:sym typeface="Symbol" pitchFamily="-112" charset="2"/>
+                <a:ea typeface="MS PGothic" panose="020B0600070205080204" pitchFamily="34" charset="-128"/>
+                <a:sym typeface="Symbol" panose="05050102010706020507" pitchFamily="-112" charset="2"/>
               </a:rPr>
               <a:t> 4</a:t>
             </a:r>
             <a:endParaRPr lang="en-US" altLang="en-US" smtClean="0">
-              <a:ea typeface="ＭＳ Ｐゴシック" pitchFamily="-112" charset="-128"/>
+              <a:ea typeface="MS PGothic" panose="020B0600070205080204" pitchFamily="34" charset="-128"/>
             </a:endParaRPr>
           </a:p>
           <a:p>
@@ -12420,19 +12735,19 @@
             </a:pPr>
             <a:r>
               <a:rPr lang="en-US" altLang="en-US" smtClean="0">
-                <a:ea typeface="ＭＳ Ｐゴシック" pitchFamily="-112" charset="-128"/>
+                <a:ea typeface="MS PGothic" panose="020B0600070205080204" pitchFamily="34" charset="-128"/>
               </a:rPr>
               <a:t>M, N </a:t>
             </a:r>
             <a:r>
               <a:rPr lang="en-US" altLang="en-US" smtClean="0">
-                <a:ea typeface="ＭＳ Ｐゴシック" pitchFamily="-112" charset="-128"/>
-                <a:sym typeface="Symbol" pitchFamily="-112" charset="2"/>
+                <a:ea typeface="MS PGothic" panose="020B0600070205080204" pitchFamily="34" charset="-128"/>
+                <a:sym typeface="Symbol" panose="05050102010706020507" pitchFamily="-112" charset="2"/>
               </a:rPr>
               <a:t> 5</a:t>
             </a:r>
             <a:endParaRPr lang="en-US" altLang="en-US" smtClean="0">
-              <a:ea typeface="ＭＳ Ｐゴシック" pitchFamily="-112" charset="-128"/>
+              <a:ea typeface="MS PGothic" panose="020B0600070205080204" pitchFamily="34" charset="-128"/>
             </a:endParaRPr>
           </a:p>
           <a:p>
@@ -12443,17 +12758,21 @@
             </a:pPr>
             <a:r>
               <a:rPr lang="en-US" altLang="en-US" smtClean="0">
-                <a:ea typeface="ＭＳ Ｐゴシック" pitchFamily="-112" charset="-128"/>
+                <a:ea typeface="MS PGothic" panose="020B0600070205080204" pitchFamily="34" charset="-128"/>
               </a:rPr>
               <a:t>R </a:t>
             </a:r>
             <a:r>
               <a:rPr lang="en-US" altLang="en-US" smtClean="0">
-                <a:ea typeface="ＭＳ Ｐゴシック" pitchFamily="-112" charset="-128"/>
-                <a:sym typeface="Symbol" pitchFamily="-112" charset="2"/>
+                <a:ea typeface="MS PGothic" panose="020B0600070205080204" pitchFamily="34" charset="-128"/>
+                <a:sym typeface="Symbol" panose="05050102010706020507" pitchFamily="-112" charset="2"/>
               </a:rPr>
               <a:t> 6</a:t>
             </a:r>
+            <a:endParaRPr lang="en-US" altLang="en-US" smtClean="0">
+              <a:ea typeface="MS PGothic" panose="020B0600070205080204" pitchFamily="34" charset="-128"/>
+              <a:sym typeface="Symbol" panose="05050102010706020507" pitchFamily="-112" charset="2"/>
+            </a:endParaRPr>
           </a:p>
         </p:txBody>
       </p:sp>
@@ -12477,8 +12796,6 @@
           <a:ln w="9525">
             <a:noFill/>
             <a:miter lim="800000"/>
-            <a:headEnd/>
-            <a:tailEnd/>
           </a:ln>
         </p:spPr>
         <p:txBody>
@@ -12493,10 +12810,16 @@
                 <a:solidFill>
                   <a:srgbClr val="FBFCFF"/>
                 </a:solidFill>
-                <a:ea typeface="ＭＳ Ｐゴシック" pitchFamily="-112" charset="-128"/>
+                <a:ea typeface="MS PGothic" panose="020B0600070205080204" pitchFamily="34" charset="-128"/>
               </a:rPr>
               <a:t>Sec. 3.4</a:t>
             </a:r>
+            <a:endParaRPr lang="en-US" altLang="en-US" sz="1600">
+              <a:solidFill>
+                <a:srgbClr val="FBFCFF"/>
+              </a:solidFill>
+              <a:ea typeface="MS PGothic" panose="020B0600070205080204" pitchFamily="34" charset="-128"/>
+            </a:endParaRPr>
           </a:p>
         </p:txBody>
       </p:sp>
@@ -12514,8 +12837,6 @@
           <a:noFill/>
           <a:ln>
             <a:miter lim="800000"/>
-            <a:headEnd/>
-            <a:tailEnd/>
           </a:ln>
         </p:spPr>
         <p:txBody>
@@ -12524,13 +12845,11 @@
           <a:p>
             <a:fld id="{8B832825-A9D4-4C7B-97B5-FDE4A7B5C06D}" type="slidenum">
               <a:rPr lang="en-US" altLang="en-US">
-                <a:ea typeface="ＭＳ Ｐゴシック" pitchFamily="-112" charset="-128"/>
-              </a:rPr>
-              <a:pPr/>
-              <a:t>24</a:t>
+                <a:ea typeface="MS PGothic" panose="020B0600070205080204" pitchFamily="34" charset="-128"/>
+              </a:rPr>
             </a:fld>
             <a:endParaRPr lang="en-US" altLang="en-US">
-              <a:ea typeface="ＭＳ Ｐゴシック" pitchFamily="-112" charset="-128"/>
+              <a:ea typeface="MS PGothic" panose="020B0600070205080204" pitchFamily="34" charset="-128"/>
             </a:endParaRPr>
           </a:p>
         </p:txBody>
@@ -12585,10 +12904,13 @@
             <a:pPr eaLnBrk="1" hangingPunct="1"/>
             <a:r>
               <a:rPr lang="en-US" altLang="en-US" smtClean="0">
-                <a:ea typeface="ＭＳ Ｐゴシック" pitchFamily="-112" charset="-128"/>
+                <a:ea typeface="MS PGothic" panose="020B0600070205080204" pitchFamily="34" charset="-128"/>
               </a:rPr>
               <a:t>Soundex continued</a:t>
             </a:r>
+            <a:endParaRPr lang="en-US" altLang="en-US" smtClean="0">
+              <a:ea typeface="MS PGothic" panose="020B0600070205080204" pitchFamily="34" charset="-128"/>
+            </a:endParaRPr>
           </a:p>
         </p:txBody>
       </p:sp>
@@ -12613,77 +12935,89 @@
           <a:lstStyle/>
           <a:p>
             <a:pPr marL="495300" indent="-495300" eaLnBrk="1" hangingPunct="1">
-              <a:buFont typeface="Wingdings" pitchFamily="-112" charset="2"/>
+              <a:buFont typeface="Wingdings" panose="05000000000000000000" pitchFamily="2" charset="2"/>
               <a:buAutoNum type="arabicPeriod" startAt="4"/>
             </a:pPr>
             <a:r>
               <a:rPr lang="en-US" altLang="en-US" smtClean="0">
-                <a:ea typeface="ＭＳ Ｐゴシック" pitchFamily="-112" charset="-128"/>
+                <a:ea typeface="MS PGothic" panose="020B0600070205080204" pitchFamily="34" charset="-128"/>
               </a:rPr>
               <a:t>Remove all pairs of consecutive digits.</a:t>
             </a:r>
+            <a:endParaRPr lang="en-US" altLang="en-US" smtClean="0">
+              <a:ea typeface="MS PGothic" panose="020B0600070205080204" pitchFamily="34" charset="-128"/>
+            </a:endParaRPr>
           </a:p>
           <a:p>
             <a:pPr marL="495300" indent="-495300" eaLnBrk="1" hangingPunct="1">
-              <a:buFont typeface="Wingdings" pitchFamily="-112" charset="2"/>
+              <a:buFont typeface="Wingdings" panose="05000000000000000000" pitchFamily="2" charset="2"/>
               <a:buAutoNum type="arabicPeriod" startAt="4"/>
             </a:pPr>
             <a:r>
               <a:rPr lang="en-US" altLang="en-US" smtClean="0">
-                <a:ea typeface="ＭＳ Ｐゴシック" pitchFamily="-112" charset="-128"/>
+                <a:ea typeface="MS PGothic" panose="020B0600070205080204" pitchFamily="34" charset="-128"/>
               </a:rPr>
               <a:t>Remove all zeros from the resulting string.</a:t>
             </a:r>
+            <a:endParaRPr lang="en-US" altLang="en-US" smtClean="0">
+              <a:ea typeface="MS PGothic" panose="020B0600070205080204" pitchFamily="34" charset="-128"/>
+            </a:endParaRPr>
           </a:p>
           <a:p>
             <a:pPr marL="495300" indent="-495300" eaLnBrk="1" hangingPunct="1">
-              <a:buFont typeface="Wingdings" pitchFamily="-112" charset="2"/>
+              <a:buFont typeface="Wingdings" panose="05000000000000000000" pitchFamily="2" charset="2"/>
               <a:buAutoNum type="arabicPeriod" startAt="4"/>
             </a:pPr>
             <a:r>
               <a:rPr lang="en-US" altLang="en-US" smtClean="0">
-                <a:ea typeface="ＭＳ Ｐゴシック" pitchFamily="-112" charset="-128"/>
+                <a:ea typeface="MS PGothic" panose="020B0600070205080204" pitchFamily="34" charset="-128"/>
               </a:rPr>
               <a:t>Pad the resulting string with trailing zeros and return the first four positions, which will be of the form &lt;uppercase letter&gt; &lt;digit&gt; &lt;digit&gt; &lt;digit&gt;. </a:t>
             </a:r>
+            <a:endParaRPr lang="en-US" altLang="en-US" smtClean="0">
+              <a:ea typeface="MS PGothic" panose="020B0600070205080204" pitchFamily="34" charset="-128"/>
+            </a:endParaRPr>
           </a:p>
           <a:p>
             <a:pPr marL="495300" indent="-495300" eaLnBrk="1" hangingPunct="1">
-              <a:buFont typeface="Wingdings" pitchFamily="-112" charset="2"/>
+              <a:buFont typeface="Wingdings" panose="05000000000000000000" pitchFamily="2" charset="2"/>
               <a:buNone/>
             </a:pPr>
             <a:endParaRPr lang="en-US" altLang="en-US" smtClean="0">
-              <a:ea typeface="ＭＳ Ｐゴシック" pitchFamily="-112" charset="-128"/>
+              <a:ea typeface="MS PGothic" panose="020B0600070205080204" pitchFamily="34" charset="-128"/>
             </a:endParaRPr>
           </a:p>
           <a:p>
             <a:pPr marL="495300" indent="-495300" eaLnBrk="1" hangingPunct="1">
-              <a:buFont typeface="Wingdings" pitchFamily="-112" charset="2"/>
+              <a:buFont typeface="Wingdings" panose="05000000000000000000" pitchFamily="2" charset="2"/>
               <a:buNone/>
             </a:pPr>
             <a:r>
               <a:rPr lang="en-US" altLang="en-US" smtClean="0">
-                <a:ea typeface="ＭＳ Ｐゴシック" pitchFamily="-112" charset="-128"/>
+                <a:ea typeface="MS PGothic" panose="020B0600070205080204" pitchFamily="34" charset="-128"/>
               </a:rPr>
               <a:t>E.g., </a:t>
             </a:r>
             <a:r>
               <a:rPr lang="en-US" altLang="en-US" b="1" i="1" smtClean="0">
-                <a:ea typeface="ＭＳ Ｐゴシック" pitchFamily="-112" charset="-128"/>
+                <a:ea typeface="MS PGothic" panose="020B0600070205080204" pitchFamily="34" charset="-128"/>
               </a:rPr>
               <a:t>Herman</a:t>
             </a:r>
             <a:r>
               <a:rPr lang="en-US" altLang="en-US" smtClean="0">
-                <a:ea typeface="ＭＳ Ｐゴシック" pitchFamily="-112" charset="-128"/>
+                <a:ea typeface="MS PGothic" panose="020B0600070205080204" pitchFamily="34" charset="-128"/>
               </a:rPr>
               <a:t> becomes H655.</a:t>
             </a:r>
+            <a:endParaRPr lang="en-US" altLang="en-US" smtClean="0">
+              <a:ea typeface="MS PGothic" panose="020B0600070205080204" pitchFamily="34" charset="-128"/>
+            </a:endParaRPr>
           </a:p>
           <a:p>
             <a:pPr marL="495300" indent="-495300" eaLnBrk="1" hangingPunct="1"/>
             <a:endParaRPr lang="en-US" altLang="en-US" smtClean="0">
-              <a:ea typeface="ＭＳ Ｐゴシック" pitchFamily="-112" charset="-128"/>
+              <a:ea typeface="MS PGothic" panose="020B0600070205080204" pitchFamily="34" charset="-128"/>
             </a:endParaRPr>
           </a:p>
         </p:txBody>
@@ -12719,8 +13053,6 @@
               <a:schemeClr val="tx1"/>
             </a:solidFill>
             <a:miter lim="800000"/>
-            <a:headEnd/>
-            <a:tailEnd/>
           </a:ln>
         </p:spPr>
         <p:txBody>
@@ -12732,22 +13064,25 @@
             <a:pPr algn="ctr" eaLnBrk="1" hangingPunct="1"/>
             <a:r>
               <a:rPr lang="en-US" altLang="en-US">
-                <a:ea typeface="ＭＳ Ｐゴシック" pitchFamily="-112" charset="-128"/>
+                <a:ea typeface="MS PGothic" panose="020B0600070205080204" pitchFamily="34" charset="-128"/>
               </a:rPr>
               <a:t>Will </a:t>
             </a:r>
             <a:r>
               <a:rPr lang="en-US" altLang="en-US" b="1" i="1">
-                <a:ea typeface="ＭＳ Ｐゴシック" pitchFamily="-112" charset="-128"/>
+                <a:ea typeface="MS PGothic" panose="020B0600070205080204" pitchFamily="34" charset="-128"/>
               </a:rPr>
               <a:t>hermann</a:t>
             </a:r>
             <a:r>
               <a:rPr lang="en-US" altLang="en-US">
-                <a:ea typeface="ＭＳ Ｐゴシック" pitchFamily="-112" charset="-128"/>
+                <a:ea typeface="MS PGothic" panose="020B0600070205080204" pitchFamily="34" charset="-128"/>
               </a:rPr>
               <a:t> generate the same code?</a:t>
             </a:r>
+            <a:endParaRPr lang="en-US" altLang="en-US">
+              <a:ea typeface="MS PGothic" panose="020B0600070205080204" pitchFamily="34" charset="-128"/>
+            </a:endParaRPr>
           </a:p>
         </p:txBody>
       </p:sp>
@@ -12771,8 +13106,6 @@
           <a:ln w="9525">
             <a:noFill/>
             <a:miter lim="800000"/>
-            <a:headEnd/>
-            <a:tailEnd/>
           </a:ln>
         </p:spPr>
         <p:txBody>
@@ -12787,10 +13120,16 @@
                 <a:solidFill>
                   <a:srgbClr val="FBFCFF"/>
                 </a:solidFill>
-                <a:ea typeface="ＭＳ Ｐゴシック" pitchFamily="-112" charset="-128"/>
+                <a:ea typeface="MS PGothic" panose="020B0600070205080204" pitchFamily="34" charset="-128"/>
               </a:rPr>
               <a:t>Sec. 3.4</a:t>
             </a:r>
+            <a:endParaRPr lang="en-US" altLang="en-US" sz="1600">
+              <a:solidFill>
+                <a:srgbClr val="FBFCFF"/>
+              </a:solidFill>
+              <a:ea typeface="MS PGothic" panose="020B0600070205080204" pitchFamily="34" charset="-128"/>
+            </a:endParaRPr>
           </a:p>
         </p:txBody>
       </p:sp>
@@ -12808,8 +13147,6 @@
           <a:noFill/>
           <a:ln>
             <a:miter lim="800000"/>
-            <a:headEnd/>
-            <a:tailEnd/>
           </a:ln>
         </p:spPr>
         <p:txBody>
@@ -12818,13 +13155,11 @@
           <a:p>
             <a:fld id="{21A290AA-821C-463E-B0B2-C2A815E186AF}" type="slidenum">
               <a:rPr lang="en-US" altLang="en-US">
-                <a:ea typeface="ＭＳ Ｐゴシック" pitchFamily="-112" charset="-128"/>
-              </a:rPr>
-              <a:pPr/>
-              <a:t>25</a:t>
+                <a:ea typeface="MS PGothic" panose="020B0600070205080204" pitchFamily="34" charset="-128"/>
+              </a:rPr>
             </a:fld>
             <a:endParaRPr lang="en-US" altLang="en-US">
-              <a:ea typeface="ＭＳ Ｐゴシック" pitchFamily="-112" charset="-128"/>
+              <a:ea typeface="MS PGothic" panose="020B0600070205080204" pitchFamily="34" charset="-128"/>
             </a:endParaRPr>
           </a:p>
         </p:txBody>
@@ -12849,8 +13184,6 @@
           <a:ln w="9525">
             <a:noFill/>
             <a:miter lim="800000"/>
-            <a:headEnd/>
-            <a:tailEnd/>
           </a:ln>
         </p:spPr>
         <p:txBody>
@@ -12861,16 +13194,19 @@
           <a:p>
             <a:r>
               <a:rPr lang="en-US" altLang="en-US">
-                <a:ea typeface="ＭＳ Ｐゴシック" pitchFamily="-112" charset="-128"/>
+                <a:ea typeface="MS PGothic" panose="020B0600070205080204" pitchFamily="34" charset="-128"/>
               </a:rPr>
               <a:t>What code can be generated to “</a:t>
             </a:r>
             <a:r>
               <a:rPr lang="en-US" altLang="en-US" b="1">
-                <a:ea typeface="ＭＳ Ｐゴシック" pitchFamily="-112" charset="-128"/>
+                <a:ea typeface="MS PGothic" panose="020B0600070205080204" pitchFamily="34" charset="-128"/>
               </a:rPr>
               <a:t>Osama”, “Osmaa”,”Mehmed”,”Mohamed”</a:t>
             </a:r>
+            <a:endParaRPr lang="en-US" altLang="en-US" b="1">
+              <a:ea typeface="MS PGothic" panose="020B0600070205080204" pitchFamily="34" charset="-128"/>
+            </a:endParaRPr>
           </a:p>
         </p:txBody>
       </p:sp>
@@ -12924,10 +13260,13 @@
             <a:pPr eaLnBrk="1" hangingPunct="1"/>
             <a:r>
               <a:rPr lang="en-US" altLang="en-US" smtClean="0">
-                <a:ea typeface="ＭＳ Ｐゴシック" pitchFamily="-112" charset="-128"/>
+                <a:ea typeface="MS PGothic" panose="020B0600070205080204" pitchFamily="34" charset="-128"/>
               </a:rPr>
               <a:t>Soundex</a:t>
             </a:r>
+            <a:endParaRPr lang="en-US" altLang="en-US" smtClean="0">
+              <a:ea typeface="MS PGothic" panose="020B0600070205080204" pitchFamily="34" charset="-128"/>
+            </a:endParaRPr>
           </a:p>
         </p:txBody>
       </p:sp>
@@ -12949,46 +13288,61 @@
             <a:pPr eaLnBrk="1" hangingPunct="1"/>
             <a:r>
               <a:rPr lang="en-US" altLang="en-US" smtClean="0">
-                <a:ea typeface="ＭＳ Ｐゴシック" pitchFamily="-112" charset="-128"/>
+                <a:ea typeface="MS PGothic" panose="020B0600070205080204" pitchFamily="34" charset="-128"/>
               </a:rPr>
               <a:t>Soundex is the classic algorithm, provided by most databases (Oracle, Microsoft, …)</a:t>
             </a:r>
+            <a:endParaRPr lang="en-US" altLang="en-US" smtClean="0">
+              <a:ea typeface="MS PGothic" panose="020B0600070205080204" pitchFamily="34" charset="-128"/>
+            </a:endParaRPr>
           </a:p>
           <a:p>
             <a:pPr eaLnBrk="1" hangingPunct="1"/>
             <a:r>
               <a:rPr lang="en-US" altLang="en-US" smtClean="0">
-                <a:ea typeface="ＭＳ Ｐゴシック" pitchFamily="-112" charset="-128"/>
+                <a:ea typeface="MS PGothic" panose="020B0600070205080204" pitchFamily="34" charset="-128"/>
               </a:rPr>
               <a:t>How useful is soundex?</a:t>
             </a:r>
+            <a:endParaRPr lang="en-US" altLang="en-US" smtClean="0">
+              <a:ea typeface="MS PGothic" panose="020B0600070205080204" pitchFamily="34" charset="-128"/>
+            </a:endParaRPr>
           </a:p>
           <a:p>
             <a:pPr eaLnBrk="1" hangingPunct="1"/>
             <a:r>
               <a:rPr lang="en-US" altLang="en-US" smtClean="0">
-                <a:ea typeface="ＭＳ Ｐゴシック" pitchFamily="-112" charset="-128"/>
+                <a:ea typeface="MS PGothic" panose="020B0600070205080204" pitchFamily="34" charset="-128"/>
               </a:rPr>
               <a:t>Not very – for information retrieval</a:t>
             </a:r>
+            <a:endParaRPr lang="en-US" altLang="en-US" smtClean="0">
+              <a:ea typeface="MS PGothic" panose="020B0600070205080204" pitchFamily="34" charset="-128"/>
+            </a:endParaRPr>
           </a:p>
           <a:p>
             <a:pPr eaLnBrk="1" hangingPunct="1"/>
             <a:r>
               <a:rPr lang="en-US" altLang="en-US" smtClean="0">
-                <a:ea typeface="ＭＳ Ｐゴシック" pitchFamily="-112" charset="-128"/>
+                <a:ea typeface="MS PGothic" panose="020B0600070205080204" pitchFamily="34" charset="-128"/>
               </a:rPr>
               <a:t>Okay for “high recall” tasks (e.g., Interpol), though biased to names of certain nationalities</a:t>
             </a:r>
+            <a:endParaRPr lang="en-US" altLang="en-US" smtClean="0">
+              <a:ea typeface="MS PGothic" panose="020B0600070205080204" pitchFamily="34" charset="-128"/>
+            </a:endParaRPr>
           </a:p>
           <a:p>
             <a:pPr eaLnBrk="1" hangingPunct="1"/>
             <a:r>
               <a:rPr lang="en-US" altLang="en-US" smtClean="0">
-                <a:ea typeface="ＭＳ Ｐゴシック" pitchFamily="-112" charset="-128"/>
+                <a:ea typeface="MS PGothic" panose="020B0600070205080204" pitchFamily="34" charset="-128"/>
               </a:rPr>
               <a:t>Zobel and Dart (1996) show that other algorithms for phonetic matching perform much better in the context of IR</a:t>
             </a:r>
+            <a:endParaRPr lang="en-US" altLang="en-US" smtClean="0">
+              <a:ea typeface="MS PGothic" panose="020B0600070205080204" pitchFamily="34" charset="-128"/>
+            </a:endParaRPr>
           </a:p>
         </p:txBody>
       </p:sp>
@@ -13012,8 +13366,6 @@
           <a:ln w="9525">
             <a:noFill/>
             <a:miter lim="800000"/>
-            <a:headEnd/>
-            <a:tailEnd/>
           </a:ln>
         </p:spPr>
         <p:txBody>
@@ -13028,10 +13380,16 @@
                 <a:solidFill>
                   <a:srgbClr val="FBFCFF"/>
                 </a:solidFill>
-                <a:ea typeface="ＭＳ Ｐゴシック" pitchFamily="-112" charset="-128"/>
+                <a:ea typeface="MS PGothic" panose="020B0600070205080204" pitchFamily="34" charset="-128"/>
               </a:rPr>
               <a:t>Sec. 3.4</a:t>
             </a:r>
+            <a:endParaRPr lang="en-US" altLang="en-US" sz="1600">
+              <a:solidFill>
+                <a:srgbClr val="FBFCFF"/>
+              </a:solidFill>
+              <a:ea typeface="MS PGothic" panose="020B0600070205080204" pitchFamily="34" charset="-128"/>
+            </a:endParaRPr>
           </a:p>
         </p:txBody>
       </p:sp>
@@ -13049,8 +13407,6 @@
           <a:noFill/>
           <a:ln>
             <a:miter lim="800000"/>
-            <a:headEnd/>
-            <a:tailEnd/>
           </a:ln>
         </p:spPr>
         <p:txBody>
@@ -13059,13 +13415,11 @@
           <a:p>
             <a:fld id="{963272F3-61E4-4EB2-BD27-F949B57C002F}" type="slidenum">
               <a:rPr lang="en-US" altLang="en-US">
-                <a:ea typeface="ＭＳ Ｐゴシック" pitchFamily="-112" charset="-128"/>
-              </a:rPr>
-              <a:pPr/>
-              <a:t>26</a:t>
+                <a:ea typeface="MS PGothic" panose="020B0600070205080204" pitchFamily="34" charset="-128"/>
+              </a:rPr>
             </a:fld>
             <a:endParaRPr lang="en-US" altLang="en-US">
-              <a:ea typeface="ＭＳ Ｐゴシック" pitchFamily="-112" charset="-128"/>
+              <a:ea typeface="MS PGothic" panose="020B0600070205080204" pitchFamily="34" charset="-128"/>
             </a:endParaRPr>
           </a:p>
         </p:txBody>
@@ -13120,10 +13474,13 @@
             <a:pPr eaLnBrk="1" hangingPunct="1"/>
             <a:r>
               <a:rPr lang="en-US" altLang="en-US" smtClean="0">
-                <a:ea typeface="ＭＳ Ｐゴシック" pitchFamily="-112" charset="-128"/>
+                <a:ea typeface="MS PGothic" panose="020B0600070205080204" pitchFamily="34" charset="-128"/>
               </a:rPr>
               <a:t>Document correction</a:t>
             </a:r>
+            <a:endParaRPr lang="en-US" altLang="en-US" smtClean="0">
+              <a:ea typeface="MS PGothic" panose="020B0600070205080204" pitchFamily="34" charset="-128"/>
+            </a:endParaRPr>
           </a:p>
         </p:txBody>
       </p:sp>
@@ -13145,70 +13502,85 @@
             <a:pPr eaLnBrk="1" hangingPunct="1"/>
             <a:r>
               <a:rPr lang="en-US" altLang="en-US" smtClean="0">
-                <a:ea typeface="ＭＳ Ｐゴシック" pitchFamily="-112" charset="-128"/>
+                <a:ea typeface="MS PGothic" panose="020B0600070205080204" pitchFamily="34" charset="-128"/>
               </a:rPr>
               <a:t>Especially needed for OCR’ed documents</a:t>
             </a:r>
+            <a:endParaRPr lang="en-US" altLang="en-US" smtClean="0">
+              <a:ea typeface="MS PGothic" panose="020B0600070205080204" pitchFamily="34" charset="-128"/>
+            </a:endParaRPr>
           </a:p>
           <a:p>
             <a:pPr lvl="1" eaLnBrk="1" hangingPunct="1"/>
             <a:r>
               <a:rPr lang="en-US" altLang="en-US" smtClean="0">
-                <a:ea typeface="ＭＳ Ｐゴシック" pitchFamily="-112" charset="-128"/>
+                <a:ea typeface="MS PGothic" panose="020B0600070205080204" pitchFamily="34" charset="-128"/>
               </a:rPr>
               <a:t>Correction algorithms are tuned for this: rn/m</a:t>
             </a:r>
+            <a:endParaRPr lang="en-US" altLang="en-US" smtClean="0">
+              <a:ea typeface="MS PGothic" panose="020B0600070205080204" pitchFamily="34" charset="-128"/>
+            </a:endParaRPr>
           </a:p>
           <a:p>
             <a:pPr lvl="2" eaLnBrk="1" hangingPunct="1"/>
             <a:r>
               <a:rPr lang="en-US" altLang="en-US" smtClean="0">
-                <a:ea typeface="ＭＳ Ｐゴシック" pitchFamily="-112" charset="-128"/>
+                <a:ea typeface="MS PGothic" panose="020B0600070205080204" pitchFamily="34" charset="-128"/>
               </a:rPr>
               <a:t>E.g., OCR can confuse O and D more often than it would confuse O and I.</a:t>
             </a:r>
+            <a:endParaRPr lang="en-US" altLang="en-US" smtClean="0">
+              <a:ea typeface="MS PGothic" panose="020B0600070205080204" pitchFamily="34" charset="-128"/>
+            </a:endParaRPr>
           </a:p>
           <a:p>
             <a:pPr eaLnBrk="1" hangingPunct="1"/>
             <a:r>
               <a:rPr lang="en-US" altLang="en-US" smtClean="0">
-                <a:ea typeface="ＭＳ Ｐゴシック" pitchFamily="-112" charset="-128"/>
+                <a:ea typeface="MS PGothic" panose="020B0600070205080204" pitchFamily="34" charset="-128"/>
               </a:rPr>
               <a:t>Goal: the dictionary contains fewer misspellings</a:t>
             </a:r>
+            <a:endParaRPr lang="en-US" altLang="en-US" smtClean="0">
+              <a:ea typeface="MS PGothic" panose="020B0600070205080204" pitchFamily="34" charset="-128"/>
+            </a:endParaRPr>
           </a:p>
           <a:p>
             <a:pPr eaLnBrk="1" hangingPunct="1"/>
             <a:r>
               <a:rPr lang="en-US" altLang="en-US" smtClean="0">
-                <a:ea typeface="ＭＳ Ｐゴシック" pitchFamily="-112" charset="-128"/>
+                <a:ea typeface="MS PGothic" panose="020B0600070205080204" pitchFamily="34" charset="-128"/>
               </a:rPr>
               <a:t>But often we </a:t>
             </a:r>
             <a:r>
               <a:rPr lang="en-US" altLang="en-US" u="sng" smtClean="0">
-                <a:ea typeface="ＭＳ Ｐゴシック" pitchFamily="-112" charset="-128"/>
+                <a:ea typeface="MS PGothic" panose="020B0600070205080204" pitchFamily="34" charset="-128"/>
               </a:rPr>
               <a:t>don’t change the documents </a:t>
             </a:r>
             <a:r>
               <a:rPr lang="en-US" altLang="en-US" smtClean="0">
-                <a:ea typeface="ＭＳ Ｐゴシック" pitchFamily="-112" charset="-128"/>
+                <a:ea typeface="MS PGothic" panose="020B0600070205080204" pitchFamily="34" charset="-128"/>
               </a:rPr>
               <a:t>and instead </a:t>
             </a:r>
             <a:r>
               <a:rPr lang="en-US" altLang="en-US" u="sng" smtClean="0">
-                <a:ea typeface="ＭＳ Ｐゴシック" pitchFamily="-112" charset="-128"/>
+                <a:ea typeface="MS PGothic" panose="020B0600070205080204" pitchFamily="34" charset="-128"/>
               </a:rPr>
               <a:t>fix the query</a:t>
             </a:r>
             <a:r>
               <a:rPr lang="en-US" altLang="en-US" smtClean="0">
-                <a:ea typeface="ＭＳ Ｐゴシック" pitchFamily="-112" charset="-128"/>
+                <a:ea typeface="MS PGothic" panose="020B0600070205080204" pitchFamily="34" charset="-128"/>
               </a:rPr>
               <a:t>-document mapping</a:t>
             </a:r>
+            <a:endParaRPr lang="en-US" altLang="en-US" smtClean="0">
+              <a:ea typeface="MS PGothic" panose="020B0600070205080204" pitchFamily="34" charset="-128"/>
+            </a:endParaRPr>
           </a:p>
         </p:txBody>
       </p:sp>
@@ -13232,8 +13604,6 @@
           <a:ln w="9525">
             <a:noFill/>
             <a:miter lim="800000"/>
-            <a:headEnd/>
-            <a:tailEnd/>
           </a:ln>
         </p:spPr>
         <p:txBody>
@@ -13248,10 +13618,16 @@
                 <a:solidFill>
                   <a:srgbClr val="FBFCFF"/>
                 </a:solidFill>
-                <a:ea typeface="ＭＳ Ｐゴシック" pitchFamily="-112" charset="-128"/>
+                <a:ea typeface="MS PGothic" panose="020B0600070205080204" pitchFamily="34" charset="-128"/>
               </a:rPr>
               <a:t>Sec. 3.3</a:t>
             </a:r>
+            <a:endParaRPr lang="en-US" altLang="en-US" sz="1600">
+              <a:solidFill>
+                <a:srgbClr val="FBFCFF"/>
+              </a:solidFill>
+              <a:ea typeface="MS PGothic" panose="020B0600070205080204" pitchFamily="34" charset="-128"/>
+            </a:endParaRPr>
           </a:p>
         </p:txBody>
       </p:sp>
@@ -13269,8 +13645,6 @@
           <a:noFill/>
           <a:ln>
             <a:miter lim="800000"/>
-            <a:headEnd/>
-            <a:tailEnd/>
           </a:ln>
         </p:spPr>
         <p:txBody>
@@ -13279,13 +13653,11 @@
           <a:p>
             <a:fld id="{97EF3A0D-829D-4F2B-8D0A-7470D60ED935}" type="slidenum">
               <a:rPr lang="en-US" altLang="en-US">
-                <a:ea typeface="ＭＳ Ｐゴシック" pitchFamily="-112" charset="-128"/>
-              </a:rPr>
-              <a:pPr/>
-              <a:t>3</a:t>
+                <a:ea typeface="MS PGothic" panose="020B0600070205080204" pitchFamily="34" charset="-128"/>
+              </a:rPr>
             </a:fld>
             <a:endParaRPr lang="en-US" altLang="en-US">
-              <a:ea typeface="ＭＳ Ｐゴシック" pitchFamily="-112" charset="-128"/>
+              <a:ea typeface="MS PGothic" panose="020B0600070205080204" pitchFamily="34" charset="-128"/>
             </a:endParaRPr>
           </a:p>
         </p:txBody>
@@ -13340,10 +13712,13 @@
             <a:pPr eaLnBrk="1" hangingPunct="1"/>
             <a:r>
               <a:rPr lang="en-US" altLang="en-US" smtClean="0">
-                <a:ea typeface="ＭＳ Ｐゴシック" pitchFamily="-112" charset="-128"/>
+                <a:ea typeface="MS PGothic" panose="020B0600070205080204" pitchFamily="34" charset="-128"/>
               </a:rPr>
               <a:t>Query mis-spellings</a:t>
             </a:r>
+            <a:endParaRPr lang="en-US" altLang="en-US" smtClean="0">
+              <a:ea typeface="MS PGothic" panose="020B0600070205080204" pitchFamily="34" charset="-128"/>
+            </a:endParaRPr>
           </a:p>
         </p:txBody>
       </p:sp>
@@ -13368,64 +13743,82 @@
                 <a:solidFill>
                   <a:srgbClr val="FF0000"/>
                 </a:solidFill>
-                <a:ea typeface="ＭＳ Ｐゴシック" pitchFamily="-112" charset="-128"/>
+                <a:ea typeface="MS PGothic" panose="020B0600070205080204" pitchFamily="34" charset="-128"/>
               </a:rPr>
               <a:t>Our principal focus here</a:t>
             </a:r>
+            <a:endParaRPr lang="en-US" altLang="en-US" dirty="0" smtClean="0">
+              <a:solidFill>
+                <a:srgbClr val="FF0000"/>
+              </a:solidFill>
+              <a:ea typeface="MS PGothic" panose="020B0600070205080204" pitchFamily="34" charset="-128"/>
+            </a:endParaRPr>
           </a:p>
           <a:p>
             <a:pPr lvl="1" eaLnBrk="1" hangingPunct="1"/>
             <a:r>
               <a:rPr lang="en-US" altLang="en-US" dirty="0" smtClean="0">
-                <a:ea typeface="ＭＳ Ｐゴシック" pitchFamily="-112" charset="-128"/>
+                <a:ea typeface="MS PGothic" panose="020B0600070205080204" pitchFamily="34" charset="-128"/>
               </a:rPr>
               <a:t>E.g., the query </a:t>
             </a:r>
             <a:r>
               <a:rPr lang="en-US" altLang="en-US" b="1" i="1" dirty="0" smtClean="0">
-                <a:ea typeface="ＭＳ Ｐゴシック" pitchFamily="-112" charset="-128"/>
+                <a:ea typeface="MS PGothic" panose="020B0600070205080204" pitchFamily="34" charset="-128"/>
               </a:rPr>
               <a:t>carot</a:t>
             </a:r>
             <a:endParaRPr lang="en-US" altLang="en-US" dirty="0" smtClean="0">
-              <a:ea typeface="ＭＳ Ｐゴシック" pitchFamily="-112" charset="-128"/>
+              <a:ea typeface="MS PGothic" panose="020B0600070205080204" pitchFamily="34" charset="-128"/>
             </a:endParaRPr>
           </a:p>
           <a:p>
             <a:pPr eaLnBrk="1" hangingPunct="1"/>
             <a:r>
               <a:rPr lang="en-US" altLang="en-US" dirty="0" smtClean="0">
-                <a:ea typeface="ＭＳ Ｐゴシック" pitchFamily="-112" charset="-128"/>
+                <a:ea typeface="MS PGothic" panose="020B0600070205080204" pitchFamily="34" charset="-128"/>
               </a:rPr>
               <a:t>We can either</a:t>
             </a:r>
+            <a:endParaRPr lang="en-US" altLang="en-US" dirty="0" smtClean="0">
+              <a:ea typeface="MS PGothic" panose="020B0600070205080204" pitchFamily="34" charset="-128"/>
+            </a:endParaRPr>
           </a:p>
           <a:p>
             <a:pPr lvl="1" eaLnBrk="1" hangingPunct="1"/>
             <a:r>
               <a:rPr lang="en-US" altLang="en-US" dirty="0" smtClean="0">
-                <a:ea typeface="ＭＳ Ｐゴシック" pitchFamily="-112" charset="-128"/>
+                <a:ea typeface="MS PGothic" panose="020B0600070205080204" pitchFamily="34" charset="-128"/>
               </a:rPr>
               <a:t>Retrieve documents indexed by the correct spelling, OR</a:t>
             </a:r>
+            <a:endParaRPr lang="en-US" altLang="en-US" dirty="0" smtClean="0">
+              <a:ea typeface="MS PGothic" panose="020B0600070205080204" pitchFamily="34" charset="-128"/>
+            </a:endParaRPr>
           </a:p>
           <a:p>
             <a:pPr lvl="1" eaLnBrk="1" hangingPunct="1"/>
             <a:r>
               <a:rPr lang="en-US" altLang="en-US" dirty="0" smtClean="0">
-                <a:ea typeface="ＭＳ Ｐゴシック" pitchFamily="-112" charset="-128"/>
+                <a:ea typeface="MS PGothic" panose="020B0600070205080204" pitchFamily="34" charset="-128"/>
               </a:rPr>
               <a:t>Return several suggested alternative queries with the correct spelling</a:t>
             </a:r>
+            <a:endParaRPr lang="en-US" altLang="en-US" dirty="0" smtClean="0">
+              <a:ea typeface="MS PGothic" panose="020B0600070205080204" pitchFamily="34" charset="-128"/>
+            </a:endParaRPr>
           </a:p>
           <a:p>
             <a:pPr lvl="2" eaLnBrk="1" hangingPunct="1"/>
             <a:r>
               <a:rPr lang="en-US" altLang="en-US" i="1" dirty="0" smtClean="0">
-                <a:ea typeface="ＭＳ Ｐゴシック" pitchFamily="-112" charset="-128"/>
+                <a:ea typeface="MS PGothic" panose="020B0600070205080204" pitchFamily="34" charset="-128"/>
               </a:rPr>
               <a:t>Did you mean … ?</a:t>
             </a:r>
+            <a:endParaRPr lang="en-US" altLang="en-US" i="1" dirty="0" smtClean="0">
+              <a:ea typeface="MS PGothic" panose="020B0600070205080204" pitchFamily="34" charset="-128"/>
+            </a:endParaRPr>
           </a:p>
         </p:txBody>
       </p:sp>
@@ -13449,8 +13842,6 @@
           <a:ln w="9525">
             <a:noFill/>
             <a:miter lim="800000"/>
-            <a:headEnd/>
-            <a:tailEnd/>
           </a:ln>
         </p:spPr>
         <p:txBody>
@@ -13465,10 +13856,16 @@
                 <a:solidFill>
                   <a:srgbClr val="FBFCFF"/>
                 </a:solidFill>
-                <a:ea typeface="ＭＳ Ｐゴシック" pitchFamily="-112" charset="-128"/>
+                <a:ea typeface="MS PGothic" panose="020B0600070205080204" pitchFamily="34" charset="-128"/>
               </a:rPr>
               <a:t>Sec. 3.3</a:t>
             </a:r>
+            <a:endParaRPr lang="en-US" altLang="en-US" sz="1600">
+              <a:solidFill>
+                <a:srgbClr val="FBFCFF"/>
+              </a:solidFill>
+              <a:ea typeface="MS PGothic" panose="020B0600070205080204" pitchFamily="34" charset="-128"/>
+            </a:endParaRPr>
           </a:p>
         </p:txBody>
       </p:sp>
@@ -13486,8 +13883,6 @@
           <a:noFill/>
           <a:ln>
             <a:miter lim="800000"/>
-            <a:headEnd/>
-            <a:tailEnd/>
           </a:ln>
         </p:spPr>
         <p:txBody>
@@ -13496,13 +13891,11 @@
           <a:p>
             <a:fld id="{FB3B388B-B447-4224-8671-2F8B68565F4B}" type="slidenum">
               <a:rPr lang="en-US" altLang="en-US">
-                <a:ea typeface="ＭＳ Ｐゴシック" pitchFamily="-112" charset="-128"/>
-              </a:rPr>
-              <a:pPr/>
-              <a:t>4</a:t>
+                <a:ea typeface="MS PGothic" panose="020B0600070205080204" pitchFamily="34" charset="-128"/>
+              </a:rPr>
             </a:fld>
             <a:endParaRPr lang="en-US" altLang="en-US">
-              <a:ea typeface="ＭＳ Ｐゴシック" pitchFamily="-112" charset="-128"/>
+              <a:ea typeface="MS PGothic" panose="020B0600070205080204" pitchFamily="34" charset="-128"/>
             </a:endParaRPr>
           </a:p>
         </p:txBody>
@@ -13557,10 +13950,13 @@
             <a:pPr eaLnBrk="1" hangingPunct="1"/>
             <a:r>
               <a:rPr lang="en-US" altLang="en-US" smtClean="0">
-                <a:ea typeface="ＭＳ Ｐゴシック" pitchFamily="-112" charset="-128"/>
+                <a:ea typeface="MS PGothic" panose="020B0600070205080204" pitchFamily="34" charset="-128"/>
               </a:rPr>
               <a:t>Isolated word correction</a:t>
             </a:r>
+            <a:endParaRPr lang="en-US" altLang="en-US" smtClean="0">
+              <a:ea typeface="MS PGothic" panose="020B0600070205080204" pitchFamily="34" charset="-128"/>
+            </a:endParaRPr>
           </a:p>
         </p:txBody>
       </p:sp>
@@ -13582,7 +13978,7 @@
             <a:pPr eaLnBrk="1" hangingPunct="1"/>
             <a:r>
               <a:rPr lang="en-US" altLang="en-US" smtClean="0">
-                <a:ea typeface="ＭＳ Ｐゴシック" pitchFamily="-112" charset="-128"/>
+                <a:ea typeface="MS PGothic" panose="020B0600070205080204" pitchFamily="34" charset="-128"/>
               </a:rPr>
               <a:t>Fundamental premise – there is a </a:t>
             </a:r>
@@ -13591,79 +13987,103 @@
                 <a:solidFill>
                   <a:srgbClr val="FF0000"/>
                 </a:solidFill>
-                <a:ea typeface="ＭＳ Ｐゴシック" pitchFamily="-112" charset="-128"/>
+                <a:ea typeface="MS PGothic" panose="020B0600070205080204" pitchFamily="34" charset="-128"/>
               </a:rPr>
               <a:t>lexicon</a:t>
             </a:r>
             <a:r>
               <a:rPr lang="en-US" altLang="en-US" smtClean="0">
-                <a:ea typeface="ＭＳ Ｐゴシック" pitchFamily="-112" charset="-128"/>
+                <a:ea typeface="MS PGothic" panose="020B0600070205080204" pitchFamily="34" charset="-128"/>
               </a:rPr>
               <a:t> from which the correct spellings come</a:t>
             </a:r>
+            <a:endParaRPr lang="en-US" altLang="en-US" smtClean="0">
+              <a:ea typeface="MS PGothic" panose="020B0600070205080204" pitchFamily="34" charset="-128"/>
+            </a:endParaRPr>
           </a:p>
           <a:p>
             <a:pPr eaLnBrk="1" hangingPunct="1"/>
             <a:r>
               <a:rPr lang="en-US" altLang="en-US" smtClean="0">
-                <a:ea typeface="ＭＳ Ｐゴシック" pitchFamily="-112" charset="-128"/>
+                <a:ea typeface="MS PGothic" panose="020B0600070205080204" pitchFamily="34" charset="-128"/>
               </a:rPr>
               <a:t>Two basic choices for this</a:t>
             </a:r>
+            <a:endParaRPr lang="en-US" altLang="en-US" smtClean="0">
+              <a:ea typeface="MS PGothic" panose="020B0600070205080204" pitchFamily="34" charset="-128"/>
+            </a:endParaRPr>
           </a:p>
           <a:p>
             <a:pPr lvl="1" eaLnBrk="1" hangingPunct="1"/>
             <a:r>
               <a:rPr lang="en-US" altLang="en-US" smtClean="0">
-                <a:ea typeface="ＭＳ Ｐゴシック" pitchFamily="-112" charset="-128"/>
+                <a:ea typeface="MS PGothic" panose="020B0600070205080204" pitchFamily="34" charset="-128"/>
               </a:rPr>
               <a:t>A standard lexicon such as</a:t>
             </a:r>
+            <a:endParaRPr lang="en-US" altLang="en-US" smtClean="0">
+              <a:ea typeface="MS PGothic" panose="020B0600070205080204" pitchFamily="34" charset="-128"/>
+            </a:endParaRPr>
           </a:p>
           <a:p>
             <a:pPr lvl="2" eaLnBrk="1" hangingPunct="1"/>
             <a:r>
               <a:rPr lang="en-US" altLang="en-US" smtClean="0">
-                <a:ea typeface="ＭＳ Ｐゴシック" pitchFamily="-112" charset="-128"/>
+                <a:ea typeface="MS PGothic" panose="020B0600070205080204" pitchFamily="34" charset="-128"/>
               </a:rPr>
               <a:t>Webster’s English Dictionary</a:t>
             </a:r>
+            <a:endParaRPr lang="en-US" altLang="en-US" smtClean="0">
+              <a:ea typeface="MS PGothic" panose="020B0600070205080204" pitchFamily="34" charset="-128"/>
+            </a:endParaRPr>
           </a:p>
           <a:p>
             <a:pPr lvl="2" eaLnBrk="1" hangingPunct="1"/>
             <a:r>
               <a:rPr lang="en-US" altLang="en-US" smtClean="0">
-                <a:ea typeface="ＭＳ Ｐゴシック" pitchFamily="-112" charset="-128"/>
+                <a:ea typeface="MS PGothic" panose="020B0600070205080204" pitchFamily="34" charset="-128"/>
               </a:rPr>
               <a:t>An “industry-specific” lexicon – hand-maintained</a:t>
             </a:r>
+            <a:endParaRPr lang="en-US" altLang="en-US" smtClean="0">
+              <a:ea typeface="MS PGothic" panose="020B0600070205080204" pitchFamily="34" charset="-128"/>
+            </a:endParaRPr>
           </a:p>
           <a:p>
             <a:pPr lvl="1" eaLnBrk="1" hangingPunct="1"/>
             <a:r>
               <a:rPr lang="en-US" altLang="en-US" smtClean="0">
-                <a:ea typeface="ＭＳ Ｐゴシック" pitchFamily="-112" charset="-128"/>
+                <a:ea typeface="MS PGothic" panose="020B0600070205080204" pitchFamily="34" charset="-128"/>
               </a:rPr>
               <a:t>The lexicon of the indexed corpus</a:t>
             </a:r>
+            <a:endParaRPr lang="en-US" altLang="en-US" smtClean="0">
+              <a:ea typeface="MS PGothic" panose="020B0600070205080204" pitchFamily="34" charset="-128"/>
+            </a:endParaRPr>
           </a:p>
           <a:p>
             <a:pPr lvl="2" eaLnBrk="1" hangingPunct="1"/>
             <a:r>
               <a:rPr lang="en-US" altLang="en-US" smtClean="0">
-                <a:ea typeface="ＭＳ Ｐゴシック" pitchFamily="-112" charset="-128"/>
+                <a:ea typeface="MS PGothic" panose="020B0600070205080204" pitchFamily="34" charset="-128"/>
               </a:rPr>
               <a:t>E.g., all words on the web</a:t>
             </a:r>
+            <a:endParaRPr lang="en-US" altLang="en-US" smtClean="0">
+              <a:ea typeface="MS PGothic" panose="020B0600070205080204" pitchFamily="34" charset="-128"/>
+            </a:endParaRPr>
           </a:p>
           <a:p>
             <a:pPr lvl="2" eaLnBrk="1" hangingPunct="1"/>
             <a:r>
               <a:rPr lang="en-US" altLang="en-US" smtClean="0">
-                <a:ea typeface="ＭＳ Ｐゴシック" pitchFamily="-112" charset="-128"/>
+                <a:ea typeface="MS PGothic" panose="020B0600070205080204" pitchFamily="34" charset="-128"/>
               </a:rPr>
               <a:t>All names, acronyms etc.</a:t>
             </a:r>
+            <a:endParaRPr lang="en-US" altLang="en-US" smtClean="0">
+              <a:ea typeface="MS PGothic" panose="020B0600070205080204" pitchFamily="34" charset="-128"/>
+            </a:endParaRPr>
           </a:p>
         </p:txBody>
       </p:sp>
@@ -13687,8 +14107,6 @@
           <a:ln w="9525">
             <a:noFill/>
             <a:miter lim="800000"/>
-            <a:headEnd/>
-            <a:tailEnd/>
           </a:ln>
         </p:spPr>
         <p:txBody>
@@ -13703,10 +14121,16 @@
                 <a:solidFill>
                   <a:srgbClr val="FBFCFF"/>
                 </a:solidFill>
-                <a:ea typeface="ＭＳ Ｐゴシック" pitchFamily="-112" charset="-128"/>
+                <a:ea typeface="MS PGothic" panose="020B0600070205080204" pitchFamily="34" charset="-128"/>
               </a:rPr>
               <a:t>Sec. 3.3.2</a:t>
             </a:r>
+            <a:endParaRPr lang="en-US" altLang="en-US" sz="1600">
+              <a:solidFill>
+                <a:srgbClr val="FBFCFF"/>
+              </a:solidFill>
+              <a:ea typeface="MS PGothic" panose="020B0600070205080204" pitchFamily="34" charset="-128"/>
+            </a:endParaRPr>
           </a:p>
         </p:txBody>
       </p:sp>
@@ -13724,8 +14148,6 @@
           <a:noFill/>
           <a:ln>
             <a:miter lim="800000"/>
-            <a:headEnd/>
-            <a:tailEnd/>
           </a:ln>
         </p:spPr>
         <p:txBody>
@@ -13734,13 +14156,11 @@
           <a:p>
             <a:fld id="{3F2A3107-3A5C-4A62-AA4E-8F42FA4B7DE4}" type="slidenum">
               <a:rPr lang="en-US" altLang="en-US">
-                <a:ea typeface="ＭＳ Ｐゴシック" pitchFamily="-112" charset="-128"/>
-              </a:rPr>
-              <a:pPr/>
-              <a:t>5</a:t>
+                <a:ea typeface="MS PGothic" panose="020B0600070205080204" pitchFamily="34" charset="-128"/>
+              </a:rPr>
             </a:fld>
             <a:endParaRPr lang="en-US" altLang="en-US">
-              <a:ea typeface="ＭＳ Ｐゴシック" pitchFamily="-112" charset="-128"/>
+              <a:ea typeface="MS PGothic" panose="020B0600070205080204" pitchFamily="34" charset="-128"/>
             </a:endParaRPr>
           </a:p>
         </p:txBody>
@@ -13795,10 +14215,13 @@
             <a:pPr eaLnBrk="1" hangingPunct="1"/>
             <a:r>
               <a:rPr lang="en-US" altLang="en-US" smtClean="0">
-                <a:ea typeface="ＭＳ Ｐゴシック" pitchFamily="-112" charset="-128"/>
+                <a:ea typeface="MS PGothic" panose="020B0600070205080204" pitchFamily="34" charset="-128"/>
               </a:rPr>
               <a:t>Isolated word correction</a:t>
             </a:r>
+            <a:endParaRPr lang="en-US" altLang="en-US" smtClean="0">
+              <a:ea typeface="MS PGothic" panose="020B0600070205080204" pitchFamily="34" charset="-128"/>
+            </a:endParaRPr>
           </a:p>
         </p:txBody>
       </p:sp>
@@ -13820,73 +14243,91 @@
             <a:pPr eaLnBrk="1" hangingPunct="1"/>
             <a:r>
               <a:rPr lang="en-US" altLang="en-US" smtClean="0">
-                <a:ea typeface="ＭＳ Ｐゴシック" pitchFamily="-112" charset="-128"/>
+                <a:ea typeface="MS PGothic" panose="020B0600070205080204" pitchFamily="34" charset="-128"/>
               </a:rPr>
               <a:t>Given a lexicon and a string Q, return the words in the lexicon closest to Q</a:t>
             </a:r>
+            <a:endParaRPr lang="en-US" altLang="en-US" smtClean="0">
+              <a:ea typeface="MS PGothic" panose="020B0600070205080204" pitchFamily="34" charset="-128"/>
+            </a:endParaRPr>
           </a:p>
           <a:p>
             <a:pPr eaLnBrk="1" hangingPunct="1"/>
             <a:r>
               <a:rPr lang="en-US" altLang="en-US" smtClean="0">
-                <a:ea typeface="ＭＳ Ｐゴシック" pitchFamily="-112" charset="-128"/>
+                <a:ea typeface="MS PGothic" panose="020B0600070205080204" pitchFamily="34" charset="-128"/>
               </a:rPr>
               <a:t>What’s </a:t>
             </a:r>
             <a:r>
               <a:rPr lang="en-US" altLang="en-US" u="sng" smtClean="0">
-                <a:ea typeface="ＭＳ Ｐゴシック" pitchFamily="-112" charset="-128"/>
+                <a:ea typeface="MS PGothic" panose="020B0600070205080204" pitchFamily="34" charset="-128"/>
               </a:rPr>
               <a:t>“closest</a:t>
             </a:r>
             <a:r>
               <a:rPr lang="en-US" altLang="en-US" smtClean="0">
-                <a:ea typeface="ＭＳ Ｐゴシック" pitchFamily="-112" charset="-128"/>
+                <a:ea typeface="MS PGothic" panose="020B0600070205080204" pitchFamily="34" charset="-128"/>
               </a:rPr>
               <a:t>”?</a:t>
             </a:r>
+            <a:endParaRPr lang="en-US" altLang="en-US" smtClean="0">
+              <a:ea typeface="MS PGothic" panose="020B0600070205080204" pitchFamily="34" charset="-128"/>
+            </a:endParaRPr>
           </a:p>
           <a:p>
             <a:pPr eaLnBrk="1" hangingPunct="1"/>
             <a:r>
               <a:rPr lang="en-US" altLang="en-US" smtClean="0">
-                <a:ea typeface="ＭＳ Ｐゴシック" pitchFamily="-112" charset="-128"/>
+                <a:ea typeface="MS PGothic" panose="020B0600070205080204" pitchFamily="34" charset="-128"/>
               </a:rPr>
               <a:t>We’ll study several alternatives</a:t>
             </a:r>
+            <a:endParaRPr lang="en-US" altLang="en-US" smtClean="0">
+              <a:ea typeface="MS PGothic" panose="020B0600070205080204" pitchFamily="34" charset="-128"/>
+            </a:endParaRPr>
           </a:p>
           <a:p>
             <a:pPr lvl="1" eaLnBrk="1" hangingPunct="1"/>
             <a:r>
               <a:rPr lang="en-US" altLang="en-US" smtClean="0">
-                <a:ea typeface="ＭＳ Ｐゴシック" pitchFamily="-112" charset="-128"/>
+                <a:ea typeface="MS PGothic" panose="020B0600070205080204" pitchFamily="34" charset="-128"/>
               </a:rPr>
               <a:t>Edit distance (Levenshtein distance)</a:t>
             </a:r>
+            <a:endParaRPr lang="en-US" altLang="en-US" smtClean="0">
+              <a:ea typeface="MS PGothic" panose="020B0600070205080204" pitchFamily="34" charset="-128"/>
+            </a:endParaRPr>
           </a:p>
           <a:p>
             <a:pPr lvl="1" eaLnBrk="1" hangingPunct="1"/>
             <a:r>
               <a:rPr lang="en-US" altLang="en-US" smtClean="0">
-                <a:ea typeface="ＭＳ Ｐゴシック" pitchFamily="-112" charset="-128"/>
+                <a:ea typeface="MS PGothic" panose="020B0600070205080204" pitchFamily="34" charset="-128"/>
               </a:rPr>
               <a:t>Weighted edit distance</a:t>
             </a:r>
+            <a:endParaRPr lang="en-US" altLang="en-US" smtClean="0">
+              <a:ea typeface="MS PGothic" panose="020B0600070205080204" pitchFamily="34" charset="-128"/>
+            </a:endParaRPr>
           </a:p>
           <a:p>
             <a:pPr lvl="1" eaLnBrk="1" hangingPunct="1"/>
             <a:r>
               <a:rPr lang="en-US" altLang="en-US" i="1" smtClean="0">
-                <a:ea typeface="ＭＳ Ｐゴシック" pitchFamily="-112" charset="-128"/>
+                <a:ea typeface="MS PGothic" panose="020B0600070205080204" pitchFamily="34" charset="-128"/>
               </a:rPr>
               <a:t>n</a:t>
             </a:r>
             <a:r>
               <a:rPr lang="en-US" altLang="en-US" smtClean="0">
-                <a:ea typeface="ＭＳ Ｐゴシック" pitchFamily="-112" charset="-128"/>
+                <a:ea typeface="MS PGothic" panose="020B0600070205080204" pitchFamily="34" charset="-128"/>
               </a:rPr>
               <a:t>-gram overlap</a:t>
             </a:r>
+            <a:endParaRPr lang="en-US" altLang="en-US" smtClean="0">
+              <a:ea typeface="MS PGothic" panose="020B0600070205080204" pitchFamily="34" charset="-128"/>
+            </a:endParaRPr>
           </a:p>
         </p:txBody>
       </p:sp>
@@ -13910,8 +14351,6 @@
           <a:ln w="9525">
             <a:noFill/>
             <a:miter lim="800000"/>
-            <a:headEnd/>
-            <a:tailEnd/>
           </a:ln>
         </p:spPr>
         <p:txBody>
@@ -13926,10 +14365,16 @@
                 <a:solidFill>
                   <a:srgbClr val="FBFCFF"/>
                 </a:solidFill>
-                <a:ea typeface="ＭＳ Ｐゴシック" pitchFamily="-112" charset="-128"/>
+                <a:ea typeface="MS PGothic" panose="020B0600070205080204" pitchFamily="34" charset="-128"/>
               </a:rPr>
               <a:t>Sec. 3.3.2</a:t>
             </a:r>
+            <a:endParaRPr lang="en-US" altLang="en-US" sz="1600">
+              <a:solidFill>
+                <a:srgbClr val="FBFCFF"/>
+              </a:solidFill>
+              <a:ea typeface="MS PGothic" panose="020B0600070205080204" pitchFamily="34" charset="-128"/>
+            </a:endParaRPr>
           </a:p>
         </p:txBody>
       </p:sp>
@@ -13947,8 +14392,6 @@
           <a:noFill/>
           <a:ln>
             <a:miter lim="800000"/>
-            <a:headEnd/>
-            <a:tailEnd/>
           </a:ln>
         </p:spPr>
         <p:txBody>
@@ -13957,13 +14400,11 @@
           <a:p>
             <a:fld id="{FC8EE649-908F-4927-B87A-CCA016FCD96E}" type="slidenum">
               <a:rPr lang="en-US" altLang="en-US">
-                <a:ea typeface="ＭＳ Ｐゴシック" pitchFamily="-112" charset="-128"/>
-              </a:rPr>
-              <a:pPr/>
-              <a:t>6</a:t>
+                <a:ea typeface="MS PGothic" panose="020B0600070205080204" pitchFamily="34" charset="-128"/>
+              </a:rPr>
             </a:fld>
             <a:endParaRPr lang="en-US" altLang="en-US">
-              <a:ea typeface="ＭＳ Ｐゴシック" pitchFamily="-112" charset="-128"/>
+              <a:ea typeface="MS PGothic" panose="020B0600070205080204" pitchFamily="34" charset="-128"/>
             </a:endParaRPr>
           </a:p>
         </p:txBody>
@@ -14008,6 +14449,7 @@
               <a:rPr lang="en-US" sz="1800" b="1" dirty="0"/>
               <a:t>carot</a:t>
             </a:r>
+            <a:endParaRPr lang="en-US" sz="1800" b="1" dirty="0"/>
           </a:p>
         </p:txBody>
       </p:sp>
@@ -14051,6 +14493,7 @@
               <a:rPr lang="en-US" sz="1800" b="1" dirty="0"/>
               <a:t>carrot</a:t>
             </a:r>
+            <a:endParaRPr lang="en-US" sz="1800" b="1" dirty="0"/>
           </a:p>
         </p:txBody>
       </p:sp>
@@ -14094,6 +14537,7 @@
               <a:rPr lang="en-US" sz="1800" b="1" dirty="0"/>
               <a:t>tarot</a:t>
             </a:r>
+            <a:endParaRPr lang="en-US" sz="1800" b="1" dirty="0"/>
           </a:p>
         </p:txBody>
       </p:sp>
@@ -14147,10 +14591,13 @@
             <a:pPr eaLnBrk="1" hangingPunct="1"/>
             <a:r>
               <a:rPr lang="en-US" altLang="en-US" smtClean="0">
-                <a:ea typeface="ＭＳ Ｐゴシック" pitchFamily="-112" charset="-128"/>
+                <a:ea typeface="MS PGothic" panose="020B0600070205080204" pitchFamily="34" charset="-128"/>
               </a:rPr>
               <a:t>Edit distance</a:t>
             </a:r>
+            <a:endParaRPr lang="en-US" altLang="en-US" smtClean="0">
+              <a:ea typeface="MS PGothic" panose="020B0600070205080204" pitchFamily="34" charset="-128"/>
+            </a:endParaRPr>
           </a:p>
         </p:txBody>
       </p:sp>
@@ -14183,46 +14630,49 @@
             </a:pPr>
             <a:r>
               <a:rPr lang="en-US" altLang="en-US" dirty="0" smtClean="0">
-                <a:ea typeface="ＭＳ Ｐゴシック" panose="020B0600070205080204" pitchFamily="34" charset="-128"/>
+                <a:ea typeface="MS PGothic" panose="020B0600070205080204" pitchFamily="34" charset="-128"/>
               </a:rPr>
               <a:t>Given two strings </a:t>
             </a:r>
             <a:r>
               <a:rPr lang="en-US" altLang="en-US" i="1" dirty="0" smtClean="0">
-                <a:ea typeface="ＭＳ Ｐゴシック" panose="020B0600070205080204" pitchFamily="34" charset="-128"/>
+                <a:ea typeface="MS PGothic" panose="020B0600070205080204" pitchFamily="34" charset="-128"/>
               </a:rPr>
               <a:t>S</a:t>
             </a:r>
             <a:r>
               <a:rPr lang="en-US" altLang="en-US" i="1" baseline="-25000" dirty="0" smtClean="0">
-                <a:ea typeface="ＭＳ Ｐゴシック" panose="020B0600070205080204" pitchFamily="34" charset="-128"/>
+                <a:ea typeface="MS PGothic" panose="020B0600070205080204" pitchFamily="34" charset="-128"/>
               </a:rPr>
               <a:t>1</a:t>
             </a:r>
             <a:r>
               <a:rPr lang="en-US" altLang="en-US" dirty="0" smtClean="0">
-                <a:ea typeface="ＭＳ Ｐゴシック" panose="020B0600070205080204" pitchFamily="34" charset="-128"/>
+                <a:ea typeface="MS PGothic" panose="020B0600070205080204" pitchFamily="34" charset="-128"/>
               </a:rPr>
               <a:t> and </a:t>
             </a:r>
             <a:r>
               <a:rPr lang="en-US" altLang="en-US" i="1" dirty="0" smtClean="0">
-                <a:ea typeface="ＭＳ Ｐゴシック" panose="020B0600070205080204" pitchFamily="34" charset="-128"/>
+                <a:ea typeface="MS PGothic" panose="020B0600070205080204" pitchFamily="34" charset="-128"/>
               </a:rPr>
               <a:t>S</a:t>
             </a:r>
             <a:r>
               <a:rPr lang="en-US" altLang="en-US" i="1" baseline="-25000" dirty="0" smtClean="0">
-                <a:ea typeface="ＭＳ Ｐゴシック" panose="020B0600070205080204" pitchFamily="34" charset="-128"/>
+                <a:ea typeface="MS PGothic" panose="020B0600070205080204" pitchFamily="34" charset="-128"/>
               </a:rPr>
               <a:t>2</a:t>
             </a:r>
             <a:r>
               <a:rPr lang="en-US" altLang="en-US" dirty="0" smtClean="0">
-                <a:ea typeface="ＭＳ Ｐゴシック" panose="020B0600070205080204" pitchFamily="34" charset="-128"/>
+                <a:ea typeface="MS PGothic" panose="020B0600070205080204" pitchFamily="34" charset="-128"/>
               </a:rPr>
               <a:t>, the minimum number of operations to convert one to the other</a:t>
             </a:r>
+            <a:endParaRPr lang="en-US" altLang="en-US" dirty="0" smtClean="0">
+              <a:ea typeface="MS PGothic" panose="020B0600070205080204" pitchFamily="34" charset="-128"/>
+            </a:endParaRPr>
           </a:p>
           <a:p>
             <a:pPr eaLnBrk="1" hangingPunct="1">
@@ -14232,10 +14682,13 @@
             </a:pPr>
             <a:r>
               <a:rPr lang="en-US" altLang="en-US" dirty="0" smtClean="0">
-                <a:ea typeface="ＭＳ Ｐゴシック" panose="020B0600070205080204" pitchFamily="34" charset="-128"/>
+                <a:ea typeface="MS PGothic" panose="020B0600070205080204" pitchFamily="34" charset="-128"/>
               </a:rPr>
               <a:t>Operations are typically character-level</a:t>
             </a:r>
+            <a:endParaRPr lang="en-US" altLang="en-US" dirty="0" smtClean="0">
+              <a:ea typeface="MS PGothic" panose="020B0600070205080204" pitchFamily="34" charset="-128"/>
+            </a:endParaRPr>
           </a:p>
           <a:p>
             <a:pPr lvl="1" eaLnBrk="1" hangingPunct="1">
@@ -14245,7 +14698,7 @@
             </a:pPr>
             <a:r>
               <a:rPr lang="en-US" altLang="en-US" dirty="0" smtClean="0">
-                <a:ea typeface="ＭＳ Ｐゴシック" panose="020B0600070205080204" pitchFamily="34" charset="-128"/>
+                <a:ea typeface="MS PGothic" panose="020B0600070205080204" pitchFamily="34" charset="-128"/>
               </a:rPr>
               <a:t>Insert, Delete, Replace</a:t>
             </a:r>
@@ -14254,10 +14707,16 @@
                 <a:solidFill>
                   <a:srgbClr val="00A000"/>
                 </a:solidFill>
-                <a:ea typeface="ＭＳ Ｐゴシック" panose="020B0600070205080204" pitchFamily="34" charset="-128"/>
+                <a:ea typeface="MS PGothic" panose="020B0600070205080204" pitchFamily="34" charset="-128"/>
               </a:rPr>
               <a:t>, (Transposition)</a:t>
             </a:r>
+            <a:endParaRPr lang="en-US" altLang="en-US" dirty="0" smtClean="0">
+              <a:solidFill>
+                <a:srgbClr val="00A000"/>
+              </a:solidFill>
+              <a:ea typeface="MS PGothic" panose="020B0600070205080204" pitchFamily="34" charset="-128"/>
+            </a:endParaRPr>
           </a:p>
           <a:p>
             <a:pPr eaLnBrk="1" hangingPunct="1">
@@ -14267,34 +14726,37 @@
             </a:pPr>
             <a:r>
               <a:rPr lang="en-US" altLang="en-US" dirty="0" smtClean="0">
-                <a:ea typeface="ＭＳ Ｐゴシック" panose="020B0600070205080204" pitchFamily="34" charset="-128"/>
+                <a:ea typeface="MS PGothic" panose="020B0600070205080204" pitchFamily="34" charset="-128"/>
               </a:rPr>
               <a:t>E.g., the edit distance from </a:t>
             </a:r>
             <a:r>
               <a:rPr lang="en-US" altLang="en-US" b="1" i="1" dirty="0" err="1" smtClean="0">
-                <a:ea typeface="ＭＳ Ｐゴシック" panose="020B0600070205080204" pitchFamily="34" charset="-128"/>
+                <a:ea typeface="MS PGothic" panose="020B0600070205080204" pitchFamily="34" charset="-128"/>
               </a:rPr>
               <a:t>dof</a:t>
             </a:r>
             <a:r>
               <a:rPr lang="en-US" altLang="en-US" dirty="0" smtClean="0">
-                <a:ea typeface="ＭＳ Ｐゴシック" panose="020B0600070205080204" pitchFamily="34" charset="-128"/>
+                <a:ea typeface="MS PGothic" panose="020B0600070205080204" pitchFamily="34" charset="-128"/>
               </a:rPr>
               <a:t> to </a:t>
             </a:r>
             <a:r>
               <a:rPr lang="en-US" altLang="en-US" b="1" i="1" dirty="0" smtClean="0">
-                <a:ea typeface="ＭＳ Ｐゴシック" panose="020B0600070205080204" pitchFamily="34" charset="-128"/>
+                <a:ea typeface="MS PGothic" panose="020B0600070205080204" pitchFamily="34" charset="-128"/>
               </a:rPr>
               <a:t>dog</a:t>
             </a:r>
             <a:r>
               <a:rPr lang="en-US" altLang="en-US" dirty="0" smtClean="0">
-                <a:ea typeface="ＭＳ Ｐゴシック" panose="020B0600070205080204" pitchFamily="34" charset="-128"/>
+                <a:ea typeface="MS PGothic" panose="020B0600070205080204" pitchFamily="34" charset="-128"/>
               </a:rPr>
               <a:t> is 1</a:t>
             </a:r>
+            <a:endParaRPr lang="en-US" altLang="en-US" dirty="0" smtClean="0">
+              <a:ea typeface="MS PGothic" panose="020B0600070205080204" pitchFamily="34" charset="-128"/>
+            </a:endParaRPr>
           </a:p>
           <a:p>
             <a:pPr lvl="1" eaLnBrk="1" hangingPunct="1">
@@ -14304,31 +14766,31 @@
             </a:pPr>
             <a:r>
               <a:rPr lang="en-US" altLang="en-US" dirty="0" smtClean="0">
-                <a:ea typeface="ＭＳ Ｐゴシック" panose="020B0600070205080204" pitchFamily="34" charset="-128"/>
+                <a:ea typeface="MS PGothic" panose="020B0600070205080204" pitchFamily="34" charset="-128"/>
               </a:rPr>
               <a:t>From </a:t>
             </a:r>
             <a:r>
               <a:rPr lang="en-US" altLang="en-US" b="1" i="1" dirty="0" smtClean="0">
-                <a:ea typeface="ＭＳ Ｐゴシック" panose="020B0600070205080204" pitchFamily="34" charset="-128"/>
+                <a:ea typeface="MS PGothic" panose="020B0600070205080204" pitchFamily="34" charset="-128"/>
               </a:rPr>
               <a:t>cat</a:t>
             </a:r>
             <a:r>
               <a:rPr lang="en-US" altLang="en-US" dirty="0" smtClean="0">
-                <a:ea typeface="ＭＳ Ｐゴシック" panose="020B0600070205080204" pitchFamily="34" charset="-128"/>
+                <a:ea typeface="MS PGothic" panose="020B0600070205080204" pitchFamily="34" charset="-128"/>
               </a:rPr>
               <a:t> to </a:t>
             </a:r>
             <a:r>
               <a:rPr lang="en-US" altLang="en-US" b="1" i="1" dirty="0" smtClean="0">
-                <a:ea typeface="ＭＳ Ｐゴシック" panose="020B0600070205080204" pitchFamily="34" charset="-128"/>
+                <a:ea typeface="MS PGothic" panose="020B0600070205080204" pitchFamily="34" charset="-128"/>
               </a:rPr>
               <a:t>act</a:t>
             </a:r>
             <a:r>
               <a:rPr lang="en-US" altLang="en-US" dirty="0" smtClean="0">
-                <a:ea typeface="ＭＳ Ｐゴシック" panose="020B0600070205080204" pitchFamily="34" charset="-128"/>
+                <a:ea typeface="MS PGothic" panose="020B0600070205080204" pitchFamily="34" charset="-128"/>
               </a:rPr>
               <a:t> is 2	 </a:t>
             </a:r>
@@ -14337,10 +14799,16 @@
                 <a:solidFill>
                   <a:srgbClr val="00A000"/>
                 </a:solidFill>
-                <a:ea typeface="ＭＳ Ｐゴシック" panose="020B0600070205080204" pitchFamily="34" charset="-128"/>
+                <a:ea typeface="MS PGothic" panose="020B0600070205080204" pitchFamily="34" charset="-128"/>
               </a:rPr>
               <a:t>  (Just 1 with transpose.)</a:t>
             </a:r>
+            <a:endParaRPr lang="en-US" altLang="en-US" dirty="0" smtClean="0">
+              <a:solidFill>
+                <a:srgbClr val="00A000"/>
+              </a:solidFill>
+              <a:ea typeface="MS PGothic" panose="020B0600070205080204" pitchFamily="34" charset="-128"/>
+            </a:endParaRPr>
           </a:p>
           <a:p>
             <a:pPr lvl="1" eaLnBrk="1" hangingPunct="1">
@@ -14350,34 +14818,37 @@
             </a:pPr>
             <a:r>
               <a:rPr lang="en-US" altLang="en-US" dirty="0" smtClean="0">
-                <a:ea typeface="ＭＳ Ｐゴシック" panose="020B0600070205080204" pitchFamily="34" charset="-128"/>
+                <a:ea typeface="MS PGothic" panose="020B0600070205080204" pitchFamily="34" charset="-128"/>
               </a:rPr>
               <a:t>from </a:t>
             </a:r>
             <a:r>
               <a:rPr lang="en-US" altLang="en-US" b="1" i="1" dirty="0" smtClean="0">
-                <a:ea typeface="ＭＳ Ｐゴシック" panose="020B0600070205080204" pitchFamily="34" charset="-128"/>
+                <a:ea typeface="MS PGothic" panose="020B0600070205080204" pitchFamily="34" charset="-128"/>
               </a:rPr>
               <a:t>cat</a:t>
             </a:r>
             <a:r>
               <a:rPr lang="en-US" altLang="en-US" dirty="0" smtClean="0">
-                <a:ea typeface="ＭＳ Ｐゴシック" panose="020B0600070205080204" pitchFamily="34" charset="-128"/>
+                <a:ea typeface="MS PGothic" panose="020B0600070205080204" pitchFamily="34" charset="-128"/>
               </a:rPr>
               <a:t> to </a:t>
             </a:r>
             <a:r>
               <a:rPr lang="en-US" altLang="en-US" b="1" i="1" dirty="0" smtClean="0">
-                <a:ea typeface="ＭＳ Ｐゴシック" panose="020B0600070205080204" pitchFamily="34" charset="-128"/>
+                <a:ea typeface="MS PGothic" panose="020B0600070205080204" pitchFamily="34" charset="-128"/>
               </a:rPr>
               <a:t>dog</a:t>
             </a:r>
             <a:r>
               <a:rPr lang="en-US" altLang="en-US" dirty="0" smtClean="0">
-                <a:ea typeface="ＭＳ Ｐゴシック" panose="020B0600070205080204" pitchFamily="34" charset="-128"/>
+                <a:ea typeface="MS PGothic" panose="020B0600070205080204" pitchFamily="34" charset="-128"/>
               </a:rPr>
               <a:t> is 3.	</a:t>
             </a:r>
+            <a:endParaRPr lang="en-US" altLang="en-US" dirty="0" smtClean="0">
+              <a:ea typeface="MS PGothic" panose="020B0600070205080204" pitchFamily="34" charset="-128"/>
+            </a:endParaRPr>
           </a:p>
           <a:p>
             <a:pPr eaLnBrk="1" hangingPunct="1">
@@ -14387,46 +14858,49 @@
             </a:pPr>
             <a:r>
               <a:rPr lang="en-US" altLang="en-US" dirty="0" smtClean="0">
-                <a:ea typeface="ＭＳ Ｐゴシック" panose="020B0600070205080204" pitchFamily="34" charset="-128"/>
+                <a:ea typeface="MS PGothic" panose="020B0600070205080204" pitchFamily="34" charset="-128"/>
               </a:rPr>
               <a:t>S</a:t>
             </a:r>
             <a:r>
               <a:rPr lang="en-US" altLang="en-US" baseline="-25000" dirty="0" smtClean="0">
-                <a:ea typeface="ＭＳ Ｐゴシック" panose="020B0600070205080204" pitchFamily="34" charset="-128"/>
+                <a:ea typeface="MS PGothic" panose="020B0600070205080204" pitchFamily="34" charset="-128"/>
               </a:rPr>
               <a:t>1</a:t>
             </a:r>
             <a:r>
               <a:rPr lang="en-US" altLang="en-US" dirty="0" smtClean="0">
-                <a:ea typeface="ＭＳ Ｐゴシック" panose="020B0600070205080204" pitchFamily="34" charset="-128"/>
+                <a:ea typeface="MS PGothic" panose="020B0600070205080204" pitchFamily="34" charset="-128"/>
               </a:rPr>
               <a:t>=</a:t>
             </a:r>
             <a:r>
               <a:rPr lang="en-US" altLang="en-US" dirty="0" err="1" smtClean="0">
-                <a:ea typeface="ＭＳ Ｐゴシック" panose="020B0600070205080204" pitchFamily="34" charset="-128"/>
+                <a:ea typeface="MS PGothic" panose="020B0600070205080204" pitchFamily="34" charset="-128"/>
               </a:rPr>
               <a:t>bouy</a:t>
             </a:r>
             <a:r>
               <a:rPr lang="en-US" altLang="en-US" dirty="0" smtClean="0">
-                <a:ea typeface="ＭＳ Ｐゴシック" panose="020B0600070205080204" pitchFamily="34" charset="-128"/>
+                <a:ea typeface="MS PGothic" panose="020B0600070205080204" pitchFamily="34" charset="-128"/>
               </a:rPr>
               <a:t>  S</a:t>
             </a:r>
             <a:r>
               <a:rPr lang="en-US" altLang="en-US" baseline="-25000" dirty="0" smtClean="0">
-                <a:ea typeface="ＭＳ Ｐゴシック" panose="020B0600070205080204" pitchFamily="34" charset="-128"/>
+                <a:ea typeface="MS PGothic" panose="020B0600070205080204" pitchFamily="34" charset="-128"/>
               </a:rPr>
               <a:t>2</a:t>
             </a:r>
             <a:r>
               <a:rPr lang="en-US" altLang="en-US" dirty="0" smtClean="0">
-                <a:ea typeface="ＭＳ Ｐゴシック" panose="020B0600070205080204" pitchFamily="34" charset="-128"/>
+                <a:ea typeface="MS PGothic" panose="020B0600070205080204" pitchFamily="34" charset="-128"/>
               </a:rPr>
               <a:t>=boy  edit operation “delete u” edit = 1</a:t>
             </a:r>
+            <a:endParaRPr lang="en-US" altLang="en-US" dirty="0" smtClean="0">
+              <a:ea typeface="MS PGothic" panose="020B0600070205080204" pitchFamily="34" charset="-128"/>
+            </a:endParaRPr>
           </a:p>
           <a:p>
             <a:pPr eaLnBrk="1" hangingPunct="1">
@@ -14436,34 +14910,37 @@
             </a:pPr>
             <a:r>
               <a:rPr lang="en-US" altLang="en-US" dirty="0" smtClean="0">
-                <a:ea typeface="ＭＳ Ｐゴシック" panose="020B0600070205080204" pitchFamily="34" charset="-128"/>
+                <a:ea typeface="MS PGothic" panose="020B0600070205080204" pitchFamily="34" charset="-128"/>
               </a:rPr>
               <a:t>S</a:t>
             </a:r>
             <a:r>
               <a:rPr lang="en-US" altLang="en-US" baseline="-25000" dirty="0" smtClean="0">
-                <a:ea typeface="ＭＳ Ｐゴシック" panose="020B0600070205080204" pitchFamily="34" charset="-128"/>
+                <a:ea typeface="MS PGothic" panose="020B0600070205080204" pitchFamily="34" charset="-128"/>
               </a:rPr>
               <a:t>1</a:t>
             </a:r>
             <a:r>
               <a:rPr lang="en-US" altLang="en-US" dirty="0" smtClean="0">
-                <a:ea typeface="ＭＳ Ｐゴシック" panose="020B0600070205080204" pitchFamily="34" charset="-128"/>
+                <a:ea typeface="MS PGothic" panose="020B0600070205080204" pitchFamily="34" charset="-128"/>
               </a:rPr>
               <a:t>=gun  S</a:t>
             </a:r>
             <a:r>
               <a:rPr lang="en-US" altLang="en-US" baseline="-25000" dirty="0" smtClean="0">
-                <a:ea typeface="ＭＳ Ｐゴシック" panose="020B0600070205080204" pitchFamily="34" charset="-128"/>
+                <a:ea typeface="MS PGothic" panose="020B0600070205080204" pitchFamily="34" charset="-128"/>
               </a:rPr>
               <a:t>2</a:t>
             </a:r>
             <a:r>
               <a:rPr lang="en-US" altLang="en-US" dirty="0" smtClean="0">
-                <a:ea typeface="ＭＳ Ｐゴシック" panose="020B0600070205080204" pitchFamily="34" charset="-128"/>
+                <a:ea typeface="MS PGothic" panose="020B0600070205080204" pitchFamily="34" charset="-128"/>
               </a:rPr>
               <a:t>=guy  </a:t>
             </a:r>
+            <a:endParaRPr lang="en-US" altLang="en-US" dirty="0" smtClean="0">
+              <a:ea typeface="MS PGothic" panose="020B0600070205080204" pitchFamily="34" charset="-128"/>
+            </a:endParaRPr>
           </a:p>
           <a:p>
             <a:pPr marL="0" indent="0" eaLnBrk="1" hangingPunct="1">
@@ -14473,22 +14950,25 @@
             </a:pPr>
             <a:r>
               <a:rPr lang="en-US" altLang="en-US" dirty="0">
-                <a:ea typeface="ＭＳ Ｐゴシック" panose="020B0600070205080204" pitchFamily="34" charset="-128"/>
+                <a:ea typeface="MS PGothic" panose="020B0600070205080204" pitchFamily="34" charset="-128"/>
               </a:rPr>
               <a:t> </a:t>
             </a:r>
             <a:r>
               <a:rPr lang="en-US" altLang="en-US" dirty="0" smtClean="0">
-                <a:ea typeface="ＭＳ Ｐゴシック" panose="020B0600070205080204" pitchFamily="34" charset="-128"/>
+                <a:ea typeface="MS PGothic" panose="020B0600070205080204" pitchFamily="34" charset="-128"/>
               </a:rPr>
               <a:t>    </a:t>
             </a:r>
             <a:r>
               <a:rPr lang="en-US" altLang="en-US" sz="2000" dirty="0" smtClean="0">
-                <a:ea typeface="ＭＳ Ｐゴシック" panose="020B0600070205080204" pitchFamily="34" charset="-128"/>
+                <a:ea typeface="MS PGothic" panose="020B0600070205080204" pitchFamily="34" charset="-128"/>
               </a:rPr>
               <a:t>-edit operation “delete n and insert y” edit = 2</a:t>
             </a:r>
+            <a:endParaRPr lang="en-US" altLang="en-US" sz="2000" dirty="0" smtClean="0">
+              <a:ea typeface="MS PGothic" panose="020B0600070205080204" pitchFamily="34" charset="-128"/>
+            </a:endParaRPr>
           </a:p>
           <a:p>
             <a:pPr marL="0" indent="0" eaLnBrk="1" hangingPunct="1">
@@ -14498,55 +14978,18 @@
             </a:pPr>
             <a:r>
               <a:rPr lang="en-US" altLang="en-US" sz="2000" dirty="0">
-                <a:ea typeface="ＭＳ Ｐゴシック" panose="020B0600070205080204" pitchFamily="34" charset="-128"/>
+                <a:ea typeface="MS PGothic" panose="020B0600070205080204" pitchFamily="34" charset="-128"/>
               </a:rPr>
               <a:t> </a:t>
             </a:r>
             <a:r>
               <a:rPr lang="en-US" altLang="en-US" sz="2000" dirty="0" smtClean="0">
-                <a:ea typeface="ＭＳ Ｐゴシック" panose="020B0600070205080204" pitchFamily="34" charset="-128"/>
+                <a:ea typeface="MS PGothic" panose="020B0600070205080204" pitchFamily="34" charset="-128"/>
               </a:rPr>
               <a:t>       -edit operation “replace n  by y” edit = 1</a:t>
             </a:r>
-          </a:p>
-          <a:p>
-            <a:pPr marL="0" indent="0" eaLnBrk="1" hangingPunct="1">
-              <a:buFont typeface="Wingdings" panose="05000000000000000000" pitchFamily="2" charset="2"/>
-              <a:buNone/>
-              <a:defRPr/>
-            </a:pPr>
             <a:endParaRPr lang="en-US" altLang="en-US" dirty="0" smtClean="0">
-              <a:ea typeface="ＭＳ Ｐゴシック" panose="020B0600070205080204" pitchFamily="34" charset="-128"/>
-            </a:endParaRPr>
-          </a:p>
-          <a:p>
-            <a:pPr marL="0" indent="0" eaLnBrk="1" hangingPunct="1">
-              <a:buFont typeface="Wingdings" panose="05000000000000000000" pitchFamily="2" charset="2"/>
-              <a:buNone/>
-              <a:defRPr/>
-            </a:pPr>
-            <a:endParaRPr lang="en-US" altLang="en-US" dirty="0" smtClean="0">
-              <a:ea typeface="ＭＳ Ｐゴシック" panose="020B0600070205080204" pitchFamily="34" charset="-128"/>
-            </a:endParaRPr>
-          </a:p>
-          <a:p>
-            <a:pPr eaLnBrk="1" hangingPunct="1">
-              <a:buFont typeface="Wingdings" panose="05000000000000000000" pitchFamily="2" charset="2"/>
-              <a:buChar char="§"/>
-              <a:defRPr/>
-            </a:pPr>
-            <a:endParaRPr lang="en-US" altLang="en-US" dirty="0" smtClean="0">
-              <a:ea typeface="ＭＳ Ｐゴシック" panose="020B0600070205080204" pitchFamily="34" charset="-128"/>
-            </a:endParaRPr>
-          </a:p>
-          <a:p>
-            <a:pPr eaLnBrk="1" hangingPunct="1">
-              <a:buFont typeface="Wingdings" panose="05000000000000000000" pitchFamily="2" charset="2"/>
-              <a:buChar char="§"/>
-              <a:defRPr/>
-            </a:pPr>
-            <a:endParaRPr lang="en-US" altLang="en-US" dirty="0" smtClean="0">
-              <a:ea typeface="ＭＳ Ｐゴシック" panose="020B0600070205080204" pitchFamily="34" charset="-128"/>
+              <a:ea typeface="MS PGothic" panose="020B0600070205080204" pitchFamily="34" charset="-128"/>
             </a:endParaRPr>
           </a:p>
         </p:txBody>
@@ -14571,8 +15014,6 @@
           <a:ln w="9525">
             <a:noFill/>
             <a:miter lim="800000"/>
-            <a:headEnd/>
-            <a:tailEnd/>
           </a:ln>
         </p:spPr>
         <p:txBody>
@@ -14587,10 +15028,16 @@
                 <a:solidFill>
                   <a:srgbClr val="FBFCFF"/>
                 </a:solidFill>
-                <a:ea typeface="ＭＳ Ｐゴシック" pitchFamily="-112" charset="-128"/>
+                <a:ea typeface="MS PGothic" panose="020B0600070205080204" pitchFamily="34" charset="-128"/>
               </a:rPr>
               <a:t>Sec. 3.3.3</a:t>
             </a:r>
+            <a:endParaRPr lang="en-US" altLang="en-US" sz="1600">
+              <a:solidFill>
+                <a:srgbClr val="FBFCFF"/>
+              </a:solidFill>
+              <a:ea typeface="MS PGothic" panose="020B0600070205080204" pitchFamily="34" charset="-128"/>
+            </a:endParaRPr>
           </a:p>
         </p:txBody>
       </p:sp>
@@ -14608,8 +15055,6 @@
           <a:noFill/>
           <a:ln>
             <a:miter lim="800000"/>
-            <a:headEnd/>
-            <a:tailEnd/>
           </a:ln>
         </p:spPr>
         <p:txBody>
@@ -14618,13 +15063,11 @@
           <a:p>
             <a:fld id="{5432F311-343E-459D-8796-5457E7331E5A}" type="slidenum">
               <a:rPr lang="en-US" altLang="en-US">
-                <a:ea typeface="ＭＳ Ｐゴシック" pitchFamily="-112" charset="-128"/>
-              </a:rPr>
-              <a:pPr/>
-              <a:t>7</a:t>
+                <a:ea typeface="MS PGothic" panose="020B0600070205080204" pitchFamily="34" charset="-128"/>
+              </a:rPr>
             </a:fld>
             <a:endParaRPr lang="en-US" altLang="en-US">
-              <a:ea typeface="ＭＳ Ｐゴシック" pitchFamily="-112" charset="-128"/>
+              <a:ea typeface="MS PGothic" panose="020B0600070205080204" pitchFamily="34" charset="-128"/>
             </a:endParaRPr>
           </a:p>
         </p:txBody>
@@ -14669,6 +15112,7 @@
               <a:rPr lang="en-US" sz="1800" b="1" dirty="0"/>
               <a:t>carot</a:t>
             </a:r>
+            <a:endParaRPr lang="en-US" sz="1800" b="1" dirty="0"/>
           </a:p>
         </p:txBody>
       </p:sp>
@@ -14712,6 +15156,7 @@
               <a:rPr lang="en-US" sz="1800" b="1" dirty="0"/>
               <a:t>carrot</a:t>
             </a:r>
+            <a:endParaRPr lang="en-US" sz="1800" b="1" dirty="0"/>
           </a:p>
         </p:txBody>
       </p:sp>
@@ -14795,6 +15240,7 @@
               <a:rPr lang="en-US" dirty="0"/>
               <a:t>MIN</a:t>
             </a:r>
+            <a:endParaRPr lang="en-US" dirty="0"/>
           </a:p>
         </p:txBody>
       </p:sp>
@@ -14871,6 +15317,7 @@
               <a:rPr lang="en-US" sz="1800" b="1" dirty="0"/>
               <a:t>tarot</a:t>
             </a:r>
+            <a:endParaRPr lang="en-US" sz="1800" b="1" dirty="0"/>
           </a:p>
         </p:txBody>
       </p:sp>
@@ -14920,8 +15367,6 @@
           <a:noFill/>
           <a:ln>
             <a:miter lim="800000"/>
-            <a:headEnd/>
-            <a:tailEnd/>
           </a:ln>
         </p:spPr>
         <p:txBody>
@@ -14930,13 +15375,11 @@
           <a:p>
             <a:fld id="{FB7CCE1E-3C39-45B4-8948-1899ACE6125A}" type="slidenum">
               <a:rPr lang="en-US" altLang="en-US">
-                <a:ea typeface="ＭＳ Ｐゴシック" pitchFamily="-112" charset="-128"/>
-              </a:rPr>
-              <a:pPr/>
-              <a:t>8</a:t>
+                <a:ea typeface="MS PGothic" panose="020B0600070205080204" pitchFamily="34" charset="-128"/>
+              </a:rPr>
             </a:fld>
             <a:endParaRPr lang="en-US" altLang="en-US">
-              <a:ea typeface="ＭＳ Ｐゴシック" pitchFamily="-112" charset="-128"/>
+              <a:ea typeface="MS PGothic" panose="020B0600070205080204" pitchFamily="34" charset="-128"/>
             </a:endParaRPr>
           </a:p>
         </p:txBody>
@@ -14959,10 +15402,13 @@
             <a:pPr eaLnBrk="1" hangingPunct="1"/>
             <a:r>
               <a:rPr lang="en-US" altLang="en-US" smtClean="0">
-                <a:ea typeface="ＭＳ Ｐゴシック" pitchFamily="-112" charset="-128"/>
+                <a:ea typeface="MS PGothic" panose="020B0600070205080204" pitchFamily="34" charset="-128"/>
               </a:rPr>
               <a:t>Edit distance</a:t>
             </a:r>
+            <a:endParaRPr lang="en-US" altLang="en-US" smtClean="0">
+              <a:ea typeface="MS PGothic" panose="020B0600070205080204" pitchFamily="34" charset="-128"/>
+            </a:endParaRPr>
           </a:p>
         </p:txBody>
       </p:sp>
@@ -14975,7 +15421,7 @@
           <p:nvPr/>
         </p:nvPicPr>
         <p:blipFill>
-          <a:blip r:embed="rId2" cstate="print"/>
+          <a:blip r:embed="rId1" cstate="print"/>
           <a:srcRect/>
           <a:stretch>
             <a:fillRect/>
@@ -15007,7 +15453,7 @@
           <p:nvPr/>
         </p:nvPicPr>
         <p:blipFill>
-          <a:blip r:embed="rId3" cstate="print"/>
+          <a:blip r:embed="rId2" cstate="print"/>
           <a:srcRect/>
           <a:stretch>
             <a:fillRect/>
@@ -15072,10 +15518,13 @@
           <a:p>
             <a:r>
               <a:rPr lang="en-US" altLang="en-US" smtClean="0">
-                <a:ea typeface="ＭＳ Ｐゴシック" pitchFamily="-112" charset="-128"/>
+                <a:ea typeface="MS PGothic" panose="020B0600070205080204" pitchFamily="34" charset="-128"/>
               </a:rPr>
               <a:t>Edit distance</a:t>
             </a:r>
+            <a:endParaRPr lang="en-US" altLang="en-US" smtClean="0">
+              <a:ea typeface="MS PGothic" panose="020B0600070205080204" pitchFamily="34" charset="-128"/>
+            </a:endParaRPr>
           </a:p>
         </p:txBody>
       </p:sp>
@@ -15093,8 +15542,6 @@
           <a:noFill/>
           <a:ln>
             <a:miter lim="800000"/>
-            <a:headEnd/>
-            <a:tailEnd/>
           </a:ln>
         </p:spPr>
         <p:txBody>
@@ -15103,13 +15550,11 @@
           <a:p>
             <a:fld id="{6DE3CE9F-1BC9-4793-977A-D3DCCDD6042B}" type="slidenum">
               <a:rPr lang="en-US" altLang="en-US">
-                <a:ea typeface="ＭＳ Ｐゴシック" pitchFamily="-112" charset="-128"/>
-              </a:rPr>
-              <a:pPr/>
-              <a:t>9</a:t>
+                <a:ea typeface="MS PGothic" panose="020B0600070205080204" pitchFamily="34" charset="-128"/>
+              </a:rPr>
             </a:fld>
             <a:endParaRPr lang="en-US" altLang="en-US">
-              <a:ea typeface="ＭＳ Ｐゴシック" pitchFamily="-112" charset="-128"/>
+              <a:ea typeface="MS PGothic" panose="020B0600070205080204" pitchFamily="34" charset="-128"/>
             </a:endParaRPr>
           </a:p>
         </p:txBody>
@@ -15123,7 +15568,7 @@
           <p:nvPr/>
         </p:nvPicPr>
         <p:blipFill>
-          <a:blip r:embed="rId2" cstate="print"/>
+          <a:blip r:embed="rId1" cstate="print"/>
           <a:srcRect/>
           <a:stretch>
             <a:fillRect/>
@@ -15840,8 +16285,6 @@
           <a:ln w="9525">
             <a:noFill/>
             <a:miter lim="800000"/>
-            <a:headEnd/>
-            <a:tailEnd/>
           </a:ln>
         </p:spPr>
         <p:txBody>
@@ -15852,7 +16295,7 @@
           <a:p>
             <a:r>
               <a:rPr lang="en-US" altLang="en-US">
-                <a:ea typeface="ＭＳ Ｐゴシック" pitchFamily="-112" charset="-128"/>
+                <a:ea typeface="MS PGothic" panose="020B0600070205080204" pitchFamily="34" charset="-128"/>
               </a:rPr>
               <a:t>Compute the edit distance between </a:t>
             </a:r>
@@ -15861,10 +16304,16 @@
                 <a:solidFill>
                   <a:srgbClr val="00B0F0"/>
                 </a:solidFill>
-                <a:ea typeface="ＭＳ Ｐゴシック" pitchFamily="-112" charset="-128"/>
+                <a:ea typeface="MS PGothic" panose="020B0600070205080204" pitchFamily="34" charset="-128"/>
               </a:rPr>
               <a:t>“paris and alice”</a:t>
             </a:r>
+            <a:endParaRPr lang="en-US" altLang="en-US">
+              <a:solidFill>
+                <a:srgbClr val="00B0F0"/>
+              </a:solidFill>
+              <a:ea typeface="MS PGothic" panose="020B0600070205080204" pitchFamily="34" charset="-128"/>
+            </a:endParaRPr>
           </a:p>
         </p:txBody>
       </p:sp>
@@ -16154,8 +16603,11 @@
       </a:bgFillStyleLst>
     </a:fmtScheme>
   </a:themeElements>
-  <a:objectDefaults/>
-  <a:extraClrSchemeLst/>
+  <a:extLst>
+    <a:ext uri="{05A4C25C-085E-4340-85A3-A5531E510DB2}">
+      <thm15:themeFamily xmlns:thm15="http://schemas.microsoft.com/office/thememl/2012/main" name="Office Theme" id="{62F939B6-93AF-4DB8-9C6B-D6C7DFDC589F}" vid="{4A3C46E8-61CC-4603-A589-7422A47A8E4A}"/>
+    </a:ext>
+  </a:extLst>
 </a:theme>
 </file>
 
@@ -16437,7 +16889,10 @@
       </a:bgFillStyleLst>
     </a:fmtScheme>
   </a:themeElements>
-  <a:objectDefaults/>
-  <a:extraClrSchemeLst/>
+  <a:extLst>
+    <a:ext uri="{05A4C25C-085E-4340-85A3-A5531E510DB2}">
+      <thm15:themeFamily xmlns:thm15="http://schemas.microsoft.com/office/thememl/2012/main" name="Office Theme" id="{62F939B6-93AF-4DB8-9C6B-D6C7DFDC589F}" vid="{4A3C46E8-61CC-4603-A589-7422A47A8E4A}"/>
+    </a:ext>
+  </a:extLst>
 </a:theme>
 </file>